--- a/Instalação de Serviços.pptx
+++ b/Instalação de Serviços.pptx
@@ -2,23 +2,20 @@
 <file path=ppt/presentation.xml><?xml version="1.0" encoding="utf-8"?>
 <p:presentation xmlns:a="http://schemas.openxmlformats.org/drawingml/2006/main" xmlns:r="http://schemas.openxmlformats.org/officeDocument/2006/relationships" xmlns:p="http://schemas.openxmlformats.org/presentationml/2006/main" autoCompressPictures="0">
   <p:sldMasterIdLst>
-    <p:sldMasterId id="2147483648" r:id="rId1"/>
+    <p:sldMasterId id="2147483716" r:id="rId1"/>
   </p:sldMasterIdLst>
   <p:sldIdLst>
     <p:sldId id="256" r:id="rId2"/>
     <p:sldId id="258" r:id="rId3"/>
-    <p:sldId id="269" r:id="rId4"/>
-    <p:sldId id="259" r:id="rId5"/>
-    <p:sldId id="260" r:id="rId6"/>
-    <p:sldId id="261" r:id="rId7"/>
-    <p:sldId id="268" r:id="rId8"/>
-    <p:sldId id="270" r:id="rId9"/>
-    <p:sldId id="262" r:id="rId10"/>
-    <p:sldId id="263" r:id="rId11"/>
-    <p:sldId id="264" r:id="rId12"/>
-    <p:sldId id="265" r:id="rId13"/>
-    <p:sldId id="266" r:id="rId14"/>
-    <p:sldId id="267" r:id="rId15"/>
+    <p:sldId id="257" r:id="rId4"/>
+    <p:sldId id="262" r:id="rId5"/>
+    <p:sldId id="263" r:id="rId6"/>
+    <p:sldId id="264" r:id="rId7"/>
+    <p:sldId id="265" r:id="rId8"/>
+    <p:sldId id="260" r:id="rId9"/>
+    <p:sldId id="266" r:id="rId10"/>
+    <p:sldId id="267" r:id="rId11"/>
+    <p:sldId id="261" r:id="rId12"/>
   </p:sldIdLst>
   <p:sldSz cx="12192000" cy="6858000"/>
   <p:notesSz cx="6858000" cy="9144000"/>
@@ -117,12 +114,17 @@
       </a:defRPr>
     </a:lvl9pPr>
   </p:defaultTextStyle>
+  <p:extLst>
+    <p:ext uri="{EFAFB233-063F-42B5-8137-9DF3F51BA10A}">
+      <p15:sldGuideLst xmlns:p15="http://schemas.microsoft.com/office/powerpoint/2012/main"/>
+    </p:ext>
+  </p:extLst>
 </p:presentation>
 </file>
 
 <file path=ppt/slideLayouts/slideLayout1.xml><?xml version="1.0" encoding="utf-8"?>
 <p:sldLayout xmlns:a="http://schemas.openxmlformats.org/drawingml/2006/main" xmlns:r="http://schemas.openxmlformats.org/officeDocument/2006/relationships" xmlns:p="http://schemas.openxmlformats.org/presentationml/2006/main" showMasterSp="0" type="title" preserve="1">
-  <p:cSld name="Diapositivo de Título">
+  <p:cSld name="Title Slide">
     <p:spTree>
       <p:nvGrpSpPr>
         <p:cNvPr id="1" name=""/>
@@ -698,8 +700,8 @@
           </a:lstStyle>
           <a:p>
             <a:r>
-              <a:rPr lang="pt-PT" smtClean="0"/>
-              <a:t>Clique para editar o estilo</a:t>
+              <a:rPr lang="en-US" smtClean="0"/>
+              <a:t>Click to edit Master title style</a:t>
             </a:r>
             <a:endParaRPr lang="en-US" dirty="0"/>
           </a:p>
@@ -818,8 +820,8 @@
           </a:lstStyle>
           <a:p>
             <a:r>
-              <a:rPr lang="pt-PT" smtClean="0"/>
-              <a:t>Clique para editar o estilo do subtítulo do Modelo Global</a:t>
+              <a:rPr lang="en-US" smtClean="0"/>
+              <a:t>Click to edit Master subtitle style</a:t>
             </a:r>
             <a:endParaRPr lang="en-US" dirty="0"/>
           </a:p>
@@ -840,10 +842,9 @@
           <a:bodyPr/>
           <a:lstStyle/>
           <a:p>
-            <a:fld id="{B61BEF0D-F0BB-DE4B-95CE-6DB70DBA9567}" type="datetimeFigureOut">
-              <a:rPr lang="en-US" dirty="0"/>
-              <a:pPr/>
-              <a:t>1/8/2016</a:t>
+            <a:fld id="{48A87A34-81AB-432B-8DAE-1953F412C126}" type="datetimeFigureOut">
+              <a:rPr lang="en-US" smtClean="0"/>
+              <a:t>1/10/2016</a:t>
             </a:fld>
             <a:endParaRPr lang="en-US" dirty="0"/>
           </a:p>
@@ -883,9 +884,8 @@
           <a:bodyPr/>
           <a:lstStyle/>
           <a:p>
-            <a:fld id="{D57F1E4F-1CFF-5643-939E-217C01CDF565}" type="slidenum">
-              <a:rPr lang="en-US" dirty="0"/>
-              <a:pPr/>
+            <a:fld id="{6D22F896-40B5-4ADD-8801-0D06FADFA095}" type="slidenum">
+              <a:rPr lang="en-US" smtClean="0"/>
               <a:t>‹nº›</a:t>
             </a:fld>
             <a:endParaRPr lang="en-US" dirty="0"/>
@@ -893,6 +893,11 @@
         </p:txBody>
       </p:sp>
     </p:spTree>
+    <p:extLst>
+      <p:ext uri="{BB962C8B-B14F-4D97-AF65-F5344CB8AC3E}">
+        <p14:creationId xmlns:p14="http://schemas.microsoft.com/office/powerpoint/2010/main" val="1917367036"/>
+      </p:ext>
+    </p:extLst>
   </p:cSld>
   <p:clrMapOvr>
     <a:masterClrMapping/>
@@ -902,7 +907,7 @@
 
 <file path=ppt/slideLayouts/slideLayout10.xml><?xml version="1.0" encoding="utf-8"?>
 <p:sldLayout xmlns:a="http://schemas.openxmlformats.org/drawingml/2006/main" xmlns:r="http://schemas.openxmlformats.org/officeDocument/2006/relationships" xmlns:p="http://schemas.openxmlformats.org/presentationml/2006/main" preserve="1">
-  <p:cSld name="Título e Legenda">
+  <p:cSld name="Title and Caption">
     <p:spTree>
       <p:nvGrpSpPr>
         <p:cNvPr id="1" name=""/>
@@ -944,8 +949,8 @@
           </a:lstStyle>
           <a:p>
             <a:r>
-              <a:rPr lang="pt-PT" smtClean="0"/>
-              <a:t>Clique para editar o estilo</a:t>
+              <a:rPr lang="en-US" smtClean="0"/>
+              <a:t>Click to edit Master title style</a:t>
             </a:r>
             <a:endParaRPr lang="en-US" dirty="0"/>
           </a:p>
@@ -1067,8 +1072,8 @@
           <a:p>
             <a:pPr lvl="0"/>
             <a:r>
-              <a:rPr lang="pt-PT" smtClean="0"/>
-              <a:t>Editar os estilos de texto do Modelo Global</a:t>
+              <a:rPr lang="en-US" smtClean="0"/>
+              <a:t>Edit Master text styles</a:t>
             </a:r>
           </a:p>
         </p:txBody>
@@ -1088,10 +1093,10 @@
           <a:bodyPr/>
           <a:lstStyle/>
           <a:p>
-            <a:fld id="{B61BEF0D-F0BB-DE4B-95CE-6DB70DBA9567}" type="datetimeFigureOut">
-              <a:rPr lang="en-US" dirty="0"/>
+            <a:fld id="{48A87A34-81AB-432B-8DAE-1953F412C126}" type="datetimeFigureOut">
+              <a:rPr lang="en-US" smtClean="0"/>
               <a:pPr/>
-              <a:t>1/8/2016</a:t>
+              <a:t>1/10/2016</a:t>
             </a:fld>
             <a:endParaRPr lang="en-US" dirty="0"/>
           </a:p>
@@ -1131,8 +1136,8 @@
           <a:bodyPr/>
           <a:lstStyle/>
           <a:p>
-            <a:fld id="{D57F1E4F-1CFF-5643-939E-217C01CDF565}" type="slidenum">
-              <a:rPr lang="en-US" dirty="0"/>
+            <a:fld id="{6D22F896-40B5-4ADD-8801-0D06FADFA095}" type="slidenum">
+              <a:rPr lang="en-US" smtClean="0"/>
               <a:pPr/>
               <a:t>‹nº›</a:t>
             </a:fld>
@@ -1141,6 +1146,11 @@
         </p:txBody>
       </p:sp>
     </p:spTree>
+    <p:extLst>
+      <p:ext uri="{BB962C8B-B14F-4D97-AF65-F5344CB8AC3E}">
+        <p14:creationId xmlns:p14="http://schemas.microsoft.com/office/powerpoint/2010/main" val="2504191490"/>
+      </p:ext>
+    </p:extLst>
   </p:cSld>
   <p:clrMapOvr>
     <a:masterClrMapping/>
@@ -1150,7 +1160,7 @@
 
 <file path=ppt/slideLayouts/slideLayout11.xml><?xml version="1.0" encoding="utf-8"?>
 <p:sldLayout xmlns:a="http://schemas.openxmlformats.org/drawingml/2006/main" xmlns:r="http://schemas.openxmlformats.org/officeDocument/2006/relationships" xmlns:p="http://schemas.openxmlformats.org/presentationml/2006/main" preserve="1">
-  <p:cSld name="Citação com Legenda">
+  <p:cSld name="Quote with Caption">
     <p:spTree>
       <p:nvGrpSpPr>
         <p:cNvPr id="1" name=""/>
@@ -1192,8 +1202,8 @@
           </a:lstStyle>
           <a:p>
             <a:r>
-              <a:rPr lang="pt-PT" smtClean="0"/>
-              <a:t>Clique para editar o estilo</a:t>
+              <a:rPr lang="en-US" smtClean="0"/>
+              <a:t>Click to edit Master title style</a:t>
             </a:r>
             <a:endParaRPr lang="en-US" dirty="0"/>
           </a:p>
@@ -1256,8 +1266,8 @@
           <a:p>
             <a:pPr lvl="0"/>
             <a:r>
-              <a:rPr lang="pt-PT" smtClean="0"/>
-              <a:t>Editar os estilos de texto do Modelo Global</a:t>
+              <a:rPr lang="en-US" smtClean="0"/>
+              <a:t>Edit Master text styles</a:t>
             </a:r>
           </a:p>
         </p:txBody>
@@ -1378,8 +1388,8 @@
           <a:p>
             <a:pPr lvl="0"/>
             <a:r>
-              <a:rPr lang="pt-PT" smtClean="0"/>
-              <a:t>Editar os estilos de texto do Modelo Global</a:t>
+              <a:rPr lang="en-US" smtClean="0"/>
+              <a:t>Edit Master text styles</a:t>
             </a:r>
           </a:p>
         </p:txBody>
@@ -1399,10 +1409,10 @@
           <a:bodyPr/>
           <a:lstStyle/>
           <a:p>
-            <a:fld id="{B61BEF0D-F0BB-DE4B-95CE-6DB70DBA9567}" type="datetimeFigureOut">
-              <a:rPr lang="en-US" dirty="0"/>
+            <a:fld id="{48A87A34-81AB-432B-8DAE-1953F412C126}" type="datetimeFigureOut">
+              <a:rPr lang="en-US" smtClean="0"/>
               <a:pPr/>
-              <a:t>1/8/2016</a:t>
+              <a:t>1/10/2016</a:t>
             </a:fld>
             <a:endParaRPr lang="en-US" dirty="0"/>
           </a:p>
@@ -1442,8 +1452,8 @@
           <a:bodyPr/>
           <a:lstStyle/>
           <a:p>
-            <a:fld id="{D57F1E4F-1CFF-5643-939E-217C01CDF565}" type="slidenum">
-              <a:rPr lang="en-US" dirty="0"/>
+            <a:fld id="{6D22F896-40B5-4ADD-8801-0D06FADFA095}" type="slidenum">
+              <a:rPr lang="en-US" smtClean="0"/>
               <a:pPr/>
               <a:t>‹nº›</a:t>
             </a:fld>
@@ -1542,6 +1552,11 @@
         </p:txBody>
       </p:sp>
     </p:spTree>
+    <p:extLst>
+      <p:ext uri="{BB962C8B-B14F-4D97-AF65-F5344CB8AC3E}">
+        <p14:creationId xmlns:p14="http://schemas.microsoft.com/office/powerpoint/2010/main" val="896660449"/>
+      </p:ext>
+    </p:extLst>
   </p:cSld>
   <p:clrMapOvr>
     <a:masterClrMapping/>
@@ -1551,7 +1566,7 @@
 
 <file path=ppt/slideLayouts/slideLayout12.xml><?xml version="1.0" encoding="utf-8"?>
 <p:sldLayout xmlns:a="http://schemas.openxmlformats.org/drawingml/2006/main" xmlns:r="http://schemas.openxmlformats.org/officeDocument/2006/relationships" xmlns:p="http://schemas.openxmlformats.org/presentationml/2006/main" preserve="1">
-  <p:cSld name="Cartão de Nome">
+  <p:cSld name="Name Card">
     <p:spTree>
       <p:nvGrpSpPr>
         <p:cNvPr id="1" name=""/>
@@ -1593,8 +1608,8 @@
           </a:lstStyle>
           <a:p>
             <a:r>
-              <a:rPr lang="pt-PT" smtClean="0"/>
-              <a:t>Clique para editar o estilo</a:t>
+              <a:rPr lang="en-US" smtClean="0"/>
+              <a:t>Click to edit Master title style</a:t>
             </a:r>
             <a:endParaRPr lang="en-US" dirty="0"/>
           </a:p>
@@ -1716,8 +1731,8 @@
           <a:p>
             <a:pPr lvl="0"/>
             <a:r>
-              <a:rPr lang="pt-PT" smtClean="0"/>
-              <a:t>Editar os estilos de texto do Modelo Global</a:t>
+              <a:rPr lang="en-US" smtClean="0"/>
+              <a:t>Edit Master text styles</a:t>
             </a:r>
           </a:p>
         </p:txBody>
@@ -1737,10 +1752,10 @@
           <a:bodyPr/>
           <a:lstStyle/>
           <a:p>
-            <a:fld id="{B61BEF0D-F0BB-DE4B-95CE-6DB70DBA9567}" type="datetimeFigureOut">
-              <a:rPr lang="en-US" dirty="0"/>
+            <a:fld id="{48A87A34-81AB-432B-8DAE-1953F412C126}" type="datetimeFigureOut">
+              <a:rPr lang="en-US" smtClean="0"/>
               <a:pPr/>
-              <a:t>1/8/2016</a:t>
+              <a:t>1/10/2016</a:t>
             </a:fld>
             <a:endParaRPr lang="en-US" dirty="0"/>
           </a:p>
@@ -1780,8 +1795,8 @@
           <a:bodyPr/>
           <a:lstStyle/>
           <a:p>
-            <a:fld id="{D57F1E4F-1CFF-5643-939E-217C01CDF565}" type="slidenum">
-              <a:rPr lang="en-US" dirty="0"/>
+            <a:fld id="{6D22F896-40B5-4ADD-8801-0D06FADFA095}" type="slidenum">
+              <a:rPr lang="en-US" smtClean="0"/>
               <a:pPr/>
               <a:t>‹nº›</a:t>
             </a:fld>
@@ -1790,6 +1805,11 @@
         </p:txBody>
       </p:sp>
     </p:spTree>
+    <p:extLst>
+      <p:ext uri="{BB962C8B-B14F-4D97-AF65-F5344CB8AC3E}">
+        <p14:creationId xmlns:p14="http://schemas.microsoft.com/office/powerpoint/2010/main" val="3911638266"/>
+      </p:ext>
+    </p:extLst>
   </p:cSld>
   <p:clrMapOvr>
     <a:masterClrMapping/>
@@ -1799,7 +1819,7 @@
 
 <file path=ppt/slideLayouts/slideLayout13.xml><?xml version="1.0" encoding="utf-8"?>
 <p:sldLayout xmlns:a="http://schemas.openxmlformats.org/drawingml/2006/main" xmlns:r="http://schemas.openxmlformats.org/officeDocument/2006/relationships" xmlns:p="http://schemas.openxmlformats.org/presentationml/2006/main" preserve="1">
-  <p:cSld name="Cartão de Nome com Citação">
+  <p:cSld name="Quote Name Card">
     <p:spTree>
       <p:nvGrpSpPr>
         <p:cNvPr id="1" name=""/>
@@ -1841,8 +1861,8 @@
           </a:lstStyle>
           <a:p>
             <a:r>
-              <a:rPr lang="pt-PT" smtClean="0"/>
-              <a:t>Clique para editar o estilo</a:t>
+              <a:rPr lang="en-US" smtClean="0"/>
+              <a:t>Click to edit Master title style</a:t>
             </a:r>
             <a:endParaRPr lang="en-US" dirty="0"/>
           </a:p>
@@ -1905,8 +1925,8 @@
           <a:p>
             <a:pPr lvl="0"/>
             <a:r>
-              <a:rPr lang="pt-PT" smtClean="0"/>
-              <a:t>Editar os estilos de texto do Modelo Global</a:t>
+              <a:rPr lang="en-US" smtClean="0"/>
+              <a:t>Edit Master text styles</a:t>
             </a:r>
           </a:p>
         </p:txBody>
@@ -2027,8 +2047,8 @@
           <a:p>
             <a:pPr lvl="0"/>
             <a:r>
-              <a:rPr lang="pt-PT" smtClean="0"/>
-              <a:t>Editar os estilos de texto do Modelo Global</a:t>
+              <a:rPr lang="en-US" smtClean="0"/>
+              <a:t>Edit Master text styles</a:t>
             </a:r>
           </a:p>
         </p:txBody>
@@ -2048,10 +2068,10 @@
           <a:bodyPr/>
           <a:lstStyle/>
           <a:p>
-            <a:fld id="{B61BEF0D-F0BB-DE4B-95CE-6DB70DBA9567}" type="datetimeFigureOut">
-              <a:rPr lang="en-US" dirty="0"/>
+            <a:fld id="{48A87A34-81AB-432B-8DAE-1953F412C126}" type="datetimeFigureOut">
+              <a:rPr lang="en-US" smtClean="0"/>
               <a:pPr/>
-              <a:t>1/8/2016</a:t>
+              <a:t>1/10/2016</a:t>
             </a:fld>
             <a:endParaRPr lang="en-US" dirty="0"/>
           </a:p>
@@ -2091,8 +2111,8 @@
           <a:bodyPr/>
           <a:lstStyle/>
           <a:p>
-            <a:fld id="{D57F1E4F-1CFF-5643-939E-217C01CDF565}" type="slidenum">
-              <a:rPr lang="en-US" dirty="0"/>
+            <a:fld id="{6D22F896-40B5-4ADD-8801-0D06FADFA095}" type="slidenum">
+              <a:rPr lang="en-US" smtClean="0"/>
               <a:pPr/>
               <a:t>‹nº›</a:t>
             </a:fld>
@@ -2183,6 +2203,11 @@
         </p:txBody>
       </p:sp>
     </p:spTree>
+    <p:extLst>
+      <p:ext uri="{BB962C8B-B14F-4D97-AF65-F5344CB8AC3E}">
+        <p14:creationId xmlns:p14="http://schemas.microsoft.com/office/powerpoint/2010/main" val="3812608641"/>
+      </p:ext>
+    </p:extLst>
   </p:cSld>
   <p:clrMapOvr>
     <a:masterClrMapping/>
@@ -2192,7 +2217,7 @@
 
 <file path=ppt/slideLayouts/slideLayout14.xml><?xml version="1.0" encoding="utf-8"?>
 <p:sldLayout xmlns:a="http://schemas.openxmlformats.org/drawingml/2006/main" xmlns:r="http://schemas.openxmlformats.org/officeDocument/2006/relationships" xmlns:p="http://schemas.openxmlformats.org/presentationml/2006/main" preserve="1">
-  <p:cSld name="Verdadeiro ou Falso">
+  <p:cSld name="True or False">
     <p:spTree>
       <p:nvGrpSpPr>
         <p:cNvPr id="1" name=""/>
@@ -2234,8 +2259,8 @@
           </a:lstStyle>
           <a:p>
             <a:r>
-              <a:rPr lang="pt-PT" smtClean="0"/>
-              <a:t>Clique para editar o estilo</a:t>
+              <a:rPr lang="en-US" smtClean="0"/>
+              <a:t>Click to edit Master title style</a:t>
             </a:r>
             <a:endParaRPr lang="en-US" dirty="0"/>
           </a:p>
@@ -2295,8 +2320,8 @@
           <a:p>
             <a:pPr lvl="0"/>
             <a:r>
-              <a:rPr lang="pt-PT" smtClean="0"/>
-              <a:t>Editar os estilos de texto do Modelo Global</a:t>
+              <a:rPr lang="en-US" smtClean="0"/>
+              <a:t>Edit Master text styles</a:t>
             </a:r>
           </a:p>
         </p:txBody>
@@ -2417,8 +2442,8 @@
           <a:p>
             <a:pPr lvl="0"/>
             <a:r>
-              <a:rPr lang="pt-PT" smtClean="0"/>
-              <a:t>Editar os estilos de texto do Modelo Global</a:t>
+              <a:rPr lang="en-US" smtClean="0"/>
+              <a:t>Edit Master text styles</a:t>
             </a:r>
           </a:p>
         </p:txBody>
@@ -2438,10 +2463,10 @@
           <a:bodyPr/>
           <a:lstStyle/>
           <a:p>
-            <a:fld id="{B61BEF0D-F0BB-DE4B-95CE-6DB70DBA9567}" type="datetimeFigureOut">
-              <a:rPr lang="en-US" dirty="0"/>
+            <a:fld id="{48A87A34-81AB-432B-8DAE-1953F412C126}" type="datetimeFigureOut">
+              <a:rPr lang="en-US" smtClean="0"/>
               <a:pPr/>
-              <a:t>1/8/2016</a:t>
+              <a:t>1/10/2016</a:t>
             </a:fld>
             <a:endParaRPr lang="en-US" dirty="0"/>
           </a:p>
@@ -2481,8 +2506,8 @@
           <a:bodyPr/>
           <a:lstStyle/>
           <a:p>
-            <a:fld id="{D57F1E4F-1CFF-5643-939E-217C01CDF565}" type="slidenum">
-              <a:rPr lang="en-US" dirty="0"/>
+            <a:fld id="{6D22F896-40B5-4ADD-8801-0D06FADFA095}" type="slidenum">
+              <a:rPr lang="en-US" smtClean="0"/>
               <a:pPr/>
               <a:t>‹nº›</a:t>
             </a:fld>
@@ -2491,6 +2516,11 @@
         </p:txBody>
       </p:sp>
     </p:spTree>
+    <p:extLst>
+      <p:ext uri="{BB962C8B-B14F-4D97-AF65-F5344CB8AC3E}">
+        <p14:creationId xmlns:p14="http://schemas.microsoft.com/office/powerpoint/2010/main" val="1317371962"/>
+      </p:ext>
+    </p:extLst>
   </p:cSld>
   <p:clrMapOvr>
     <a:masterClrMapping/>
@@ -2500,7 +2530,7 @@
 
 <file path=ppt/slideLayouts/slideLayout15.xml><?xml version="1.0" encoding="utf-8"?>
 <p:sldLayout xmlns:a="http://schemas.openxmlformats.org/drawingml/2006/main" xmlns:r="http://schemas.openxmlformats.org/officeDocument/2006/relationships" xmlns:p="http://schemas.openxmlformats.org/presentationml/2006/main" type="vertTx" preserve="1">
-  <p:cSld name="Título e Texto Vertical">
+  <p:cSld name="Title and Vertical Text">
     <p:spTree>
       <p:nvGrpSpPr>
         <p:cNvPr id="1" name=""/>
@@ -2531,8 +2561,8 @@
           <a:lstStyle/>
           <a:p>
             <a:r>
-              <a:rPr lang="pt-PT" smtClean="0"/>
-              <a:t>Clique para editar o estilo</a:t>
+              <a:rPr lang="en-US" smtClean="0"/>
+              <a:t>Click to edit Master title style</a:t>
             </a:r>
             <a:endParaRPr lang="en-US" dirty="0"/>
           </a:p>
@@ -2555,36 +2585,36 @@
           <a:p>
             <a:pPr lvl="0"/>
             <a:r>
-              <a:rPr lang="pt-PT" smtClean="0"/>
-              <a:t>Editar os estilos de texto do Modelo Global</a:t>
+              <a:rPr lang="en-US" smtClean="0"/>
+              <a:t>Edit Master text styles</a:t>
             </a:r>
           </a:p>
           <a:p>
             <a:pPr lvl="1"/>
             <a:r>
-              <a:rPr lang="pt-PT" smtClean="0"/>
-              <a:t>Segundo nível</a:t>
+              <a:rPr lang="en-US" smtClean="0"/>
+              <a:t>Second level</a:t>
             </a:r>
           </a:p>
           <a:p>
             <a:pPr lvl="2"/>
             <a:r>
-              <a:rPr lang="pt-PT" smtClean="0"/>
-              <a:t>Terceiro nível</a:t>
+              <a:rPr lang="en-US" smtClean="0"/>
+              <a:t>Third level</a:t>
             </a:r>
           </a:p>
           <a:p>
             <a:pPr lvl="3"/>
             <a:r>
-              <a:rPr lang="pt-PT" smtClean="0"/>
-              <a:t>Quarto nível</a:t>
+              <a:rPr lang="en-US" smtClean="0"/>
+              <a:t>Fourth level</a:t>
             </a:r>
           </a:p>
           <a:p>
             <a:pPr lvl="4"/>
             <a:r>
-              <a:rPr lang="pt-PT" smtClean="0"/>
-              <a:t>Quinto nível</a:t>
+              <a:rPr lang="en-US" smtClean="0"/>
+              <a:t>Fifth level</a:t>
             </a:r>
             <a:endParaRPr lang="en-US" dirty="0"/>
           </a:p>
@@ -2605,9 +2635,9 @@
           <a:bodyPr/>
           <a:lstStyle/>
           <a:p>
-            <a:fld id="{55C6B4A9-1611-4792-9094-5F34BCA07E0B}" type="datetimeFigureOut">
-              <a:rPr lang="en-US" dirty="0"/>
-              <a:t>1/8/2016</a:t>
+            <a:fld id="{48A87A34-81AB-432B-8DAE-1953F412C126}" type="datetimeFigureOut">
+              <a:rPr lang="en-US" smtClean="0"/>
+              <a:t>1/10/2016</a:t>
             </a:fld>
             <a:endParaRPr lang="en-US" dirty="0"/>
           </a:p>
@@ -2647,8 +2677,8 @@
           <a:bodyPr/>
           <a:lstStyle/>
           <a:p>
-            <a:fld id="{89333C77-0158-454C-844F-B7AB9BD7DAD4}" type="slidenum">
-              <a:rPr lang="en-US" dirty="0"/>
+            <a:fld id="{6D22F896-40B5-4ADD-8801-0D06FADFA095}" type="slidenum">
+              <a:rPr lang="en-US" smtClean="0"/>
               <a:t>‹nº›</a:t>
             </a:fld>
             <a:endParaRPr lang="en-US" dirty="0"/>
@@ -2656,6 +2686,11 @@
         </p:txBody>
       </p:sp>
     </p:spTree>
+    <p:extLst>
+      <p:ext uri="{BB962C8B-B14F-4D97-AF65-F5344CB8AC3E}">
+        <p14:creationId xmlns:p14="http://schemas.microsoft.com/office/powerpoint/2010/main" val="2302307187"/>
+      </p:ext>
+    </p:extLst>
   </p:cSld>
   <p:clrMapOvr>
     <a:masterClrMapping/>
@@ -2665,7 +2700,7 @@
 
 <file path=ppt/slideLayouts/slideLayout16.xml><?xml version="1.0" encoding="utf-8"?>
 <p:sldLayout xmlns:a="http://schemas.openxmlformats.org/drawingml/2006/main" xmlns:r="http://schemas.openxmlformats.org/officeDocument/2006/relationships" xmlns:p="http://schemas.openxmlformats.org/presentationml/2006/main" type="vertTitleAndTx" preserve="1">
-  <p:cSld name="Título Vertical e Texto">
+  <p:cSld name="Vertical Title and Text">
     <p:spTree>
       <p:nvGrpSpPr>
         <p:cNvPr id="1" name=""/>
@@ -2701,8 +2736,8 @@
           <a:lstStyle/>
           <a:p>
             <a:r>
-              <a:rPr lang="pt-PT" smtClean="0"/>
-              <a:t>Clique para editar o estilo</a:t>
+              <a:rPr lang="en-US" smtClean="0"/>
+              <a:t>Click to edit Master title style</a:t>
             </a:r>
             <a:endParaRPr lang="en-US" dirty="0"/>
           </a:p>
@@ -2730,36 +2765,36 @@
           <a:p>
             <a:pPr lvl="0"/>
             <a:r>
-              <a:rPr lang="pt-PT" smtClean="0"/>
-              <a:t>Editar os estilos de texto do Modelo Global</a:t>
+              <a:rPr lang="en-US" smtClean="0"/>
+              <a:t>Edit Master text styles</a:t>
             </a:r>
           </a:p>
           <a:p>
             <a:pPr lvl="1"/>
             <a:r>
-              <a:rPr lang="pt-PT" smtClean="0"/>
-              <a:t>Segundo nível</a:t>
+              <a:rPr lang="en-US" smtClean="0"/>
+              <a:t>Second level</a:t>
             </a:r>
           </a:p>
           <a:p>
             <a:pPr lvl="2"/>
             <a:r>
-              <a:rPr lang="pt-PT" smtClean="0"/>
-              <a:t>Terceiro nível</a:t>
+              <a:rPr lang="en-US" smtClean="0"/>
+              <a:t>Third level</a:t>
             </a:r>
           </a:p>
           <a:p>
             <a:pPr lvl="3"/>
             <a:r>
-              <a:rPr lang="pt-PT" smtClean="0"/>
-              <a:t>Quarto nível</a:t>
+              <a:rPr lang="en-US" smtClean="0"/>
+              <a:t>Fourth level</a:t>
             </a:r>
           </a:p>
           <a:p>
             <a:pPr lvl="4"/>
             <a:r>
-              <a:rPr lang="pt-PT" smtClean="0"/>
-              <a:t>Quinto nível</a:t>
+              <a:rPr lang="en-US" smtClean="0"/>
+              <a:t>Fifth level</a:t>
             </a:r>
             <a:endParaRPr lang="en-US" dirty="0"/>
           </a:p>
@@ -2780,10 +2815,9 @@
           <a:bodyPr/>
           <a:lstStyle/>
           <a:p>
-            <a:fld id="{B61BEF0D-F0BB-DE4B-95CE-6DB70DBA9567}" type="datetimeFigureOut">
-              <a:rPr lang="en-US" dirty="0"/>
-              <a:pPr/>
-              <a:t>1/8/2016</a:t>
+            <a:fld id="{48A87A34-81AB-432B-8DAE-1953F412C126}" type="datetimeFigureOut">
+              <a:rPr lang="en-US" smtClean="0"/>
+              <a:t>1/10/2016</a:t>
             </a:fld>
             <a:endParaRPr lang="en-US" dirty="0"/>
           </a:p>
@@ -2823,9 +2857,8 @@
           <a:bodyPr/>
           <a:lstStyle/>
           <a:p>
-            <a:fld id="{D57F1E4F-1CFF-5643-939E-217C01CDF565}" type="slidenum">
-              <a:rPr lang="en-US" dirty="0"/>
-              <a:pPr/>
+            <a:fld id="{6D22F896-40B5-4ADD-8801-0D06FADFA095}" type="slidenum">
+              <a:rPr lang="en-US" smtClean="0"/>
               <a:t>‹nº›</a:t>
             </a:fld>
             <a:endParaRPr lang="en-US" dirty="0"/>
@@ -2833,6 +2866,11 @@
         </p:txBody>
       </p:sp>
     </p:spTree>
+    <p:extLst>
+      <p:ext uri="{BB962C8B-B14F-4D97-AF65-F5344CB8AC3E}">
+        <p14:creationId xmlns:p14="http://schemas.microsoft.com/office/powerpoint/2010/main" val="843580183"/>
+      </p:ext>
+    </p:extLst>
   </p:cSld>
   <p:clrMapOvr>
     <a:masterClrMapping/>
@@ -2842,7 +2880,7 @@
 
 <file path=ppt/slideLayouts/slideLayout2.xml><?xml version="1.0" encoding="utf-8"?>
 <p:sldLayout xmlns:a="http://schemas.openxmlformats.org/drawingml/2006/main" xmlns:r="http://schemas.openxmlformats.org/officeDocument/2006/relationships" xmlns:p="http://schemas.openxmlformats.org/presentationml/2006/main" type="obj" preserve="1">
-  <p:cSld name="Título e Objeto">
+  <p:cSld name="Title and Content">
     <p:spTree>
       <p:nvGrpSpPr>
         <p:cNvPr id="1" name=""/>
@@ -2879,8 +2917,8 @@
           </a:lstStyle>
           <a:p>
             <a:r>
-              <a:rPr lang="pt-PT" smtClean="0"/>
-              <a:t>Clique para editar o estilo</a:t>
+              <a:rPr lang="en-US" smtClean="0"/>
+              <a:t>Click to edit Master title style</a:t>
             </a:r>
             <a:endParaRPr lang="en-US" dirty="0"/>
           </a:p>
@@ -2903,36 +2941,36 @@
           <a:p>
             <a:pPr lvl="0"/>
             <a:r>
-              <a:rPr lang="pt-PT" smtClean="0"/>
-              <a:t>Editar os estilos de texto do Modelo Global</a:t>
+              <a:rPr lang="en-US" smtClean="0"/>
+              <a:t>Edit Master text styles</a:t>
             </a:r>
           </a:p>
           <a:p>
             <a:pPr lvl="1"/>
             <a:r>
-              <a:rPr lang="pt-PT" smtClean="0"/>
-              <a:t>Segundo nível</a:t>
+              <a:rPr lang="en-US" smtClean="0"/>
+              <a:t>Second level</a:t>
             </a:r>
           </a:p>
           <a:p>
             <a:pPr lvl="2"/>
             <a:r>
-              <a:rPr lang="pt-PT" smtClean="0"/>
-              <a:t>Terceiro nível</a:t>
+              <a:rPr lang="en-US" smtClean="0"/>
+              <a:t>Third level</a:t>
             </a:r>
           </a:p>
           <a:p>
             <a:pPr lvl="3"/>
             <a:r>
-              <a:rPr lang="pt-PT" smtClean="0"/>
-              <a:t>Quarto nível</a:t>
+              <a:rPr lang="en-US" smtClean="0"/>
+              <a:t>Fourth level</a:t>
             </a:r>
           </a:p>
           <a:p>
             <a:pPr lvl="4"/>
             <a:r>
-              <a:rPr lang="pt-PT" smtClean="0"/>
-              <a:t>Quinto nível</a:t>
+              <a:rPr lang="en-US" smtClean="0"/>
+              <a:t>Fifth level</a:t>
             </a:r>
             <a:endParaRPr lang="en-US" dirty="0"/>
           </a:p>
@@ -2953,10 +2991,9 @@
           <a:bodyPr/>
           <a:lstStyle/>
           <a:p>
-            <a:fld id="{B61BEF0D-F0BB-DE4B-95CE-6DB70DBA9567}" type="datetimeFigureOut">
-              <a:rPr lang="en-US" dirty="0"/>
-              <a:pPr/>
-              <a:t>1/8/2016</a:t>
+            <a:fld id="{48A87A34-81AB-432B-8DAE-1953F412C126}" type="datetimeFigureOut">
+              <a:rPr lang="en-US" smtClean="0"/>
+              <a:t>1/10/2016</a:t>
             </a:fld>
             <a:endParaRPr lang="en-US" dirty="0"/>
           </a:p>
@@ -2996,9 +3033,8 @@
           <a:bodyPr/>
           <a:lstStyle/>
           <a:p>
-            <a:fld id="{D57F1E4F-1CFF-5643-939E-217C01CDF565}" type="slidenum">
-              <a:rPr lang="en-US" dirty="0"/>
-              <a:pPr/>
+            <a:fld id="{6D22F896-40B5-4ADD-8801-0D06FADFA095}" type="slidenum">
+              <a:rPr lang="en-US" smtClean="0"/>
               <a:t>‹nº›</a:t>
             </a:fld>
             <a:endParaRPr lang="en-US" dirty="0"/>
@@ -3006,6 +3042,11 @@
         </p:txBody>
       </p:sp>
     </p:spTree>
+    <p:extLst>
+      <p:ext uri="{BB962C8B-B14F-4D97-AF65-F5344CB8AC3E}">
+        <p14:creationId xmlns:p14="http://schemas.microsoft.com/office/powerpoint/2010/main" val="3237236466"/>
+      </p:ext>
+    </p:extLst>
   </p:cSld>
   <p:clrMapOvr>
     <a:masterClrMapping/>
@@ -3015,7 +3056,7 @@
 
 <file path=ppt/slideLayouts/slideLayout3.xml><?xml version="1.0" encoding="utf-8"?>
 <p:sldLayout xmlns:a="http://schemas.openxmlformats.org/drawingml/2006/main" xmlns:r="http://schemas.openxmlformats.org/officeDocument/2006/relationships" xmlns:p="http://schemas.openxmlformats.org/presentationml/2006/main" type="secHead" preserve="1">
-  <p:cSld name="Cabeçalho da Secção">
+  <p:cSld name="Section Header">
     <p:spTree>
       <p:nvGrpSpPr>
         <p:cNvPr id="1" name=""/>
@@ -3055,8 +3096,8 @@
           </a:lstStyle>
           <a:p>
             <a:r>
-              <a:rPr lang="pt-PT" smtClean="0"/>
-              <a:t>Clique para editar o estilo</a:t>
+              <a:rPr lang="en-US" smtClean="0"/>
+              <a:t>Click to edit Master title style</a:t>
             </a:r>
             <a:endParaRPr lang="en-US" dirty="0"/>
           </a:p>
@@ -3176,8 +3217,8 @@
           <a:p>
             <a:pPr lvl="0"/>
             <a:r>
-              <a:rPr lang="pt-PT" smtClean="0"/>
-              <a:t>Editar os estilos de texto do Modelo Global</a:t>
+              <a:rPr lang="en-US" smtClean="0"/>
+              <a:t>Edit Master text styles</a:t>
             </a:r>
           </a:p>
         </p:txBody>
@@ -3197,10 +3238,9 @@
           <a:bodyPr/>
           <a:lstStyle/>
           <a:p>
-            <a:fld id="{B61BEF0D-F0BB-DE4B-95CE-6DB70DBA9567}" type="datetimeFigureOut">
-              <a:rPr lang="en-US" dirty="0"/>
-              <a:pPr/>
-              <a:t>1/8/2016</a:t>
+            <a:fld id="{48A87A34-81AB-432B-8DAE-1953F412C126}" type="datetimeFigureOut">
+              <a:rPr lang="en-US" smtClean="0"/>
+              <a:t>1/10/2016</a:t>
             </a:fld>
             <a:endParaRPr lang="en-US" dirty="0"/>
           </a:p>
@@ -3240,9 +3280,8 @@
           <a:bodyPr/>
           <a:lstStyle/>
           <a:p>
-            <a:fld id="{D57F1E4F-1CFF-5643-939E-217C01CDF565}" type="slidenum">
-              <a:rPr lang="en-US" dirty="0"/>
-              <a:pPr/>
+            <a:fld id="{6D22F896-40B5-4ADD-8801-0D06FADFA095}" type="slidenum">
+              <a:rPr lang="en-US" smtClean="0"/>
               <a:t>‹nº›</a:t>
             </a:fld>
             <a:endParaRPr lang="en-US" dirty="0"/>
@@ -3250,6 +3289,11 @@
         </p:txBody>
       </p:sp>
     </p:spTree>
+    <p:extLst>
+      <p:ext uri="{BB962C8B-B14F-4D97-AF65-F5344CB8AC3E}">
+        <p14:creationId xmlns:p14="http://schemas.microsoft.com/office/powerpoint/2010/main" val="1433747277"/>
+      </p:ext>
+    </p:extLst>
   </p:cSld>
   <p:clrMapOvr>
     <a:masterClrMapping/>
@@ -3259,7 +3303,7 @@
 
 <file path=ppt/slideLayouts/slideLayout4.xml><?xml version="1.0" encoding="utf-8"?>
 <p:sldLayout xmlns:a="http://schemas.openxmlformats.org/drawingml/2006/main" xmlns:r="http://schemas.openxmlformats.org/officeDocument/2006/relationships" xmlns:p="http://schemas.openxmlformats.org/presentationml/2006/main" type="twoObj" preserve="1">
-  <p:cSld name="Conteúdo Duplo">
+  <p:cSld name="Two Content">
     <p:spTree>
       <p:nvGrpSpPr>
         <p:cNvPr id="1" name=""/>
@@ -3290,8 +3334,8 @@
           <a:lstStyle/>
           <a:p>
             <a:r>
-              <a:rPr lang="pt-PT" smtClean="0"/>
-              <a:t>Clique para editar o estilo</a:t>
+              <a:rPr lang="en-US" smtClean="0"/>
+              <a:t>Click to edit Master title style</a:t>
             </a:r>
             <a:endParaRPr lang="en-US" dirty="0"/>
           </a:p>
@@ -3319,36 +3363,36 @@
           <a:p>
             <a:pPr lvl="0"/>
             <a:r>
-              <a:rPr lang="pt-PT" smtClean="0"/>
-              <a:t>Editar os estilos de texto do Modelo Global</a:t>
+              <a:rPr lang="en-US" smtClean="0"/>
+              <a:t>Edit Master text styles</a:t>
             </a:r>
           </a:p>
           <a:p>
             <a:pPr lvl="1"/>
             <a:r>
-              <a:rPr lang="pt-PT" smtClean="0"/>
-              <a:t>Segundo nível</a:t>
+              <a:rPr lang="en-US" smtClean="0"/>
+              <a:t>Second level</a:t>
             </a:r>
           </a:p>
           <a:p>
             <a:pPr lvl="2"/>
             <a:r>
-              <a:rPr lang="pt-PT" smtClean="0"/>
-              <a:t>Terceiro nível</a:t>
+              <a:rPr lang="en-US" smtClean="0"/>
+              <a:t>Third level</a:t>
             </a:r>
           </a:p>
           <a:p>
             <a:pPr lvl="3"/>
             <a:r>
-              <a:rPr lang="pt-PT" smtClean="0"/>
-              <a:t>Quarto nível</a:t>
+              <a:rPr lang="en-US" smtClean="0"/>
+              <a:t>Fourth level</a:t>
             </a:r>
           </a:p>
           <a:p>
             <a:pPr lvl="4"/>
             <a:r>
-              <a:rPr lang="pt-PT" smtClean="0"/>
-              <a:t>Quinto nível</a:t>
+              <a:rPr lang="en-US" smtClean="0"/>
+              <a:t>Fifth level</a:t>
             </a:r>
             <a:endParaRPr lang="en-US" dirty="0"/>
           </a:p>
@@ -3376,36 +3420,36 @@
           <a:p>
             <a:pPr lvl="0"/>
             <a:r>
-              <a:rPr lang="pt-PT" smtClean="0"/>
-              <a:t>Editar os estilos de texto do Modelo Global</a:t>
+              <a:rPr lang="en-US" smtClean="0"/>
+              <a:t>Edit Master text styles</a:t>
             </a:r>
           </a:p>
           <a:p>
             <a:pPr lvl="1"/>
             <a:r>
-              <a:rPr lang="pt-PT" smtClean="0"/>
-              <a:t>Segundo nível</a:t>
+              <a:rPr lang="en-US" smtClean="0"/>
+              <a:t>Second level</a:t>
             </a:r>
           </a:p>
           <a:p>
             <a:pPr lvl="2"/>
             <a:r>
-              <a:rPr lang="pt-PT" smtClean="0"/>
-              <a:t>Terceiro nível</a:t>
+              <a:rPr lang="en-US" smtClean="0"/>
+              <a:t>Third level</a:t>
             </a:r>
           </a:p>
           <a:p>
             <a:pPr lvl="3"/>
             <a:r>
-              <a:rPr lang="pt-PT" smtClean="0"/>
-              <a:t>Quarto nível</a:t>
+              <a:rPr lang="en-US" smtClean="0"/>
+              <a:t>Fourth level</a:t>
             </a:r>
           </a:p>
           <a:p>
             <a:pPr lvl="4"/>
             <a:r>
-              <a:rPr lang="pt-PT" smtClean="0"/>
-              <a:t>Quinto nível</a:t>
+              <a:rPr lang="en-US" smtClean="0"/>
+              <a:t>Fifth level</a:t>
             </a:r>
             <a:endParaRPr lang="en-US" dirty="0"/>
           </a:p>
@@ -3426,9 +3470,9 @@
           <a:bodyPr/>
           <a:lstStyle/>
           <a:p>
-            <a:fld id="{EB712588-04B1-427B-82EE-E8DB90309F08}" type="datetimeFigureOut">
-              <a:rPr lang="en-US" dirty="0"/>
-              <a:t>1/8/2016</a:t>
+            <a:fld id="{48A87A34-81AB-432B-8DAE-1953F412C126}" type="datetimeFigureOut">
+              <a:rPr lang="en-US" smtClean="0"/>
+              <a:t>1/10/2016</a:t>
             </a:fld>
             <a:endParaRPr lang="en-US" dirty="0"/>
           </a:p>
@@ -3468,8 +3512,8 @@
           <a:bodyPr/>
           <a:lstStyle/>
           <a:p>
-            <a:fld id="{6FF9F0C5-380F-41C2-899A-BAC0F0927E16}" type="slidenum">
-              <a:rPr lang="en-US" dirty="0"/>
+            <a:fld id="{6D22F896-40B5-4ADD-8801-0D06FADFA095}" type="slidenum">
+              <a:rPr lang="en-US" smtClean="0"/>
               <a:t>‹nº›</a:t>
             </a:fld>
             <a:endParaRPr lang="en-US" dirty="0"/>
@@ -3477,6 +3521,11 @@
         </p:txBody>
       </p:sp>
     </p:spTree>
+    <p:extLst>
+      <p:ext uri="{BB962C8B-B14F-4D97-AF65-F5344CB8AC3E}">
+        <p14:creationId xmlns:p14="http://schemas.microsoft.com/office/powerpoint/2010/main" val="2358254464"/>
+      </p:ext>
+    </p:extLst>
   </p:cSld>
   <p:clrMapOvr>
     <a:masterClrMapping/>
@@ -3486,7 +3535,7 @@
 
 <file path=ppt/slideLayouts/slideLayout5.xml><?xml version="1.0" encoding="utf-8"?>
 <p:sldLayout xmlns:a="http://schemas.openxmlformats.org/drawingml/2006/main" xmlns:r="http://schemas.openxmlformats.org/officeDocument/2006/relationships" xmlns:p="http://schemas.openxmlformats.org/presentationml/2006/main" type="twoTxTwoObj" preserve="1">
-  <p:cSld name="Comparação">
+  <p:cSld name="Comparison">
     <p:spTree>
       <p:nvGrpSpPr>
         <p:cNvPr id="1" name=""/>
@@ -3521,8 +3570,8 @@
           </a:lstStyle>
           <a:p>
             <a:r>
-              <a:rPr lang="pt-PT" smtClean="0"/>
-              <a:t>Clique para editar o estilo</a:t>
+              <a:rPr lang="en-US" smtClean="0"/>
+              <a:t>Click to edit Master title style</a:t>
             </a:r>
             <a:endParaRPr lang="en-US" dirty="0"/>
           </a:p>
@@ -3589,8 +3638,8 @@
           <a:p>
             <a:pPr lvl="0"/>
             <a:r>
-              <a:rPr lang="pt-PT" smtClean="0"/>
-              <a:t>Editar os estilos de texto do Modelo Global</a:t>
+              <a:rPr lang="en-US" smtClean="0"/>
+              <a:t>Edit Master text styles</a:t>
             </a:r>
           </a:p>
         </p:txBody>
@@ -3619,36 +3668,36 @@
           <a:p>
             <a:pPr lvl="0"/>
             <a:r>
-              <a:rPr lang="pt-PT" smtClean="0"/>
-              <a:t>Editar os estilos de texto do Modelo Global</a:t>
+              <a:rPr lang="en-US" smtClean="0"/>
+              <a:t>Edit Master text styles</a:t>
             </a:r>
           </a:p>
           <a:p>
             <a:pPr lvl="1"/>
             <a:r>
-              <a:rPr lang="pt-PT" smtClean="0"/>
-              <a:t>Segundo nível</a:t>
+              <a:rPr lang="en-US" smtClean="0"/>
+              <a:t>Second level</a:t>
             </a:r>
           </a:p>
           <a:p>
             <a:pPr lvl="2"/>
             <a:r>
-              <a:rPr lang="pt-PT" smtClean="0"/>
-              <a:t>Terceiro nível</a:t>
+              <a:rPr lang="en-US" smtClean="0"/>
+              <a:t>Third level</a:t>
             </a:r>
           </a:p>
           <a:p>
             <a:pPr lvl="3"/>
             <a:r>
-              <a:rPr lang="pt-PT" smtClean="0"/>
-              <a:t>Quarto nível</a:t>
+              <a:rPr lang="en-US" smtClean="0"/>
+              <a:t>Fourth level</a:t>
             </a:r>
           </a:p>
           <a:p>
             <a:pPr lvl="4"/>
             <a:r>
-              <a:rPr lang="pt-PT" smtClean="0"/>
-              <a:t>Quinto nível</a:t>
+              <a:rPr lang="en-US" smtClean="0"/>
+              <a:t>Fifth level</a:t>
             </a:r>
             <a:endParaRPr lang="en-US" dirty="0"/>
           </a:p>
@@ -3715,8 +3764,8 @@
           <a:p>
             <a:pPr lvl="0"/>
             <a:r>
-              <a:rPr lang="pt-PT" smtClean="0"/>
-              <a:t>Editar os estilos de texto do Modelo Global</a:t>
+              <a:rPr lang="en-US" smtClean="0"/>
+              <a:t>Edit Master text styles</a:t>
             </a:r>
           </a:p>
         </p:txBody>
@@ -3745,36 +3794,36 @@
           <a:p>
             <a:pPr lvl="0"/>
             <a:r>
-              <a:rPr lang="pt-PT" smtClean="0"/>
-              <a:t>Editar os estilos de texto do Modelo Global</a:t>
+              <a:rPr lang="en-US" smtClean="0"/>
+              <a:t>Edit Master text styles</a:t>
             </a:r>
           </a:p>
           <a:p>
             <a:pPr lvl="1"/>
             <a:r>
-              <a:rPr lang="pt-PT" smtClean="0"/>
-              <a:t>Segundo nível</a:t>
+              <a:rPr lang="en-US" smtClean="0"/>
+              <a:t>Second level</a:t>
             </a:r>
           </a:p>
           <a:p>
             <a:pPr lvl="2"/>
             <a:r>
-              <a:rPr lang="pt-PT" smtClean="0"/>
-              <a:t>Terceiro nível</a:t>
+              <a:rPr lang="en-US" smtClean="0"/>
+              <a:t>Third level</a:t>
             </a:r>
           </a:p>
           <a:p>
             <a:pPr lvl="3"/>
             <a:r>
-              <a:rPr lang="pt-PT" smtClean="0"/>
-              <a:t>Quarto nível</a:t>
+              <a:rPr lang="en-US" smtClean="0"/>
+              <a:t>Fourth level</a:t>
             </a:r>
           </a:p>
           <a:p>
             <a:pPr lvl="4"/>
             <a:r>
-              <a:rPr lang="pt-PT" smtClean="0"/>
-              <a:t>Quinto nível</a:t>
+              <a:rPr lang="en-US" smtClean="0"/>
+              <a:t>Fifth level</a:t>
             </a:r>
             <a:endParaRPr lang="en-US" dirty="0"/>
           </a:p>
@@ -3795,10 +3844,9 @@
           <a:bodyPr/>
           <a:lstStyle/>
           <a:p>
-            <a:fld id="{B61BEF0D-F0BB-DE4B-95CE-6DB70DBA9567}" type="datetimeFigureOut">
-              <a:rPr lang="en-US" dirty="0"/>
-              <a:pPr/>
-              <a:t>1/8/2016</a:t>
+            <a:fld id="{48A87A34-81AB-432B-8DAE-1953F412C126}" type="datetimeFigureOut">
+              <a:rPr lang="en-US" smtClean="0"/>
+              <a:t>1/10/2016</a:t>
             </a:fld>
             <a:endParaRPr lang="en-US" dirty="0"/>
           </a:p>
@@ -3838,9 +3886,8 @@
           <a:bodyPr/>
           <a:lstStyle/>
           <a:p>
-            <a:fld id="{D57F1E4F-1CFF-5643-939E-217C01CDF565}" type="slidenum">
-              <a:rPr lang="en-US" dirty="0"/>
-              <a:pPr/>
+            <a:fld id="{6D22F896-40B5-4ADD-8801-0D06FADFA095}" type="slidenum">
+              <a:rPr lang="en-US" smtClean="0"/>
               <a:t>‹nº›</a:t>
             </a:fld>
             <a:endParaRPr lang="en-US" dirty="0"/>
@@ -3848,6 +3895,11 @@
         </p:txBody>
       </p:sp>
     </p:spTree>
+    <p:extLst>
+      <p:ext uri="{BB962C8B-B14F-4D97-AF65-F5344CB8AC3E}">
+        <p14:creationId xmlns:p14="http://schemas.microsoft.com/office/powerpoint/2010/main" val="3291407083"/>
+      </p:ext>
+    </p:extLst>
   </p:cSld>
   <p:clrMapOvr>
     <a:masterClrMapping/>
@@ -3857,7 +3909,7 @@
 
 <file path=ppt/slideLayouts/slideLayout6.xml><?xml version="1.0" encoding="utf-8"?>
 <p:sldLayout xmlns:a="http://schemas.openxmlformats.org/drawingml/2006/main" xmlns:r="http://schemas.openxmlformats.org/officeDocument/2006/relationships" xmlns:p="http://schemas.openxmlformats.org/presentationml/2006/main" type="titleOnly" preserve="1">
-  <p:cSld name="Só Título">
+  <p:cSld name="Title Only">
     <p:spTree>
       <p:nvGrpSpPr>
         <p:cNvPr id="1" name=""/>
@@ -3893,8 +3945,8 @@
           <a:lstStyle/>
           <a:p>
             <a:r>
-              <a:rPr lang="pt-PT" smtClean="0"/>
-              <a:t>Clique para editar o estilo</a:t>
+              <a:rPr lang="en-US" smtClean="0"/>
+              <a:t>Click to edit Master title style</a:t>
             </a:r>
             <a:endParaRPr lang="en-US" dirty="0"/>
           </a:p>
@@ -3915,10 +3967,9 @@
           <a:bodyPr/>
           <a:lstStyle/>
           <a:p>
-            <a:fld id="{B61BEF0D-F0BB-DE4B-95CE-6DB70DBA9567}" type="datetimeFigureOut">
-              <a:rPr lang="en-US" dirty="0"/>
-              <a:pPr/>
-              <a:t>1/8/2016</a:t>
+            <a:fld id="{48A87A34-81AB-432B-8DAE-1953F412C126}" type="datetimeFigureOut">
+              <a:rPr lang="en-US" smtClean="0"/>
+              <a:t>1/10/2016</a:t>
             </a:fld>
             <a:endParaRPr lang="en-US" dirty="0"/>
           </a:p>
@@ -3958,9 +4009,8 @@
           <a:bodyPr/>
           <a:lstStyle/>
           <a:p>
-            <a:fld id="{D57F1E4F-1CFF-5643-939E-217C01CDF565}" type="slidenum">
-              <a:rPr lang="en-US" dirty="0"/>
-              <a:pPr/>
+            <a:fld id="{6D22F896-40B5-4ADD-8801-0D06FADFA095}" type="slidenum">
+              <a:rPr lang="en-US" smtClean="0"/>
               <a:t>‹nº›</a:t>
             </a:fld>
             <a:endParaRPr lang="en-US" dirty="0"/>
@@ -3968,6 +4018,11 @@
         </p:txBody>
       </p:sp>
     </p:spTree>
+    <p:extLst>
+      <p:ext uri="{BB962C8B-B14F-4D97-AF65-F5344CB8AC3E}">
+        <p14:creationId xmlns:p14="http://schemas.microsoft.com/office/powerpoint/2010/main" val="3888755366"/>
+      </p:ext>
+    </p:extLst>
   </p:cSld>
   <p:clrMapOvr>
     <a:masterClrMapping/>
@@ -3977,7 +4032,7 @@
 
 <file path=ppt/slideLayouts/slideLayout7.xml><?xml version="1.0" encoding="utf-8"?>
 <p:sldLayout xmlns:a="http://schemas.openxmlformats.org/drawingml/2006/main" xmlns:r="http://schemas.openxmlformats.org/officeDocument/2006/relationships" xmlns:p="http://schemas.openxmlformats.org/presentationml/2006/main" type="blank" preserve="1">
-  <p:cSld name="Em branco">
+  <p:cSld name="Blank">
     <p:spTree>
       <p:nvGrpSpPr>
         <p:cNvPr id="1" name=""/>
@@ -4007,10 +4062,9 @@
           <a:bodyPr/>
           <a:lstStyle/>
           <a:p>
-            <a:fld id="{B61BEF0D-F0BB-DE4B-95CE-6DB70DBA9567}" type="datetimeFigureOut">
-              <a:rPr lang="en-US" dirty="0"/>
-              <a:pPr/>
-              <a:t>1/8/2016</a:t>
+            <a:fld id="{48A87A34-81AB-432B-8DAE-1953F412C126}" type="datetimeFigureOut">
+              <a:rPr lang="en-US" smtClean="0"/>
+              <a:t>1/10/2016</a:t>
             </a:fld>
             <a:endParaRPr lang="en-US" dirty="0"/>
           </a:p>
@@ -4050,9 +4104,8 @@
           <a:bodyPr/>
           <a:lstStyle/>
           <a:p>
-            <a:fld id="{D57F1E4F-1CFF-5643-939E-217C01CDF565}" type="slidenum">
-              <a:rPr lang="en-US" dirty="0"/>
-              <a:pPr/>
+            <a:fld id="{6D22F896-40B5-4ADD-8801-0D06FADFA095}" type="slidenum">
+              <a:rPr lang="en-US" smtClean="0"/>
               <a:t>‹nº›</a:t>
             </a:fld>
             <a:endParaRPr lang="en-US" dirty="0"/>
@@ -4060,6 +4113,11 @@
         </p:txBody>
       </p:sp>
     </p:spTree>
+    <p:extLst>
+      <p:ext uri="{BB962C8B-B14F-4D97-AF65-F5344CB8AC3E}">
+        <p14:creationId xmlns:p14="http://schemas.microsoft.com/office/powerpoint/2010/main" val="3358832158"/>
+      </p:ext>
+    </p:extLst>
   </p:cSld>
   <p:clrMapOvr>
     <a:masterClrMapping/>
@@ -4069,7 +4127,7 @@
 
 <file path=ppt/slideLayouts/slideLayout8.xml><?xml version="1.0" encoding="utf-8"?>
 <p:sldLayout xmlns:a="http://schemas.openxmlformats.org/drawingml/2006/main" xmlns:r="http://schemas.openxmlformats.org/officeDocument/2006/relationships" xmlns:p="http://schemas.openxmlformats.org/presentationml/2006/main" type="objTx" preserve="1">
-  <p:cSld name="Conteúdo com Legenda">
+  <p:cSld name="Content with Caption">
     <p:spTree>
       <p:nvGrpSpPr>
         <p:cNvPr id="1" name=""/>
@@ -4111,8 +4169,8 @@
           </a:lstStyle>
           <a:p>
             <a:r>
-              <a:rPr lang="pt-PT" smtClean="0"/>
-              <a:t>Clique para editar o estilo</a:t>
+              <a:rPr lang="en-US" smtClean="0"/>
+              <a:t>Click to edit Master title style</a:t>
             </a:r>
             <a:endParaRPr lang="en-US" dirty="0"/>
           </a:p>
@@ -4142,36 +4200,36 @@
           <a:p>
             <a:pPr lvl="0"/>
             <a:r>
-              <a:rPr lang="pt-PT" smtClean="0"/>
-              <a:t>Editar os estilos de texto do Modelo Global</a:t>
+              <a:rPr lang="en-US" smtClean="0"/>
+              <a:t>Edit Master text styles</a:t>
             </a:r>
           </a:p>
           <a:p>
             <a:pPr lvl="1"/>
             <a:r>
-              <a:rPr lang="pt-PT" smtClean="0"/>
-              <a:t>Segundo nível</a:t>
+              <a:rPr lang="en-US" smtClean="0"/>
+              <a:t>Second level</a:t>
             </a:r>
           </a:p>
           <a:p>
             <a:pPr lvl="2"/>
             <a:r>
-              <a:rPr lang="pt-PT" smtClean="0"/>
-              <a:t>Terceiro nível</a:t>
+              <a:rPr lang="en-US" smtClean="0"/>
+              <a:t>Third level</a:t>
             </a:r>
           </a:p>
           <a:p>
             <a:pPr lvl="3"/>
             <a:r>
-              <a:rPr lang="pt-PT" smtClean="0"/>
-              <a:t>Quarto nível</a:t>
+              <a:rPr lang="en-US" smtClean="0"/>
+              <a:t>Fourth level</a:t>
             </a:r>
           </a:p>
           <a:p>
             <a:pPr lvl="4"/>
             <a:r>
-              <a:rPr lang="pt-PT" smtClean="0"/>
-              <a:t>Quinto nível</a:t>
+              <a:rPr lang="en-US" smtClean="0"/>
+              <a:t>Fifth level</a:t>
             </a:r>
             <a:endParaRPr lang="en-US" dirty="0"/>
           </a:p>
@@ -4238,8 +4296,8 @@
           <a:p>
             <a:pPr lvl="0"/>
             <a:r>
-              <a:rPr lang="pt-PT" smtClean="0"/>
-              <a:t>Editar os estilos de texto do Modelo Global</a:t>
+              <a:rPr lang="en-US" smtClean="0"/>
+              <a:t>Edit Master text styles</a:t>
             </a:r>
           </a:p>
         </p:txBody>
@@ -4259,9 +4317,9 @@
           <a:bodyPr/>
           <a:lstStyle/>
           <a:p>
-            <a:fld id="{42A54C80-263E-416B-A8E0-580EDEADCBDC}" type="datetimeFigureOut">
-              <a:rPr lang="en-US" dirty="0"/>
-              <a:t>1/8/2016</a:t>
+            <a:fld id="{48A87A34-81AB-432B-8DAE-1953F412C126}" type="datetimeFigureOut">
+              <a:rPr lang="en-US" smtClean="0"/>
+              <a:t>1/10/2016</a:t>
             </a:fld>
             <a:endParaRPr lang="en-US" dirty="0"/>
           </a:p>
@@ -4301,8 +4359,8 @@
           <a:bodyPr/>
           <a:lstStyle/>
           <a:p>
-            <a:fld id="{519954A3-9DFD-4C44-94BA-B95130A3BA1C}" type="slidenum">
-              <a:rPr lang="en-US" dirty="0"/>
+            <a:fld id="{6D22F896-40B5-4ADD-8801-0D06FADFA095}" type="slidenum">
+              <a:rPr lang="en-US" smtClean="0"/>
               <a:t>‹nº›</a:t>
             </a:fld>
             <a:endParaRPr lang="en-US" dirty="0"/>
@@ -4310,6 +4368,11 @@
         </p:txBody>
       </p:sp>
     </p:spTree>
+    <p:extLst>
+      <p:ext uri="{BB962C8B-B14F-4D97-AF65-F5344CB8AC3E}">
+        <p14:creationId xmlns:p14="http://schemas.microsoft.com/office/powerpoint/2010/main" val="3712295616"/>
+      </p:ext>
+    </p:extLst>
   </p:cSld>
   <p:clrMapOvr>
     <a:masterClrMapping/>
@@ -4319,7 +4382,7 @@
 
 <file path=ppt/slideLayouts/slideLayout9.xml><?xml version="1.0" encoding="utf-8"?>
 <p:sldLayout xmlns:a="http://schemas.openxmlformats.org/drawingml/2006/main" xmlns:r="http://schemas.openxmlformats.org/officeDocument/2006/relationships" xmlns:p="http://schemas.openxmlformats.org/presentationml/2006/main" type="picTx" preserve="1">
-  <p:cSld name="Imagem com Legenda">
+  <p:cSld name="Picture with Caption">
     <p:spTree>
       <p:nvGrpSpPr>
         <p:cNvPr id="1" name=""/>
@@ -4361,8 +4424,8 @@
           </a:lstStyle>
           <a:p>
             <a:r>
-              <a:rPr lang="pt-PT" smtClean="0"/>
-              <a:t>Clique para editar o estilo</a:t>
+              <a:rPr lang="en-US" smtClean="0"/>
+              <a:t>Click to edit Master title style</a:t>
             </a:r>
             <a:endParaRPr lang="en-US" dirty="0"/>
           </a:p>
@@ -4428,8 +4491,8 @@
           </a:lstStyle>
           <a:p>
             <a:r>
-              <a:rPr lang="pt-PT" smtClean="0"/>
-              <a:t>Clique no ícone para adicionar uma imagem</a:t>
+              <a:rPr lang="en-US" smtClean="0"/>
+              <a:t>Click icon to add picture</a:t>
             </a:r>
             <a:endParaRPr lang="en-US" dirty="0"/>
           </a:p>
@@ -4496,8 +4559,8 @@
           <a:p>
             <a:pPr lvl="0"/>
             <a:r>
-              <a:rPr lang="pt-PT" smtClean="0"/>
-              <a:t>Editar os estilos de texto do Modelo Global</a:t>
+              <a:rPr lang="en-US" smtClean="0"/>
+              <a:t>Edit Master text styles</a:t>
             </a:r>
           </a:p>
         </p:txBody>
@@ -4517,10 +4580,9 @@
           <a:bodyPr/>
           <a:lstStyle/>
           <a:p>
-            <a:fld id="{B61BEF0D-F0BB-DE4B-95CE-6DB70DBA9567}" type="datetimeFigureOut">
-              <a:rPr lang="en-US" dirty="0"/>
-              <a:pPr/>
-              <a:t>1/8/2016</a:t>
+            <a:fld id="{48A87A34-81AB-432B-8DAE-1953F412C126}" type="datetimeFigureOut">
+              <a:rPr lang="en-US" smtClean="0"/>
+              <a:t>1/10/2016</a:t>
             </a:fld>
             <a:endParaRPr lang="en-US" dirty="0"/>
           </a:p>
@@ -4560,9 +4622,8 @@
           <a:bodyPr/>
           <a:lstStyle/>
           <a:p>
-            <a:fld id="{D57F1E4F-1CFF-5643-939E-217C01CDF565}" type="slidenum">
-              <a:rPr lang="en-US" dirty="0"/>
-              <a:pPr/>
+            <a:fld id="{6D22F896-40B5-4ADD-8801-0D06FADFA095}" type="slidenum">
+              <a:rPr lang="en-US" smtClean="0"/>
               <a:t>‹nº›</a:t>
             </a:fld>
             <a:endParaRPr lang="en-US" dirty="0"/>
@@ -4570,6 +4631,11 @@
         </p:txBody>
       </p:sp>
     </p:spTree>
+    <p:extLst>
+      <p:ext uri="{BB962C8B-B14F-4D97-AF65-F5344CB8AC3E}">
+        <p14:creationId xmlns:p14="http://schemas.microsoft.com/office/powerpoint/2010/main" val="2252858491"/>
+      </p:ext>
+    </p:extLst>
   </p:cSld>
   <p:clrMapOvr>
     <a:masterClrMapping/>
@@ -5155,8 +5221,8 @@
           <a:lstStyle/>
           <a:p>
             <a:r>
-              <a:rPr lang="pt-PT" smtClean="0"/>
-              <a:t>Clique para editar o estilo</a:t>
+              <a:rPr lang="en-US" smtClean="0"/>
+              <a:t>Click to edit Master title style</a:t>
             </a:r>
             <a:endParaRPr lang="en-US" dirty="0"/>
           </a:p>
@@ -5189,36 +5255,36 @@
           <a:p>
             <a:pPr lvl="0"/>
             <a:r>
-              <a:rPr lang="pt-PT" smtClean="0"/>
-              <a:t>Editar os estilos de texto do Modelo Global</a:t>
+              <a:rPr lang="en-US" smtClean="0"/>
+              <a:t>Edit Master text styles</a:t>
             </a:r>
           </a:p>
           <a:p>
             <a:pPr lvl="1"/>
             <a:r>
-              <a:rPr lang="pt-PT" smtClean="0"/>
-              <a:t>Segundo nível</a:t>
+              <a:rPr lang="en-US" smtClean="0"/>
+              <a:t>Second level</a:t>
             </a:r>
           </a:p>
           <a:p>
             <a:pPr lvl="2"/>
             <a:r>
-              <a:rPr lang="pt-PT" smtClean="0"/>
-              <a:t>Terceiro nível</a:t>
+              <a:rPr lang="en-US" smtClean="0"/>
+              <a:t>Third level</a:t>
             </a:r>
           </a:p>
           <a:p>
             <a:pPr lvl="3"/>
             <a:r>
-              <a:rPr lang="pt-PT" smtClean="0"/>
-              <a:t>Quarto nível</a:t>
+              <a:rPr lang="en-US" smtClean="0"/>
+              <a:t>Fourth level</a:t>
             </a:r>
           </a:p>
           <a:p>
             <a:pPr lvl="4"/>
             <a:r>
-              <a:rPr lang="pt-PT" smtClean="0"/>
-              <a:t>Quinto nível</a:t>
+              <a:rPr lang="en-US" smtClean="0"/>
+              <a:t>Fifth level</a:t>
             </a:r>
             <a:endParaRPr lang="en-US" dirty="0"/>
           </a:p>
@@ -5257,10 +5323,10 @@
             </a:lvl1pPr>
           </a:lstStyle>
           <a:p>
-            <a:fld id="{B61BEF0D-F0BB-DE4B-95CE-6DB70DBA9567}" type="datetimeFigureOut">
-              <a:rPr lang="en-US" dirty="0"/>
+            <a:fld id="{48A87A34-81AB-432B-8DAE-1953F412C126}" type="datetimeFigureOut">
+              <a:rPr lang="en-US" smtClean="0"/>
               <a:pPr/>
-              <a:t>1/8/2016</a:t>
+              <a:t>1/10/2016</a:t>
             </a:fld>
             <a:endParaRPr lang="en-US" dirty="0"/>
           </a:p>
@@ -5334,8 +5400,8 @@
             </a:lvl1pPr>
           </a:lstStyle>
           <a:p>
-            <a:fld id="{D57F1E4F-1CFF-5643-939E-217C01CDF565}" type="slidenum">
-              <a:rPr lang="en-US" dirty="0"/>
+            <a:fld id="{6D22F896-40B5-4ADD-8801-0D06FADFA095}" type="slidenum">
+              <a:rPr lang="en-US" smtClean="0"/>
               <a:pPr/>
               <a:t>‹nº›</a:t>
             </a:fld>
@@ -5344,25 +5410,30 @@
         </p:txBody>
       </p:sp>
     </p:spTree>
+    <p:extLst>
+      <p:ext uri="{BB962C8B-B14F-4D97-AF65-F5344CB8AC3E}">
+        <p14:creationId xmlns:p14="http://schemas.microsoft.com/office/powerpoint/2010/main" val="2749147780"/>
+      </p:ext>
+    </p:extLst>
   </p:cSld>
   <p:clrMap bg1="lt1" tx1="dk1" bg2="lt2" tx2="dk2" accent1="accent1" accent2="accent2" accent3="accent3" accent4="accent4" accent5="accent5" accent6="accent6" hlink="hlink" folHlink="folHlink"/>
   <p:sldLayoutIdLst>
-    <p:sldLayoutId id="2147483649" r:id="rId1"/>
-    <p:sldLayoutId id="2147483650" r:id="rId2"/>
-    <p:sldLayoutId id="2147483651" r:id="rId3"/>
-    <p:sldLayoutId id="2147483665" r:id="rId4"/>
-    <p:sldLayoutId id="2147483653" r:id="rId5"/>
-    <p:sldLayoutId id="2147483654" r:id="rId6"/>
-    <p:sldLayoutId id="2147483655" r:id="rId7"/>
-    <p:sldLayoutId id="2147483666" r:id="rId8"/>
-    <p:sldLayoutId id="2147483657" r:id="rId9"/>
-    <p:sldLayoutId id="2147483660" r:id="rId10"/>
-    <p:sldLayoutId id="2147483661" r:id="rId11"/>
-    <p:sldLayoutId id="2147483662" r:id="rId12"/>
-    <p:sldLayoutId id="2147483663" r:id="rId13"/>
-    <p:sldLayoutId id="2147483664" r:id="rId14"/>
-    <p:sldLayoutId id="2147483667" r:id="rId15"/>
-    <p:sldLayoutId id="2147483659" r:id="rId16"/>
+    <p:sldLayoutId id="2147483717" r:id="rId1"/>
+    <p:sldLayoutId id="2147483718" r:id="rId2"/>
+    <p:sldLayoutId id="2147483719" r:id="rId3"/>
+    <p:sldLayoutId id="2147483720" r:id="rId4"/>
+    <p:sldLayoutId id="2147483721" r:id="rId5"/>
+    <p:sldLayoutId id="2147483722" r:id="rId6"/>
+    <p:sldLayoutId id="2147483723" r:id="rId7"/>
+    <p:sldLayoutId id="2147483724" r:id="rId8"/>
+    <p:sldLayoutId id="2147483725" r:id="rId9"/>
+    <p:sldLayoutId id="2147483726" r:id="rId10"/>
+    <p:sldLayoutId id="2147483727" r:id="rId11"/>
+    <p:sldLayoutId id="2147483728" r:id="rId12"/>
+    <p:sldLayoutId id="2147483729" r:id="rId13"/>
+    <p:sldLayoutId id="2147483730" r:id="rId14"/>
+    <p:sldLayoutId id="2147483731" r:id="rId15"/>
+    <p:sldLayoutId id="2147483732" r:id="rId16"/>
   </p:sldLayoutIdLst>
   <p:txStyles>
     <p:titleStyle>
@@ -5766,6 +5837,35 @@
 <file path=ppt/slides/slide1.xml><?xml version="1.0" encoding="utf-8"?>
 <p:sld xmlns:a="http://schemas.openxmlformats.org/drawingml/2006/main" xmlns:r="http://schemas.openxmlformats.org/officeDocument/2006/relationships" xmlns:p="http://schemas.openxmlformats.org/presentationml/2006/main">
   <p:cSld>
+    <p:bg>
+      <p:bgPr>
+        <a:blipFill dpi="0" rotWithShape="1">
+          <a:blip r:embed="rId2">
+            <a:alphaModFix amt="13000"/>
+            <a:lum/>
+            <a:extLst>
+              <a:ext uri="{BEBA8EAE-BF5A-486C-A8C5-ECC9F3942E4B}">
+                <a14:imgProps xmlns:a14="http://schemas.microsoft.com/office/drawing/2010/main">
+                  <a14:imgLayer r:embed="rId3">
+                    <a14:imgEffect>
+                      <a14:colorTemperature colorTemp="10212"/>
+                    </a14:imgEffect>
+                    <a14:imgEffect>
+                      <a14:saturation sat="0"/>
+                    </a14:imgEffect>
+                  </a14:imgLayer>
+                </a14:imgProps>
+              </a:ext>
+            </a:extLst>
+          </a:blip>
+          <a:srcRect/>
+          <a:stretch>
+            <a:fillRect t="-17000" b="-17000"/>
+          </a:stretch>
+        </a:blipFill>
+        <a:effectLst/>
+      </p:bgPr>
+    </p:bg>
     <p:spTree>
       <p:nvGrpSpPr>
         <p:cNvPr id="1" name=""/>
@@ -5782,7 +5882,7 @@
       </p:grpSpPr>
       <p:sp>
         <p:nvSpPr>
-          <p:cNvPr id="2" name="Título 1"/>
+          <p:cNvPr id="2" name="Title 1"/>
           <p:cNvSpPr>
             <a:spLocks noGrp="1"/>
           </p:cNvSpPr>
@@ -5790,22 +5890,156 @@
             <p:ph type="ctrTitle"/>
           </p:nvPr>
         </p:nvSpPr>
-        <p:spPr/>
-        <p:txBody>
-          <a:bodyPr/>
+        <p:spPr>
+          <a:xfrm>
+            <a:off x="612553" y="2391613"/>
+            <a:ext cx="9462845" cy="1300899"/>
+          </a:xfrm>
+        </p:spPr>
+        <p:txBody>
+          <a:bodyPr>
+            <a:normAutofit fontScale="90000"/>
+          </a:bodyPr>
           <a:lstStyle/>
           <a:p>
-            <a:r>
-              <a:rPr lang="pt-PT" dirty="0" smtClean="0"/>
-              <a:t>Instalação de Serviços</a:t>
-            </a:r>
-            <a:endParaRPr lang="pt-PT" dirty="0"/>
-          </a:p>
-        </p:txBody>
-      </p:sp>
-      <p:sp>
-        <p:nvSpPr>
-          <p:cNvPr id="3" name="Subtítulo 2"/>
+            <a:pPr algn="ctr"/>
+            <a:r>
+              <a:rPr lang="en-US" sz="6000" b="1" dirty="0" err="1" smtClean="0">
+                <a:effectLst>
+                  <a:outerShdw blurRad="38100" dist="38100" dir="2700000" algn="tl">
+                    <a:srgbClr val="000000">
+                      <a:alpha val="43137"/>
+                    </a:srgbClr>
+                  </a:outerShdw>
+                </a:effectLst>
+                <a:latin typeface="BolsterBold" pitchFamily="2" charset="0"/>
+                <a:ea typeface="Verdana" panose="020B0604030504040204" pitchFamily="34" charset="0"/>
+                <a:cs typeface="Verdana" panose="020B0604030504040204" pitchFamily="34" charset="0"/>
+              </a:rPr>
+              <a:t>Configuração</a:t>
+            </a:r>
+            <a:r>
+              <a:rPr lang="en-US" sz="6000" b="1" dirty="0" smtClean="0">
+                <a:effectLst>
+                  <a:outerShdw blurRad="38100" dist="38100" dir="2700000" algn="tl">
+                    <a:srgbClr val="000000">
+                      <a:alpha val="43137"/>
+                    </a:srgbClr>
+                  </a:outerShdw>
+                </a:effectLst>
+                <a:latin typeface="BolsterBold" pitchFamily="2" charset="0"/>
+                <a:ea typeface="Verdana" panose="020B0604030504040204" pitchFamily="34" charset="0"/>
+                <a:cs typeface="Verdana" panose="020B0604030504040204" pitchFamily="34" charset="0"/>
+              </a:rPr>
+              <a:t> de </a:t>
+            </a:r>
+            <a:r>
+              <a:rPr lang="en-US" sz="6000" b="1" dirty="0" err="1" smtClean="0">
+                <a:effectLst>
+                  <a:outerShdw blurRad="38100" dist="38100" dir="2700000" algn="tl">
+                    <a:srgbClr val="000000">
+                      <a:alpha val="43137"/>
+                    </a:srgbClr>
+                  </a:outerShdw>
+                </a:effectLst>
+                <a:latin typeface="BolsterBold" pitchFamily="2" charset="0"/>
+                <a:ea typeface="Verdana" panose="020B0604030504040204" pitchFamily="34" charset="0"/>
+                <a:cs typeface="Verdana" panose="020B0604030504040204" pitchFamily="34" charset="0"/>
+              </a:rPr>
+              <a:t>serviços</a:t>
+            </a:r>
+            <a:r>
+              <a:rPr lang="en-US" sz="6000" b="1" dirty="0" smtClean="0">
+                <a:effectLst>
+                  <a:outerShdw blurRad="38100" dist="38100" dir="2700000" algn="tl">
+                    <a:srgbClr val="000000">
+                      <a:alpha val="43137"/>
+                    </a:srgbClr>
+                  </a:outerShdw>
+                </a:effectLst>
+                <a:latin typeface="BolsterBold" pitchFamily="2" charset="0"/>
+                <a:ea typeface="Verdana" panose="020B0604030504040204" pitchFamily="34" charset="0"/>
+                <a:cs typeface="Verdana" panose="020B0604030504040204" pitchFamily="34" charset="0"/>
+              </a:rPr>
+              <a:t/>
+            </a:r>
+            <a:br>
+              <a:rPr lang="en-US" sz="6000" b="1" dirty="0" smtClean="0">
+                <a:effectLst>
+                  <a:outerShdw blurRad="38100" dist="38100" dir="2700000" algn="tl">
+                    <a:srgbClr val="000000">
+                      <a:alpha val="43137"/>
+                    </a:srgbClr>
+                  </a:outerShdw>
+                </a:effectLst>
+                <a:latin typeface="BolsterBold" pitchFamily="2" charset="0"/>
+                <a:ea typeface="Verdana" panose="020B0604030504040204" pitchFamily="34" charset="0"/>
+                <a:cs typeface="Verdana" panose="020B0604030504040204" pitchFamily="34" charset="0"/>
+              </a:rPr>
+            </a:br>
+            <a:r>
+              <a:rPr lang="en-US" sz="6000" b="1" dirty="0" smtClean="0">
+                <a:effectLst>
+                  <a:outerShdw blurRad="38100" dist="38100" dir="2700000" algn="tl">
+                    <a:srgbClr val="000000">
+                      <a:alpha val="43137"/>
+                    </a:srgbClr>
+                  </a:outerShdw>
+                </a:effectLst>
+                <a:latin typeface="BolsterBold" pitchFamily="2" charset="0"/>
+                <a:ea typeface="Verdana" panose="020B0604030504040204" pitchFamily="34" charset="0"/>
+                <a:cs typeface="Verdana" panose="020B0604030504040204" pitchFamily="34" charset="0"/>
+              </a:rPr>
+              <a:t>[ </a:t>
+            </a:r>
+            <a:r>
+              <a:rPr lang="en-US" sz="4000" b="1" dirty="0" smtClean="0">
+                <a:effectLst>
+                  <a:outerShdw blurRad="38100" dist="38100" dir="2700000" algn="tl">
+                    <a:srgbClr val="000000">
+                      <a:alpha val="43137"/>
+                    </a:srgbClr>
+                  </a:outerShdw>
+                </a:effectLst>
+                <a:latin typeface="BolsterBold" pitchFamily="2" charset="0"/>
+                <a:ea typeface="Verdana" panose="020B0604030504040204" pitchFamily="34" charset="0"/>
+                <a:cs typeface="Verdana" panose="020B0604030504040204" pitchFamily="34" charset="0"/>
+              </a:rPr>
+              <a:t>Moodle + Apache + PostgreSQL </a:t>
+            </a:r>
+            <a:r>
+              <a:rPr lang="en-US" sz="6000" b="1" dirty="0" smtClean="0">
+                <a:effectLst>
+                  <a:outerShdw blurRad="38100" dist="38100" dir="2700000" algn="tl">
+                    <a:srgbClr val="000000">
+                      <a:alpha val="43137"/>
+                    </a:srgbClr>
+                  </a:outerShdw>
+                </a:effectLst>
+                <a:latin typeface="BolsterBold" pitchFamily="2" charset="0"/>
+                <a:ea typeface="Verdana" panose="020B0604030504040204" pitchFamily="34" charset="0"/>
+                <a:cs typeface="Verdana" panose="020B0604030504040204" pitchFamily="34" charset="0"/>
+              </a:rPr>
+              <a:t>]</a:t>
+            </a:r>
+            <a:endParaRPr lang="en-US" sz="6000" b="1" dirty="0">
+              <a:effectLst>
+                <a:outerShdw blurRad="38100" dist="38100" dir="2700000" algn="tl">
+                  <a:srgbClr val="000000">
+                    <a:alpha val="43137"/>
+                  </a:srgbClr>
+                </a:outerShdw>
+              </a:effectLst>
+              <a:latin typeface="BolsterBold" pitchFamily="2" charset="0"/>
+              <a:ea typeface="Verdana" panose="020B0604030504040204" pitchFamily="34" charset="0"/>
+              <a:cs typeface="Verdana" panose="020B0604030504040204" pitchFamily="34" charset="0"/>
+            </a:endParaRPr>
+          </a:p>
+        </p:txBody>
+      </p:sp>
+      <p:sp>
+        <p:nvSpPr>
+          <p:cNvPr id="3" name="Subtitle 2"/>
           <p:cNvSpPr>
             <a:spLocks noGrp="1"/>
           </p:cNvSpPr>
@@ -5813,83 +6047,526 @@
             <p:ph type="subTitle" idx="1"/>
           </p:nvPr>
         </p:nvSpPr>
-        <p:spPr/>
-        <p:txBody>
-          <a:bodyPr/>
-          <a:lstStyle/>
-          <a:p>
-            <a:r>
-              <a:rPr lang="pt-PT" dirty="0" smtClean="0"/>
-              <a:t>Apache + </a:t>
-            </a:r>
-            <a:r>
-              <a:rPr lang="pt-PT" dirty="0" err="1" smtClean="0"/>
-              <a:t>Moodle</a:t>
-            </a:r>
-            <a:r>
-              <a:rPr lang="pt-PT" dirty="0" smtClean="0"/>
-              <a:t> + </a:t>
-            </a:r>
-            <a:r>
-              <a:rPr lang="pt-PT" dirty="0" err="1" smtClean="0"/>
-              <a:t>PostgreSQL</a:t>
-            </a:r>
-            <a:endParaRPr lang="pt-PT" dirty="0"/>
-          </a:p>
-        </p:txBody>
-      </p:sp>
-      <p:sp>
-        <p:nvSpPr>
-          <p:cNvPr id="4" name="CaixaDeTexto 3"/>
-          <p:cNvSpPr txBox="1"/>
-          <p:nvPr/>
-        </p:nvSpPr>
         <p:spPr>
           <a:xfrm>
-            <a:off x="9274003" y="5481982"/>
-            <a:ext cx="2750818" cy="1200329"/>
+            <a:off x="7894687" y="4811860"/>
+            <a:ext cx="4189461" cy="1912497"/>
+          </a:xfrm>
+        </p:spPr>
+        <p:txBody>
+          <a:bodyPr>
+            <a:noAutofit/>
+          </a:bodyPr>
+          <a:lstStyle/>
+          <a:p>
+            <a:r>
+              <a:rPr lang="en-US" sz="3000" dirty="0" err="1" smtClean="0">
+                <a:solidFill>
+                  <a:schemeClr val="tx1"/>
+                </a:solidFill>
+                <a:effectLst>
+                  <a:outerShdw blurRad="38100" dist="38100" dir="2700000" algn="tl">
+                    <a:srgbClr val="000000">
+                      <a:alpha val="43137"/>
+                    </a:srgbClr>
+                  </a:outerShdw>
+                </a:effectLst>
+              </a:rPr>
+              <a:t>João</a:t>
+            </a:r>
+            <a:r>
+              <a:rPr lang="en-US" sz="3000" dirty="0" smtClean="0">
+                <a:solidFill>
+                  <a:schemeClr val="tx1"/>
+                </a:solidFill>
+                <a:effectLst>
+                  <a:outerShdw blurRad="38100" dist="38100" dir="2700000" algn="tl">
+                    <a:srgbClr val="000000">
+                      <a:alpha val="43137"/>
+                    </a:srgbClr>
+                  </a:outerShdw>
+                </a:effectLst>
+              </a:rPr>
+              <a:t> Sousa 7140199</a:t>
+            </a:r>
+          </a:p>
+          <a:p>
+            <a:r>
+              <a:rPr lang="en-US" sz="3000" dirty="0" err="1" smtClean="0">
+                <a:solidFill>
+                  <a:schemeClr val="tx1"/>
+                </a:solidFill>
+                <a:effectLst>
+                  <a:outerShdw blurRad="38100" dist="38100" dir="2700000" algn="tl">
+                    <a:srgbClr val="000000">
+                      <a:alpha val="43137"/>
+                    </a:srgbClr>
+                  </a:outerShdw>
+                </a:effectLst>
+              </a:rPr>
+              <a:t>João</a:t>
+            </a:r>
+            <a:r>
+              <a:rPr lang="en-US" sz="3000" dirty="0" smtClean="0">
+                <a:solidFill>
+                  <a:schemeClr val="tx1"/>
+                </a:solidFill>
+                <a:effectLst>
+                  <a:outerShdw blurRad="38100" dist="38100" dir="2700000" algn="tl">
+                    <a:srgbClr val="000000">
+                      <a:alpha val="43137"/>
+                    </a:srgbClr>
+                  </a:outerShdw>
+                </a:effectLst>
+              </a:rPr>
+              <a:t> </a:t>
+            </a:r>
+            <a:r>
+              <a:rPr lang="en-US" sz="3000" dirty="0" err="1">
+                <a:solidFill>
+                  <a:schemeClr val="tx1"/>
+                </a:solidFill>
+                <a:effectLst>
+                  <a:outerShdw blurRad="38100" dist="38100" dir="2700000" algn="tl">
+                    <a:srgbClr val="000000">
+                      <a:alpha val="43137"/>
+                    </a:srgbClr>
+                  </a:outerShdw>
+                </a:effectLst>
+              </a:rPr>
+              <a:t>V</a:t>
+            </a:r>
+            <a:r>
+              <a:rPr lang="en-US" sz="3000" dirty="0" err="1" smtClean="0">
+                <a:solidFill>
+                  <a:schemeClr val="tx1"/>
+                </a:solidFill>
+                <a:effectLst>
+                  <a:outerShdw blurRad="38100" dist="38100" dir="2700000" algn="tl">
+                    <a:srgbClr val="000000">
+                      <a:alpha val="43137"/>
+                    </a:srgbClr>
+                  </a:outerShdw>
+                </a:effectLst>
+              </a:rPr>
+              <a:t>eloso</a:t>
+            </a:r>
+            <a:r>
+              <a:rPr lang="en-US" sz="3000" dirty="0" smtClean="0">
+                <a:solidFill>
+                  <a:schemeClr val="tx1"/>
+                </a:solidFill>
+                <a:effectLst>
+                  <a:outerShdw blurRad="38100" dist="38100" dir="2700000" algn="tl">
+                    <a:srgbClr val="000000">
+                      <a:alpha val="43137"/>
+                    </a:srgbClr>
+                  </a:outerShdw>
+                </a:effectLst>
+              </a:rPr>
+              <a:t> 7140201</a:t>
+            </a:r>
+          </a:p>
+          <a:p>
+            <a:r>
+              <a:rPr lang="en-US" sz="3000" dirty="0" smtClean="0">
+                <a:solidFill>
+                  <a:schemeClr val="tx1"/>
+                </a:solidFill>
+                <a:effectLst>
+                  <a:outerShdw blurRad="38100" dist="38100" dir="2700000" algn="tl">
+                    <a:srgbClr val="000000">
+                      <a:alpha val="43137"/>
+                    </a:srgbClr>
+                  </a:outerShdw>
+                </a:effectLst>
+              </a:rPr>
+              <a:t>Rui Joaquim 7140225</a:t>
+            </a:r>
+            <a:endParaRPr lang="en-US" sz="3000" dirty="0">
+              <a:solidFill>
+                <a:schemeClr val="tx1"/>
+              </a:solidFill>
+              <a:effectLst>
+                <a:outerShdw blurRad="38100" dist="38100" dir="2700000" algn="tl">
+                  <a:srgbClr val="000000">
+                    <a:alpha val="43137"/>
+                  </a:srgbClr>
+                </a:outerShdw>
+              </a:effectLst>
+            </a:endParaRPr>
+          </a:p>
+        </p:txBody>
+      </p:sp>
+      <p:sp>
+        <p:nvSpPr>
+          <p:cNvPr id="7" name="Subtitle 2"/>
+          <p:cNvSpPr txBox="1">
+            <a:spLocks/>
+          </p:cNvSpPr>
+          <p:nvPr/>
+        </p:nvSpPr>
+        <p:spPr>
+          <a:xfrm>
+            <a:off x="218482" y="5496409"/>
+            <a:ext cx="5021799" cy="1149488"/>
           </a:xfrm>
           <a:prstGeom prst="rect">
             <a:avLst/>
           </a:prstGeom>
-          <a:noFill/>
         </p:spPr>
         <p:txBody>
-          <a:bodyPr wrap="none" rtlCol="0">
-            <a:spAutoFit/>
+          <a:bodyPr vert="horz" lIns="91440" tIns="45720" rIns="91440" bIns="45720" rtlCol="0">
+            <a:noAutofit/>
           </a:bodyPr>
-          <a:lstStyle/>
-          <a:p>
-            <a:r>
-              <a:rPr lang="pt-PT" dirty="0" smtClean="0"/>
-              <a:t>Trabalho Realizado por:</a:t>
-            </a:r>
-          </a:p>
-          <a:p>
-            <a:r>
-              <a:rPr lang="pt-PT" dirty="0" smtClean="0"/>
-              <a:t>João Sousa, Nº 7140199</a:t>
-            </a:r>
-          </a:p>
-          <a:p>
-            <a:r>
-              <a:rPr lang="pt-PT" dirty="0" smtClean="0"/>
-              <a:t>João Veloso, Nº 7140201</a:t>
-            </a:r>
-          </a:p>
-          <a:p>
-            <a:r>
-              <a:rPr lang="pt-PT" dirty="0" smtClean="0"/>
-              <a:t>Rui Joaquim, Nº 7140225</a:t>
-            </a:r>
-            <a:endParaRPr lang="pt-PT" dirty="0"/>
-          </a:p>
-        </p:txBody>
-      </p:sp>
+          <a:lstStyle>
+            <a:lvl1pPr marL="0" indent="0" algn="l" defTabSz="914400" rtl="0" eaLnBrk="1" latinLnBrk="0" hangingPunct="1">
+              <a:lnSpc>
+                <a:spcPct val="120000"/>
+              </a:lnSpc>
+              <a:spcBef>
+                <a:spcPts val="1000"/>
+              </a:spcBef>
+              <a:buSzPct val="125000"/>
+              <a:buFont typeface="Arial" panose="020B0604020202020204" pitchFamily="34" charset="0"/>
+              <a:buNone/>
+              <a:defRPr sz="2000" kern="1200" cap="all" baseline="0">
+                <a:solidFill>
+                  <a:schemeClr val="tx2"/>
+                </a:solidFill>
+                <a:latin typeface="+mn-lt"/>
+                <a:ea typeface="+mn-ea"/>
+                <a:cs typeface="+mn-cs"/>
+              </a:defRPr>
+            </a:lvl1pPr>
+            <a:lvl2pPr marL="457200" indent="0" algn="ctr" defTabSz="914400" rtl="0" eaLnBrk="1" latinLnBrk="0" hangingPunct="1">
+              <a:lnSpc>
+                <a:spcPct val="120000"/>
+              </a:lnSpc>
+              <a:spcBef>
+                <a:spcPts val="500"/>
+              </a:spcBef>
+              <a:buSzPct val="125000"/>
+              <a:buFont typeface="Arial" panose="020B0604020202020204" pitchFamily="34" charset="0"/>
+              <a:buNone/>
+              <a:defRPr sz="2000" kern="1200">
+                <a:solidFill>
+                  <a:schemeClr val="tx1"/>
+                </a:solidFill>
+                <a:latin typeface="+mn-lt"/>
+                <a:ea typeface="+mn-ea"/>
+                <a:cs typeface="+mn-cs"/>
+              </a:defRPr>
+            </a:lvl2pPr>
+            <a:lvl3pPr marL="914400" indent="0" algn="ctr" defTabSz="914400" rtl="0" eaLnBrk="1" latinLnBrk="0" hangingPunct="1">
+              <a:lnSpc>
+                <a:spcPct val="120000"/>
+              </a:lnSpc>
+              <a:spcBef>
+                <a:spcPts val="500"/>
+              </a:spcBef>
+              <a:buSzPct val="125000"/>
+              <a:buFont typeface="Arial" panose="020B0604020202020204" pitchFamily="34" charset="0"/>
+              <a:buNone/>
+              <a:defRPr sz="1800" kern="1200">
+                <a:solidFill>
+                  <a:schemeClr val="tx1"/>
+                </a:solidFill>
+                <a:latin typeface="+mn-lt"/>
+                <a:ea typeface="+mn-ea"/>
+                <a:cs typeface="+mn-cs"/>
+              </a:defRPr>
+            </a:lvl3pPr>
+            <a:lvl4pPr marL="1371600" indent="0" algn="ctr" defTabSz="914400" rtl="0" eaLnBrk="1" latinLnBrk="0" hangingPunct="1">
+              <a:lnSpc>
+                <a:spcPct val="120000"/>
+              </a:lnSpc>
+              <a:spcBef>
+                <a:spcPts val="500"/>
+              </a:spcBef>
+              <a:buSzPct val="125000"/>
+              <a:buFont typeface="Arial" panose="020B0604020202020204" pitchFamily="34" charset="0"/>
+              <a:buNone/>
+              <a:defRPr sz="1600" kern="1200">
+                <a:solidFill>
+                  <a:schemeClr val="tx1"/>
+                </a:solidFill>
+                <a:latin typeface="+mn-lt"/>
+                <a:ea typeface="+mn-ea"/>
+                <a:cs typeface="+mn-cs"/>
+              </a:defRPr>
+            </a:lvl4pPr>
+            <a:lvl5pPr marL="1828800" indent="0" algn="ctr" defTabSz="914400" rtl="0" eaLnBrk="1" latinLnBrk="0" hangingPunct="1">
+              <a:lnSpc>
+                <a:spcPct val="120000"/>
+              </a:lnSpc>
+              <a:spcBef>
+                <a:spcPts val="500"/>
+              </a:spcBef>
+              <a:buSzPct val="125000"/>
+              <a:buFont typeface="Arial" panose="020B0604020202020204" pitchFamily="34" charset="0"/>
+              <a:buNone/>
+              <a:defRPr sz="1600" kern="1200">
+                <a:solidFill>
+                  <a:schemeClr val="tx1"/>
+                </a:solidFill>
+                <a:latin typeface="+mn-lt"/>
+                <a:ea typeface="+mn-ea"/>
+                <a:cs typeface="+mn-cs"/>
+              </a:defRPr>
+            </a:lvl5pPr>
+            <a:lvl6pPr marL="2286000" indent="0" algn="ctr" defTabSz="914400" rtl="0" eaLnBrk="1" latinLnBrk="0" hangingPunct="1">
+              <a:lnSpc>
+                <a:spcPct val="120000"/>
+              </a:lnSpc>
+              <a:spcBef>
+                <a:spcPts val="500"/>
+              </a:spcBef>
+              <a:buSzPct val="125000"/>
+              <a:buFont typeface="Arial" panose="020B0604020202020204" pitchFamily="34" charset="0"/>
+              <a:buNone/>
+              <a:defRPr sz="1600" kern="1200">
+                <a:solidFill>
+                  <a:schemeClr val="tx1"/>
+                </a:solidFill>
+                <a:latin typeface="+mn-lt"/>
+                <a:ea typeface="+mn-ea"/>
+                <a:cs typeface="+mn-cs"/>
+              </a:defRPr>
+            </a:lvl6pPr>
+            <a:lvl7pPr marL="2743200" indent="0" algn="ctr" defTabSz="914400" rtl="0" eaLnBrk="1" latinLnBrk="0" hangingPunct="1">
+              <a:lnSpc>
+                <a:spcPct val="120000"/>
+              </a:lnSpc>
+              <a:spcBef>
+                <a:spcPts val="500"/>
+              </a:spcBef>
+              <a:buSzPct val="125000"/>
+              <a:buFont typeface="Arial" panose="020B0604020202020204" pitchFamily="34" charset="0"/>
+              <a:buNone/>
+              <a:defRPr sz="1600" kern="1200">
+                <a:solidFill>
+                  <a:schemeClr val="tx1"/>
+                </a:solidFill>
+                <a:latin typeface="+mn-lt"/>
+                <a:ea typeface="+mn-ea"/>
+                <a:cs typeface="+mn-cs"/>
+              </a:defRPr>
+            </a:lvl7pPr>
+            <a:lvl8pPr marL="3200400" indent="0" algn="ctr" defTabSz="914400" rtl="0" eaLnBrk="1" latinLnBrk="0" hangingPunct="1">
+              <a:lnSpc>
+                <a:spcPct val="120000"/>
+              </a:lnSpc>
+              <a:spcBef>
+                <a:spcPts val="500"/>
+              </a:spcBef>
+              <a:buSzPct val="125000"/>
+              <a:buFont typeface="Arial" panose="020B0604020202020204" pitchFamily="34" charset="0"/>
+              <a:buNone/>
+              <a:defRPr sz="1600" kern="1200">
+                <a:solidFill>
+                  <a:schemeClr val="tx1"/>
+                </a:solidFill>
+                <a:latin typeface="+mn-lt"/>
+                <a:ea typeface="+mn-ea"/>
+                <a:cs typeface="+mn-cs"/>
+              </a:defRPr>
+            </a:lvl8pPr>
+            <a:lvl9pPr marL="3657600" indent="0" algn="ctr" defTabSz="914400" rtl="0" eaLnBrk="1" latinLnBrk="0" hangingPunct="1">
+              <a:lnSpc>
+                <a:spcPct val="120000"/>
+              </a:lnSpc>
+              <a:spcBef>
+                <a:spcPts val="500"/>
+              </a:spcBef>
+              <a:buSzPct val="125000"/>
+              <a:buFont typeface="Arial" panose="020B0604020202020204" pitchFamily="34" charset="0"/>
+              <a:buNone/>
+              <a:defRPr sz="1600" kern="1200">
+                <a:solidFill>
+                  <a:schemeClr val="tx1"/>
+                </a:solidFill>
+                <a:latin typeface="+mn-lt"/>
+                <a:ea typeface="+mn-ea"/>
+                <a:cs typeface="+mn-cs"/>
+              </a:defRPr>
+            </a:lvl9pPr>
+          </a:lstStyle>
+          <a:p>
+            <a:r>
+              <a:rPr lang="en-US" sz="3000" dirty="0" err="1" smtClean="0">
+                <a:solidFill>
+                  <a:schemeClr val="tx1"/>
+                </a:solidFill>
+                <a:effectLst>
+                  <a:outerShdw blurRad="38100" dist="38100" dir="2700000" algn="tl">
+                    <a:srgbClr val="000000">
+                      <a:alpha val="43137"/>
+                    </a:srgbClr>
+                  </a:outerShdw>
+                </a:effectLst>
+              </a:rPr>
+              <a:t>Administração</a:t>
+            </a:r>
+            <a:r>
+              <a:rPr lang="en-US" sz="3000" dirty="0" smtClean="0">
+                <a:solidFill>
+                  <a:schemeClr val="tx1"/>
+                </a:solidFill>
+                <a:effectLst>
+                  <a:outerShdw blurRad="38100" dist="38100" dir="2700000" algn="tl">
+                    <a:srgbClr val="000000">
+                      <a:alpha val="43137"/>
+                    </a:srgbClr>
+                  </a:outerShdw>
+                </a:effectLst>
+              </a:rPr>
+              <a:t> e </a:t>
+            </a:r>
+            <a:r>
+              <a:rPr lang="en-US" sz="3000" dirty="0" err="1" smtClean="0">
+                <a:solidFill>
+                  <a:schemeClr val="tx1"/>
+                </a:solidFill>
+                <a:effectLst>
+                  <a:outerShdw blurRad="38100" dist="38100" dir="2700000" algn="tl">
+                    <a:srgbClr val="000000">
+                      <a:alpha val="43137"/>
+                    </a:srgbClr>
+                  </a:outerShdw>
+                </a:effectLst>
+              </a:rPr>
+              <a:t>gestão</a:t>
+            </a:r>
+            <a:r>
+              <a:rPr lang="en-US" sz="3000" dirty="0" smtClean="0">
+                <a:solidFill>
+                  <a:schemeClr val="tx1"/>
+                </a:solidFill>
+                <a:effectLst>
+                  <a:outerShdw blurRad="38100" dist="38100" dir="2700000" algn="tl">
+                    <a:srgbClr val="000000">
+                      <a:alpha val="43137"/>
+                    </a:srgbClr>
+                  </a:outerShdw>
+                </a:effectLst>
+              </a:rPr>
+              <a:t> de </a:t>
+            </a:r>
+            <a:r>
+              <a:rPr lang="en-US" sz="3000" dirty="0" err="1" smtClean="0">
+                <a:solidFill>
+                  <a:schemeClr val="tx1"/>
+                </a:solidFill>
+                <a:effectLst>
+                  <a:outerShdw blurRad="38100" dist="38100" dir="2700000" algn="tl">
+                    <a:srgbClr val="000000">
+                      <a:alpha val="43137"/>
+                    </a:srgbClr>
+                  </a:outerShdw>
+                </a:effectLst>
+              </a:rPr>
+              <a:t>redes</a:t>
+            </a:r>
+            <a:r>
+              <a:rPr lang="en-US" sz="3000" dirty="0" smtClean="0">
+                <a:solidFill>
+                  <a:schemeClr val="tx1"/>
+                </a:solidFill>
+                <a:effectLst>
+                  <a:outerShdw blurRad="38100" dist="38100" dir="2700000" algn="tl">
+                    <a:srgbClr val="000000">
+                      <a:alpha val="43137"/>
+                    </a:srgbClr>
+                  </a:outerShdw>
+                </a:effectLst>
+              </a:rPr>
+              <a:t> e </a:t>
+            </a:r>
+            <a:r>
+              <a:rPr lang="en-US" sz="3000" dirty="0" err="1" smtClean="0">
+                <a:solidFill>
+                  <a:schemeClr val="tx1"/>
+                </a:solidFill>
+                <a:effectLst>
+                  <a:outerShdw blurRad="38100" dist="38100" dir="2700000" algn="tl">
+                    <a:srgbClr val="000000">
+                      <a:alpha val="43137"/>
+                    </a:srgbClr>
+                  </a:outerShdw>
+                </a:effectLst>
+              </a:rPr>
+              <a:t>serviços</a:t>
+            </a:r>
+            <a:endParaRPr lang="en-US" sz="3000" dirty="0">
+              <a:solidFill>
+                <a:schemeClr val="tx1"/>
+              </a:solidFill>
+              <a:effectLst>
+                <a:outerShdw blurRad="38100" dist="38100" dir="2700000" algn="tl">
+                  <a:srgbClr val="000000">
+                    <a:alpha val="43137"/>
+                  </a:srgbClr>
+                </a:outerShdw>
+              </a:effectLst>
+            </a:endParaRPr>
+          </a:p>
+        </p:txBody>
+      </p:sp>
+      <p:pic>
+        <p:nvPicPr>
+          <p:cNvPr id="1028" name="Picture 4" descr="http://sites.ipleiria.pt/mercadolivro/files/2012/05/Logo_IPL.jpg"/>
+          <p:cNvPicPr>
+            <a:picLocks noChangeAspect="1" noChangeArrowheads="1"/>
+          </p:cNvPicPr>
+          <p:nvPr/>
+        </p:nvPicPr>
+        <p:blipFill rotWithShape="1">
+          <a:blip r:embed="rId4">
+            <a:extLst>
+              <a:ext uri="{28A0092B-C50C-407E-A947-70E740481C1C}">
+                <a14:useLocalDpi xmlns:a14="http://schemas.microsoft.com/office/drawing/2010/main" val="0"/>
+              </a:ext>
+            </a:extLst>
+          </a:blip>
+          <a:srcRect t="8986" b="13102"/>
+          <a:stretch/>
+        </p:blipFill>
+        <p:spPr bwMode="auto">
+          <a:xfrm>
+            <a:off x="312751" y="301405"/>
+            <a:ext cx="2223572" cy="965041"/>
+          </a:xfrm>
+          <a:prstGeom prst="rect">
+            <a:avLst/>
+          </a:prstGeom>
+          <a:ln w="19050">
+            <a:solidFill>
+              <a:schemeClr val="tx1"/>
+            </a:solidFill>
+          </a:ln>
+          <a:effectLst>
+            <a:outerShdw blurRad="63500" sx="102000" sy="102000" algn="ctr" rotWithShape="0">
+              <a:prstClr val="black">
+                <a:alpha val="40000"/>
+              </a:prstClr>
+            </a:outerShdw>
+          </a:effectLst>
+          <a:extLst>
+            <a:ext uri="{909E8E84-426E-40DD-AFC4-6F175D3DCCD1}">
+              <a14:hiddenFill xmlns:a14="http://schemas.microsoft.com/office/drawing/2010/main">
+                <a:solidFill>
+                  <a:srgbClr val="FFFFFF"/>
+                </a:solidFill>
+              </a14:hiddenFill>
+            </a:ext>
+          </a:extLst>
+        </p:spPr>
+      </p:pic>
     </p:spTree>
     <p:extLst>
       <p:ext uri="{BB962C8B-B14F-4D97-AF65-F5344CB8AC3E}">
-        <p14:creationId xmlns:p14="http://schemas.microsoft.com/office/powerpoint/2010/main" val="3327469425"/>
+        <p14:creationId xmlns:p14="http://schemas.microsoft.com/office/powerpoint/2010/main" val="3543316913"/>
       </p:ext>
     </p:extLst>
   </p:cSld>
@@ -5918,7 +6595,7 @@
       </p:grpSpPr>
       <p:sp>
         <p:nvSpPr>
-          <p:cNvPr id="2" name="Título 1"/>
+          <p:cNvPr id="2" name="Title 1"/>
           <p:cNvSpPr>
             <a:spLocks noGrp="1"/>
           </p:cNvSpPr>
@@ -5932,16 +6609,16 @@
           <a:lstStyle/>
           <a:p>
             <a:r>
-              <a:rPr lang="pt-PT" dirty="0" err="1" smtClean="0"/>
-              <a:t>HAProxy</a:t>
-            </a:r>
-            <a:endParaRPr lang="pt-PT" dirty="0"/>
-          </a:p>
-        </p:txBody>
-      </p:sp>
-      <p:sp>
-        <p:nvSpPr>
-          <p:cNvPr id="3" name="Marcador de Posição de Conteúdo 2"/>
+              <a:rPr lang="en-US" dirty="0" err="1" smtClean="0"/>
+              <a:t>Postgresql</a:t>
+            </a:r>
+            <a:endParaRPr lang="en-US" dirty="0"/>
+          </a:p>
+        </p:txBody>
+      </p:sp>
+      <p:sp>
+        <p:nvSpPr>
+          <p:cNvPr id="3" name="Content Placeholder 2"/>
           <p:cNvSpPr>
             <a:spLocks noGrp="1"/>
           </p:cNvSpPr>
@@ -5951,57 +6628,536 @@
         </p:nvSpPr>
         <p:spPr>
           <a:xfrm>
-            <a:off x="677334" y="3247112"/>
-            <a:ext cx="8596668" cy="2701867"/>
+            <a:off x="1141413" y="2237228"/>
+            <a:ext cx="6638022" cy="3545698"/>
           </a:xfrm>
         </p:spPr>
         <p:txBody>
-          <a:bodyPr/>
+          <a:bodyPr>
+            <a:noAutofit/>
+          </a:bodyPr>
           <a:lstStyle/>
           <a:p>
-            <a:pPr algn="just"/>
-            <a:r>
-              <a:rPr lang="pt-PT" dirty="0"/>
-              <a:t>O </a:t>
-            </a:r>
-            <a:r>
-              <a:rPr lang="pt-PT" dirty="0" err="1"/>
-              <a:t>HAProxy</a:t>
-            </a:r>
-            <a:r>
-              <a:rPr lang="pt-PT" dirty="0"/>
-              <a:t> (</a:t>
-            </a:r>
-            <a:r>
-              <a:rPr lang="pt-PT" dirty="0" err="1"/>
-              <a:t>High</a:t>
-            </a:r>
-            <a:r>
-              <a:rPr lang="pt-PT" dirty="0"/>
+            <a:r>
+              <a:rPr lang="en-US" sz="2000" b="1" dirty="0" err="1" smtClean="0">
+                <a:effectLst>
+                  <a:outerShdw blurRad="38100" dist="38100" dir="2700000" algn="tl">
+                    <a:srgbClr val="000000">
+                      <a:alpha val="43137"/>
+                    </a:srgbClr>
+                  </a:outerShdw>
+                </a:effectLst>
+              </a:rPr>
+              <a:t>Versão</a:t>
+            </a:r>
+            <a:r>
+              <a:rPr lang="en-US" sz="2000" b="1" dirty="0" smtClean="0">
+                <a:effectLst>
+                  <a:outerShdw blurRad="38100" dist="38100" dir="2700000" algn="tl">
+                    <a:srgbClr val="000000">
+                      <a:alpha val="43137"/>
+                    </a:srgbClr>
+                  </a:outerShdw>
+                </a:effectLst>
+              </a:rPr>
               <a:t> </a:t>
             </a:r>
             <a:r>
-              <a:rPr lang="pt-PT" dirty="0" err="1"/>
-              <a:t>Availability</a:t>
-            </a:r>
-            <a:r>
-              <a:rPr lang="pt-PT" dirty="0"/>
-              <a:t> Proxy – Proxy de alta disponibilidade) consiste num serviço gratuito implementado a partir de uma máquina central, ocupando o encargo de encaminhar o tráfego recebido de pedidos de máquinas entre um dado número de servidores. Na prática, conforme as configurações estipuladas, este serviço carateriza-se por assegurar balanceamento de carga, sendo capaz de alternar acessos e comunicação entre diferentes servidores interligados, ou garantir alta disponibilidade, transferindo o funcionamento de um serviço para outra máquina em caso de falha com a principal, melhorando o </a:t>
-            </a:r>
-            <a:r>
-              <a:rPr lang="pt-PT" dirty="0" err="1"/>
-              <a:t>uptime</a:t>
-            </a:r>
-            <a:r>
-              <a:rPr lang="pt-PT" dirty="0"/>
-              <a:t> dum sistema.</a:t>
-            </a:r>
+              <a:rPr lang="en-US" sz="2000" b="1" dirty="0" err="1" smtClean="0">
+                <a:effectLst>
+                  <a:outerShdw blurRad="38100" dist="38100" dir="2700000" algn="tl">
+                    <a:srgbClr val="000000">
+                      <a:alpha val="43137"/>
+                    </a:srgbClr>
+                  </a:outerShdw>
+                </a:effectLst>
+              </a:rPr>
+              <a:t>atual</a:t>
+            </a:r>
+            <a:r>
+              <a:rPr lang="en-US" sz="2000" b="1" dirty="0" smtClean="0">
+                <a:effectLst>
+                  <a:outerShdw blurRad="38100" dist="38100" dir="2700000" algn="tl">
+                    <a:srgbClr val="000000">
+                      <a:alpha val="43137"/>
+                    </a:srgbClr>
+                  </a:outerShdw>
+                </a:effectLst>
+              </a:rPr>
+              <a:t>: </a:t>
+            </a:r>
+            <a:r>
+              <a:rPr lang="en-US" sz="2000" dirty="0" smtClean="0">
+                <a:effectLst>
+                  <a:outerShdw blurRad="38100" dist="38100" dir="2700000" algn="tl">
+                    <a:srgbClr val="000000">
+                      <a:alpha val="43137"/>
+                    </a:srgbClr>
+                  </a:outerShdw>
+                </a:effectLst>
+              </a:rPr>
+              <a:t>9.5 (7 de </a:t>
+            </a:r>
+            <a:r>
+              <a:rPr lang="en-US" sz="2000" dirty="0" err="1" smtClean="0">
+                <a:effectLst>
+                  <a:outerShdw blurRad="38100" dist="38100" dir="2700000" algn="tl">
+                    <a:srgbClr val="000000">
+                      <a:alpha val="43137"/>
+                    </a:srgbClr>
+                  </a:outerShdw>
+                </a:effectLst>
+              </a:rPr>
+              <a:t>janeiro</a:t>
+            </a:r>
+            <a:r>
+              <a:rPr lang="en-US" sz="2000" dirty="0" smtClean="0">
+                <a:effectLst>
+                  <a:outerShdw blurRad="38100" dist="38100" dir="2700000" algn="tl">
+                    <a:srgbClr val="000000">
+                      <a:alpha val="43137"/>
+                    </a:srgbClr>
+                  </a:outerShdw>
+                </a:effectLst>
+              </a:rPr>
+              <a:t> de 2016)</a:t>
+            </a:r>
+          </a:p>
+          <a:p>
+            <a:r>
+              <a:rPr lang="en-US" sz="2000" b="1" dirty="0" err="1" smtClean="0">
+                <a:effectLst>
+                  <a:outerShdw blurRad="38100" dist="38100" dir="2700000" algn="tl">
+                    <a:srgbClr val="000000">
+                      <a:alpha val="43137"/>
+                    </a:srgbClr>
+                  </a:outerShdw>
+                </a:effectLst>
+              </a:rPr>
+              <a:t>Pacotes</a:t>
+            </a:r>
+            <a:r>
+              <a:rPr lang="en-US" sz="2000" b="1" dirty="0" smtClean="0">
+                <a:effectLst>
+                  <a:outerShdw blurRad="38100" dist="38100" dir="2700000" algn="tl">
+                    <a:srgbClr val="000000">
+                      <a:alpha val="43137"/>
+                    </a:srgbClr>
+                  </a:outerShdw>
+                </a:effectLst>
+              </a:rPr>
+              <a:t> de </a:t>
+            </a:r>
+            <a:r>
+              <a:rPr lang="en-US" sz="2000" b="1" dirty="0" err="1" smtClean="0">
+                <a:effectLst>
+                  <a:outerShdw blurRad="38100" dist="38100" dir="2700000" algn="tl">
+                    <a:srgbClr val="000000">
+                      <a:alpha val="43137"/>
+                    </a:srgbClr>
+                  </a:outerShdw>
+                </a:effectLst>
+              </a:rPr>
+              <a:t>instalação</a:t>
+            </a:r>
+            <a:r>
+              <a:rPr lang="en-US" sz="2000" b="1" dirty="0" smtClean="0">
+                <a:effectLst>
+                  <a:outerShdw blurRad="38100" dist="38100" dir="2700000" algn="tl">
+                    <a:srgbClr val="000000">
+                      <a:alpha val="43137"/>
+                    </a:srgbClr>
+                  </a:outerShdw>
+                </a:effectLst>
+              </a:rPr>
+              <a:t> PHP: </a:t>
+            </a:r>
+            <a:r>
+              <a:rPr lang="en-US" sz="2000" dirty="0" smtClean="0">
+                <a:effectLst>
+                  <a:outerShdw blurRad="38100" dist="38100" dir="2700000" algn="tl">
+                    <a:srgbClr val="000000">
+                      <a:alpha val="43137"/>
+                    </a:srgbClr>
+                  </a:outerShdw>
+                </a:effectLst>
+              </a:rPr>
+              <a:t>php5-fpm </a:t>
+            </a:r>
+            <a:r>
+              <a:rPr lang="en-US" sz="2000" dirty="0" err="1">
+                <a:effectLst>
+                  <a:outerShdw blurRad="38100" dist="38100" dir="2700000" algn="tl">
+                    <a:srgbClr val="000000">
+                      <a:alpha val="43137"/>
+                    </a:srgbClr>
+                  </a:outerShdw>
+                </a:effectLst>
+              </a:rPr>
+              <a:t>php-apc</a:t>
+            </a:r>
+            <a:r>
+              <a:rPr lang="en-US" sz="2000" dirty="0">
+                <a:effectLst>
+                  <a:outerShdw blurRad="38100" dist="38100" dir="2700000" algn="tl">
+                    <a:srgbClr val="000000">
+                      <a:alpha val="43137"/>
+                    </a:srgbClr>
+                  </a:outerShdw>
+                </a:effectLst>
+              </a:rPr>
+              <a:t> php5-curl php5-gd php5-xmlrpc </a:t>
+            </a:r>
+            <a:r>
+              <a:rPr lang="en-US" sz="2000" dirty="0" smtClean="0">
+                <a:effectLst>
+                  <a:outerShdw blurRad="38100" dist="38100" dir="2700000" algn="tl">
+                    <a:srgbClr val="000000">
+                      <a:alpha val="43137"/>
+                    </a:srgbClr>
+                  </a:outerShdw>
+                </a:effectLst>
+              </a:rPr>
+              <a:t>php5-intl</a:t>
+            </a:r>
+          </a:p>
+          <a:p>
+            <a:r>
+              <a:rPr lang="en-US" sz="2000" b="1" dirty="0" err="1" smtClean="0">
+                <a:effectLst>
+                  <a:outerShdw blurRad="38100" dist="38100" dir="2700000" algn="tl">
+                    <a:srgbClr val="000000">
+                      <a:alpha val="43137"/>
+                    </a:srgbClr>
+                  </a:outerShdw>
+                </a:effectLst>
+              </a:rPr>
+              <a:t>Pacotes</a:t>
+            </a:r>
+            <a:r>
+              <a:rPr lang="en-US" sz="2000" b="1" dirty="0" smtClean="0">
+                <a:effectLst>
+                  <a:outerShdw blurRad="38100" dist="38100" dir="2700000" algn="tl">
+                    <a:srgbClr val="000000">
+                      <a:alpha val="43137"/>
+                    </a:srgbClr>
+                  </a:outerShdw>
+                </a:effectLst>
+              </a:rPr>
+              <a:t> de </a:t>
+            </a:r>
+            <a:r>
+              <a:rPr lang="en-US" sz="2000" b="1" dirty="0" err="1" smtClean="0">
+                <a:effectLst>
+                  <a:outerShdw blurRad="38100" dist="38100" dir="2700000" algn="tl">
+                    <a:srgbClr val="000000">
+                      <a:alpha val="43137"/>
+                    </a:srgbClr>
+                  </a:outerShdw>
+                </a:effectLst>
+              </a:rPr>
+              <a:t>instalação</a:t>
+            </a:r>
+            <a:r>
+              <a:rPr lang="en-US" sz="2000" b="1" dirty="0" smtClean="0">
+                <a:effectLst>
+                  <a:outerShdw blurRad="38100" dist="38100" dir="2700000" algn="tl">
+                    <a:srgbClr val="000000">
+                      <a:alpha val="43137"/>
+                    </a:srgbClr>
+                  </a:outerShdw>
+                </a:effectLst>
+              </a:rPr>
+              <a:t> PostgreSQL: </a:t>
+            </a:r>
+            <a:r>
+              <a:rPr lang="en-US" sz="2000" dirty="0" err="1" smtClean="0">
+                <a:effectLst>
+                  <a:outerShdw blurRad="38100" dist="38100" dir="2700000" algn="tl">
+                    <a:srgbClr val="000000">
+                      <a:alpha val="43137"/>
+                    </a:srgbClr>
+                  </a:outerShdw>
+                </a:effectLst>
+              </a:rPr>
+              <a:t>postgresql</a:t>
+            </a:r>
+            <a:r>
+              <a:rPr lang="en-US" sz="2000" dirty="0" smtClean="0">
+                <a:effectLst>
+                  <a:outerShdw blurRad="38100" dist="38100" dir="2700000" algn="tl">
+                    <a:srgbClr val="000000">
+                      <a:alpha val="43137"/>
+                    </a:srgbClr>
+                  </a:outerShdw>
+                </a:effectLst>
+              </a:rPr>
+              <a:t> </a:t>
+            </a:r>
+            <a:r>
+              <a:rPr lang="en-US" sz="2000" dirty="0" err="1">
+                <a:effectLst>
+                  <a:outerShdw blurRad="38100" dist="38100" dir="2700000" algn="tl">
+                    <a:srgbClr val="000000">
+                      <a:alpha val="43137"/>
+                    </a:srgbClr>
+                  </a:outerShdw>
+                </a:effectLst>
+              </a:rPr>
+              <a:t>postgresql-contrib</a:t>
+            </a:r>
+            <a:r>
+              <a:rPr lang="en-US" sz="2000" dirty="0">
+                <a:effectLst>
+                  <a:outerShdw blurRad="38100" dist="38100" dir="2700000" algn="tl">
+                    <a:srgbClr val="000000">
+                      <a:alpha val="43137"/>
+                    </a:srgbClr>
+                  </a:outerShdw>
+                </a:effectLst>
+              </a:rPr>
+              <a:t> </a:t>
+            </a:r>
+            <a:r>
+              <a:rPr lang="en-US" sz="2000" dirty="0" smtClean="0">
+                <a:effectLst>
+                  <a:outerShdw blurRad="38100" dist="38100" dir="2700000" algn="tl">
+                    <a:srgbClr val="000000">
+                      <a:alpha val="43137"/>
+                    </a:srgbClr>
+                  </a:outerShdw>
+                </a:effectLst>
+              </a:rPr>
+              <a:t>php5-pgsql</a:t>
+            </a:r>
+            <a:endParaRPr lang="en-US" sz="1600" dirty="0" smtClean="0">
+              <a:effectLst>
+                <a:outerShdw blurRad="38100" dist="38100" dir="2700000" algn="tl">
+                  <a:srgbClr val="000000">
+                    <a:alpha val="43137"/>
+                  </a:srgbClr>
+                </a:outerShdw>
+              </a:effectLst>
+            </a:endParaRPr>
+          </a:p>
+          <a:p>
+            <a:r>
+              <a:rPr lang="en-US" sz="2000" b="1" dirty="0" err="1" smtClean="0">
+                <a:effectLst>
+                  <a:outerShdw blurRad="38100" dist="38100" dir="2700000" algn="tl">
+                    <a:srgbClr val="000000">
+                      <a:alpha val="43137"/>
+                    </a:srgbClr>
+                  </a:outerShdw>
+                </a:effectLst>
+              </a:rPr>
+              <a:t>Ficheiro</a:t>
+            </a:r>
+            <a:r>
+              <a:rPr lang="en-US" sz="2000" b="1" dirty="0" smtClean="0">
+                <a:effectLst>
+                  <a:outerShdw blurRad="38100" dist="38100" dir="2700000" algn="tl">
+                    <a:srgbClr val="000000">
+                      <a:alpha val="43137"/>
+                    </a:srgbClr>
+                  </a:outerShdw>
+                </a:effectLst>
+              </a:rPr>
+              <a:t> principal de </a:t>
+            </a:r>
+            <a:r>
+              <a:rPr lang="en-US" sz="2000" b="1" dirty="0" err="1" smtClean="0">
+                <a:effectLst>
+                  <a:outerShdw blurRad="38100" dist="38100" dir="2700000" algn="tl">
+                    <a:srgbClr val="000000">
+                      <a:alpha val="43137"/>
+                    </a:srgbClr>
+                  </a:outerShdw>
+                </a:effectLst>
+              </a:rPr>
+              <a:t>configuração</a:t>
+            </a:r>
+            <a:r>
+              <a:rPr lang="en-US" sz="2000" b="1" dirty="0" smtClean="0">
+                <a:effectLst>
+                  <a:outerShdw blurRad="38100" dist="38100" dir="2700000" algn="tl">
+                    <a:srgbClr val="000000">
+                      <a:alpha val="43137"/>
+                    </a:srgbClr>
+                  </a:outerShdw>
+                </a:effectLst>
+              </a:rPr>
+              <a:t>: </a:t>
+            </a:r>
+            <a:r>
+              <a:rPr lang="en-US" sz="2000" dirty="0" smtClean="0">
+                <a:effectLst>
+                  <a:outerShdw blurRad="38100" dist="38100" dir="2700000" algn="tl">
+                    <a:srgbClr val="000000">
+                      <a:alpha val="43137"/>
+                    </a:srgbClr>
+                  </a:outerShdw>
+                </a:effectLst>
+              </a:rPr>
+              <a:t>	</a:t>
+            </a:r>
+            <a:br>
+              <a:rPr lang="en-US" sz="2000" dirty="0" smtClean="0">
+                <a:effectLst>
+                  <a:outerShdw blurRad="38100" dist="38100" dir="2700000" algn="tl">
+                    <a:srgbClr val="000000">
+                      <a:alpha val="43137"/>
+                    </a:srgbClr>
+                  </a:outerShdw>
+                </a:effectLst>
+              </a:rPr>
+            </a:br>
+            <a:r>
+              <a:rPr lang="en-US" sz="2000" dirty="0" smtClean="0">
+                <a:effectLst>
+                  <a:outerShdw blurRad="38100" dist="38100" dir="2700000" algn="tl">
+                    <a:srgbClr val="000000">
+                      <a:alpha val="43137"/>
+                    </a:srgbClr>
+                  </a:outerShdw>
+                </a:effectLst>
+              </a:rPr>
+              <a:t>	</a:t>
+            </a:r>
+            <a:r>
+              <a:rPr lang="en-US" sz="2000" i="1" dirty="0" smtClean="0">
+                <a:effectLst>
+                  <a:outerShdw blurRad="38100" dist="38100" dir="2700000" algn="tl">
+                    <a:srgbClr val="000000">
+                      <a:alpha val="43137"/>
+                    </a:srgbClr>
+                  </a:outerShdw>
+                </a:effectLst>
+              </a:rPr>
+              <a:t>/</a:t>
+            </a:r>
+            <a:r>
+              <a:rPr lang="en-US" sz="2000" i="1" dirty="0" err="1" smtClean="0">
+                <a:effectLst>
+                  <a:outerShdw blurRad="38100" dist="38100" dir="2700000" algn="tl">
+                    <a:srgbClr val="000000">
+                      <a:alpha val="43137"/>
+                    </a:srgbClr>
+                  </a:outerShdw>
+                </a:effectLst>
+              </a:rPr>
+              <a:t>etc</a:t>
+            </a:r>
+            <a:r>
+              <a:rPr lang="en-US" sz="2000" i="1" dirty="0" smtClean="0">
+                <a:effectLst>
+                  <a:outerShdw blurRad="38100" dist="38100" dir="2700000" algn="tl">
+                    <a:srgbClr val="000000">
+                      <a:alpha val="43137"/>
+                    </a:srgbClr>
+                  </a:outerShdw>
+                </a:effectLst>
+              </a:rPr>
+              <a:t>/</a:t>
+            </a:r>
+            <a:r>
+              <a:rPr lang="en-US" sz="2000" i="1" dirty="0" err="1" smtClean="0">
+                <a:effectLst>
+                  <a:outerShdw blurRad="38100" dist="38100" dir="2700000" algn="tl">
+                    <a:srgbClr val="000000">
+                      <a:alpha val="43137"/>
+                    </a:srgbClr>
+                  </a:outerShdw>
+                </a:effectLst>
+              </a:rPr>
+              <a:t>postgresql</a:t>
+            </a:r>
+            <a:r>
+              <a:rPr lang="en-US" sz="2000" i="1" dirty="0" smtClean="0">
+                <a:effectLst>
+                  <a:outerShdw blurRad="38100" dist="38100" dir="2700000" algn="tl">
+                    <a:srgbClr val="000000">
+                      <a:alpha val="43137"/>
+                    </a:srgbClr>
+                  </a:outerShdw>
+                </a:effectLst>
+              </a:rPr>
+              <a:t>/9.3/main/</a:t>
+            </a:r>
+            <a:r>
+              <a:rPr lang="en-US" sz="2000" i="1" dirty="0" err="1" smtClean="0">
+                <a:effectLst>
+                  <a:outerShdw blurRad="38100" dist="38100" dir="2700000" algn="tl">
+                    <a:srgbClr val="000000">
+                      <a:alpha val="43137"/>
+                    </a:srgbClr>
+                  </a:outerShdw>
+                </a:effectLst>
+              </a:rPr>
+              <a:t>postgresql.conf</a:t>
+            </a:r>
+            <a:endParaRPr lang="en-US" sz="2000" dirty="0" smtClean="0">
+              <a:effectLst>
+                <a:outerShdw blurRad="38100" dist="38100" dir="2700000" algn="tl">
+                  <a:srgbClr val="000000">
+                    <a:alpha val="43137"/>
+                  </a:srgbClr>
+                </a:outerShdw>
+              </a:effectLst>
+            </a:endParaRPr>
+          </a:p>
+          <a:p>
+            <a:r>
+              <a:rPr lang="en-US" sz="2000" b="1" dirty="0" err="1" smtClean="0">
+                <a:effectLst>
+                  <a:outerShdw blurRad="38100" dist="38100" dir="2700000" algn="tl">
+                    <a:srgbClr val="000000">
+                      <a:alpha val="43137"/>
+                    </a:srgbClr>
+                  </a:outerShdw>
+                </a:effectLst>
+              </a:rPr>
+              <a:t>Funcionalidade</a:t>
+            </a:r>
+            <a:r>
+              <a:rPr lang="en-US" sz="2000" b="1" dirty="0" smtClean="0">
+                <a:effectLst>
+                  <a:outerShdw blurRad="38100" dist="38100" dir="2700000" algn="tl">
+                    <a:srgbClr val="000000">
+                      <a:alpha val="43137"/>
+                    </a:srgbClr>
+                  </a:outerShdw>
+                </a:effectLst>
+              </a:rPr>
+              <a:t>: </a:t>
+            </a:r>
+            <a:r>
+              <a:rPr lang="en-US" sz="2000" dirty="0" smtClean="0">
+                <a:effectLst>
+                  <a:outerShdw blurRad="38100" dist="38100" dir="2700000" algn="tl">
+                    <a:srgbClr val="000000">
+                      <a:alpha val="43137"/>
+                    </a:srgbClr>
+                  </a:outerShdw>
+                </a:effectLst>
+              </a:rPr>
+              <a:t>Sistema gestor de bases de dados</a:t>
+            </a:r>
+            <a:endParaRPr lang="en-US" sz="2000" dirty="0">
+              <a:effectLst>
+                <a:outerShdw blurRad="38100" dist="38100" dir="2700000" algn="tl">
+                  <a:srgbClr val="000000">
+                    <a:alpha val="43137"/>
+                  </a:srgbClr>
+                </a:outerShdw>
+              </a:effectLst>
+            </a:endParaRPr>
           </a:p>
         </p:txBody>
       </p:sp>
       <p:pic>
         <p:nvPicPr>
-          <p:cNvPr id="4098" name="Picture 2" descr="https://haproxy.com/doc/hapee/1.5/_static/logo_haproxy.com.png"/>
+          <p:cNvPr id="2058" name="Picture 10" descr="http://www.tivix.com/uploads/blog_pics/postgresql_1.png"/>
           <p:cNvPicPr>
             <a:picLocks noChangeAspect="1" noChangeArrowheads="1"/>
           </p:cNvPicPr>
@@ -6022,13 +7178,74 @@
         </p:blipFill>
         <p:spPr bwMode="auto">
           <a:xfrm>
-            <a:off x="3546918" y="1912480"/>
-            <a:ext cx="2857500" cy="676276"/>
+            <a:off x="8256015" y="1259877"/>
+            <a:ext cx="2791396" cy="2475278"/>
           </a:xfrm>
           <a:prstGeom prst="rect">
             <a:avLst/>
           </a:prstGeom>
-          <a:noFill/>
+          <a:ln w="38100">
+            <a:solidFill>
+              <a:schemeClr val="tx1"/>
+            </a:solidFill>
+          </a:ln>
+          <a:effectLst>
+            <a:outerShdw blurRad="63500" sx="102000" sy="102000" algn="ctr" rotWithShape="0">
+              <a:prstClr val="black">
+                <a:alpha val="40000"/>
+              </a:prstClr>
+            </a:outerShdw>
+          </a:effectLst>
+          <a:extLst>
+            <a:ext uri="{909E8E84-426E-40DD-AFC4-6F175D3DCCD1}">
+              <a14:hiddenFill xmlns:a14="http://schemas.microsoft.com/office/drawing/2010/main">
+                <a:solidFill>
+                  <a:srgbClr val="FFFFFF"/>
+                </a:solidFill>
+              </a14:hiddenFill>
+            </a:ext>
+          </a:extLst>
+        </p:spPr>
+      </p:pic>
+      <p:pic>
+        <p:nvPicPr>
+          <p:cNvPr id="14338" name="Picture 2" descr="https://webmentor.org/blog_images/php-logo.png"/>
+          <p:cNvPicPr>
+            <a:picLocks noChangeAspect="1" noChangeArrowheads="1"/>
+          </p:cNvPicPr>
+          <p:nvPr/>
+        </p:nvPicPr>
+        <p:blipFill>
+          <a:blip r:embed="rId3">
+            <a:extLst>
+              <a:ext uri="{28A0092B-C50C-407E-A947-70E740481C1C}">
+                <a14:useLocalDpi xmlns:a14="http://schemas.microsoft.com/office/drawing/2010/main" val="0"/>
+              </a:ext>
+            </a:extLst>
+          </a:blip>
+          <a:srcRect/>
+          <a:stretch>
+            <a:fillRect/>
+          </a:stretch>
+        </p:blipFill>
+        <p:spPr bwMode="auto">
+          <a:xfrm>
+            <a:off x="7985816" y="4108406"/>
+            <a:ext cx="3331794" cy="1765850"/>
+          </a:xfrm>
+          <a:prstGeom prst="rect">
+            <a:avLst/>
+          </a:prstGeom>
+          <a:ln w="38100">
+            <a:noFill/>
+          </a:ln>
+          <a:effectLst>
+            <a:outerShdw blurRad="63500" sx="102000" sy="102000" algn="ctr" rotWithShape="0">
+              <a:prstClr val="black">
+                <a:alpha val="40000"/>
+              </a:prstClr>
+            </a:outerShdw>
+          </a:effectLst>
           <a:extLst>
             <a:ext uri="{909E8E84-426E-40DD-AFC4-6F175D3DCCD1}">
               <a14:hiddenFill xmlns:a14="http://schemas.microsoft.com/office/drawing/2010/main">
@@ -6043,7 +7260,7 @@
     </p:spTree>
     <p:extLst>
       <p:ext uri="{BB962C8B-B14F-4D97-AF65-F5344CB8AC3E}">
-        <p14:creationId xmlns:p14="http://schemas.microsoft.com/office/powerpoint/2010/main" val="261370500"/>
+        <p14:creationId xmlns:p14="http://schemas.microsoft.com/office/powerpoint/2010/main" val="3875970476"/>
       </p:ext>
     </p:extLst>
   </p:cSld>
@@ -6072,7 +7289,7 @@
       </p:grpSpPr>
       <p:sp>
         <p:nvSpPr>
-          <p:cNvPr id="2" name="Título 1"/>
+          <p:cNvPr id="2" name="Title 1"/>
           <p:cNvSpPr>
             <a:spLocks noGrp="1"/>
           </p:cNvSpPr>
@@ -6086,20 +7303,16 @@
           <a:lstStyle/>
           <a:p>
             <a:r>
-              <a:rPr lang="pt-PT" dirty="0" err="1" smtClean="0"/>
-              <a:t>PostgreSQL</a:t>
-            </a:r>
-            <a:r>
-              <a:rPr lang="pt-PT" dirty="0" smtClean="0"/>
-              <a:t> e PHP5</a:t>
-            </a:r>
-            <a:endParaRPr lang="pt-PT" dirty="0"/>
-          </a:p>
-        </p:txBody>
-      </p:sp>
-      <p:sp>
-        <p:nvSpPr>
-          <p:cNvPr id="3" name="Marcador de Posição de Conteúdo 2"/>
+              <a:rPr lang="en-US" dirty="0" err="1" smtClean="0"/>
+              <a:t>HAProxy</a:t>
+            </a:r>
+            <a:endParaRPr lang="en-US" dirty="0"/>
+          </a:p>
+        </p:txBody>
+      </p:sp>
+      <p:sp>
+        <p:nvSpPr>
+          <p:cNvPr id="5" name="Content Placeholder 2"/>
           <p:cNvSpPr>
             <a:spLocks noGrp="1"/>
           </p:cNvSpPr>
@@ -6109,85 +7322,279 @@
         </p:nvSpPr>
         <p:spPr>
           <a:xfrm>
-            <a:off x="677334" y="4172270"/>
-            <a:ext cx="8596668" cy="1292616"/>
+            <a:off x="1141413" y="2729131"/>
+            <a:ext cx="7597070" cy="3912969"/>
           </a:xfrm>
         </p:spPr>
         <p:txBody>
-          <a:bodyPr/>
+          <a:bodyPr>
+            <a:normAutofit/>
+          </a:bodyPr>
           <a:lstStyle/>
           <a:p>
-            <a:pPr algn="just"/>
-            <a:r>
-              <a:rPr lang="pt-PT" dirty="0" err="1"/>
-              <a:t>PostgreSQL</a:t>
-            </a:r>
-            <a:r>
-              <a:rPr lang="pt-PT" dirty="0"/>
-              <a:t> é uma poderosa ferramenta open </a:t>
-            </a:r>
-            <a:r>
-              <a:rPr lang="pt-PT" dirty="0" err="1"/>
-              <a:t>source</a:t>
-            </a:r>
-            <a:r>
-              <a:rPr lang="pt-PT" dirty="0"/>
-              <a:t> de gestão de base de dados. É uma das muitas alternativas ao </a:t>
-            </a:r>
-            <a:r>
-              <a:rPr lang="pt-PT" dirty="0" err="1"/>
-              <a:t>MySQL</a:t>
-            </a:r>
-            <a:r>
-              <a:rPr lang="pt-PT" dirty="0"/>
-              <a:t>. Já o PHP, na sua versão 5 é uma linguagem de </a:t>
-            </a:r>
-            <a:r>
-              <a:rPr lang="pt-PT" dirty="0" err="1"/>
-              <a:t>scripting</a:t>
-            </a:r>
-            <a:r>
-              <a:rPr lang="pt-PT" dirty="0"/>
-              <a:t> utilizada em aplicações que utilizam bases de dados como </a:t>
-            </a:r>
-            <a:r>
-              <a:rPr lang="pt-PT" dirty="0" err="1"/>
-              <a:t>MediaWiki</a:t>
-            </a:r>
-            <a:r>
-              <a:rPr lang="pt-PT" dirty="0"/>
-              <a:t>, </a:t>
-            </a:r>
-            <a:r>
-              <a:rPr lang="pt-PT" dirty="0" err="1"/>
-              <a:t>Facebook</a:t>
-            </a:r>
-            <a:r>
-              <a:rPr lang="pt-PT" dirty="0"/>
-              <a:t>, </a:t>
-            </a:r>
-            <a:r>
-              <a:rPr lang="pt-PT" dirty="0" err="1"/>
-              <a:t>Wordpress</a:t>
-            </a:r>
-            <a:r>
-              <a:rPr lang="pt-PT" dirty="0"/>
-              <a:t>, </a:t>
-            </a:r>
-            <a:r>
-              <a:rPr lang="pt-PT" dirty="0" err="1"/>
-              <a:t>Joomla</a:t>
-            </a:r>
-            <a:r>
-              <a:rPr lang="pt-PT" dirty="0"/>
-              <a:t>, entre outras.</a:t>
-            </a:r>
+            <a:r>
+              <a:rPr lang="en-US" sz="2000" b="1" dirty="0" err="1" smtClean="0">
+                <a:effectLst>
+                  <a:outerShdw blurRad="38100" dist="38100" dir="2700000" algn="tl">
+                    <a:srgbClr val="000000">
+                      <a:alpha val="43137"/>
+                    </a:srgbClr>
+                  </a:outerShdw>
+                </a:effectLst>
+              </a:rPr>
+              <a:t>Versão</a:t>
+            </a:r>
+            <a:r>
+              <a:rPr lang="en-US" sz="2000" b="1" dirty="0" smtClean="0">
+                <a:effectLst>
+                  <a:outerShdw blurRad="38100" dist="38100" dir="2700000" algn="tl">
+                    <a:srgbClr val="000000">
+                      <a:alpha val="43137"/>
+                    </a:srgbClr>
+                  </a:outerShdw>
+                </a:effectLst>
+              </a:rPr>
+              <a:t> </a:t>
+            </a:r>
+            <a:r>
+              <a:rPr lang="en-US" sz="2000" b="1" dirty="0" err="1" smtClean="0">
+                <a:effectLst>
+                  <a:outerShdw blurRad="38100" dist="38100" dir="2700000" algn="tl">
+                    <a:srgbClr val="000000">
+                      <a:alpha val="43137"/>
+                    </a:srgbClr>
+                  </a:outerShdw>
+                </a:effectLst>
+              </a:rPr>
+              <a:t>atual</a:t>
+            </a:r>
+            <a:r>
+              <a:rPr lang="en-US" sz="2000" b="1" dirty="0" smtClean="0">
+                <a:effectLst>
+                  <a:outerShdw blurRad="38100" dist="38100" dir="2700000" algn="tl">
+                    <a:srgbClr val="000000">
+                      <a:alpha val="43137"/>
+                    </a:srgbClr>
+                  </a:outerShdw>
+                </a:effectLst>
+              </a:rPr>
+              <a:t>: </a:t>
+            </a:r>
+            <a:r>
+              <a:rPr lang="en-US" sz="2000" dirty="0" smtClean="0"/>
+              <a:t>1.6 (27 de </a:t>
+            </a:r>
+            <a:r>
+              <a:rPr lang="en-US" sz="2000" dirty="0" err="1" smtClean="0"/>
+              <a:t>dezembro</a:t>
+            </a:r>
+            <a:r>
+              <a:rPr lang="en-US" sz="2000" dirty="0" smtClean="0"/>
+              <a:t> de 2015)</a:t>
+            </a:r>
+          </a:p>
+          <a:p>
+            <a:r>
+              <a:rPr lang="en-US" sz="2000" b="1" dirty="0" err="1" smtClean="0">
+                <a:effectLst>
+                  <a:outerShdw blurRad="38100" dist="38100" dir="2700000" algn="tl">
+                    <a:srgbClr val="000000">
+                      <a:alpha val="43137"/>
+                    </a:srgbClr>
+                  </a:outerShdw>
+                </a:effectLst>
+              </a:rPr>
+              <a:t>Pacote</a:t>
+            </a:r>
+            <a:r>
+              <a:rPr lang="en-US" sz="2000" b="1" dirty="0" smtClean="0">
+                <a:effectLst>
+                  <a:outerShdw blurRad="38100" dist="38100" dir="2700000" algn="tl">
+                    <a:srgbClr val="000000">
+                      <a:alpha val="43137"/>
+                    </a:srgbClr>
+                  </a:outerShdw>
+                </a:effectLst>
+              </a:rPr>
+              <a:t> de </a:t>
+            </a:r>
+            <a:r>
+              <a:rPr lang="en-US" sz="2000" b="1" dirty="0" err="1" smtClean="0">
+                <a:effectLst>
+                  <a:outerShdw blurRad="38100" dist="38100" dir="2700000" algn="tl">
+                    <a:srgbClr val="000000">
+                      <a:alpha val="43137"/>
+                    </a:srgbClr>
+                  </a:outerShdw>
+                </a:effectLst>
+              </a:rPr>
+              <a:t>instalação</a:t>
+            </a:r>
+            <a:r>
+              <a:rPr lang="en-US" sz="2000" b="1" dirty="0" smtClean="0">
+                <a:effectLst>
+                  <a:outerShdw blurRad="38100" dist="38100" dir="2700000" algn="tl">
+                    <a:srgbClr val="000000">
+                      <a:alpha val="43137"/>
+                    </a:srgbClr>
+                  </a:outerShdw>
+                </a:effectLst>
+              </a:rPr>
+              <a:t>: </a:t>
+            </a:r>
+            <a:r>
+              <a:rPr lang="en-US" sz="2000" i="1" dirty="0" err="1" smtClean="0"/>
+              <a:t>haproxy</a:t>
+            </a:r>
+            <a:endParaRPr lang="en-US" sz="2000" dirty="0" smtClean="0"/>
+          </a:p>
+          <a:p>
+            <a:r>
+              <a:rPr lang="en-US" sz="2000" b="1" dirty="0" err="1" smtClean="0">
+                <a:effectLst>
+                  <a:outerShdw blurRad="38100" dist="38100" dir="2700000" algn="tl">
+                    <a:srgbClr val="000000">
+                      <a:alpha val="43137"/>
+                    </a:srgbClr>
+                  </a:outerShdw>
+                </a:effectLst>
+              </a:rPr>
+              <a:t>Ficheiro</a:t>
+            </a:r>
+            <a:r>
+              <a:rPr lang="en-US" sz="2000" b="1" dirty="0" smtClean="0">
+                <a:effectLst>
+                  <a:outerShdw blurRad="38100" dist="38100" dir="2700000" algn="tl">
+                    <a:srgbClr val="000000">
+                      <a:alpha val="43137"/>
+                    </a:srgbClr>
+                  </a:outerShdw>
+                </a:effectLst>
+              </a:rPr>
+              <a:t> principal de </a:t>
+            </a:r>
+            <a:r>
+              <a:rPr lang="en-US" sz="2000" b="1" dirty="0" err="1" smtClean="0">
+                <a:effectLst>
+                  <a:outerShdw blurRad="38100" dist="38100" dir="2700000" algn="tl">
+                    <a:srgbClr val="000000">
+                      <a:alpha val="43137"/>
+                    </a:srgbClr>
+                  </a:outerShdw>
+                </a:effectLst>
+              </a:rPr>
+              <a:t>configuração</a:t>
+            </a:r>
+            <a:r>
+              <a:rPr lang="en-US" sz="2000" b="1" dirty="0" smtClean="0">
+                <a:effectLst>
+                  <a:outerShdw blurRad="38100" dist="38100" dir="2700000" algn="tl">
+                    <a:srgbClr val="000000">
+                      <a:alpha val="43137"/>
+                    </a:srgbClr>
+                  </a:outerShdw>
+                </a:effectLst>
+              </a:rPr>
+              <a:t>: </a:t>
+            </a:r>
+            <a:r>
+              <a:rPr lang="en-US" sz="2000" i="1" dirty="0" smtClean="0"/>
+              <a:t>/</a:t>
+            </a:r>
+            <a:r>
+              <a:rPr lang="en-US" sz="2000" i="1" dirty="0" err="1" smtClean="0"/>
+              <a:t>etc</a:t>
+            </a:r>
+            <a:r>
+              <a:rPr lang="en-US" sz="2000" i="1" dirty="0" smtClean="0"/>
+              <a:t>/</a:t>
+            </a:r>
+            <a:r>
+              <a:rPr lang="en-US" sz="2000" i="1" dirty="0" err="1" smtClean="0"/>
+              <a:t>haproxy</a:t>
+            </a:r>
+            <a:r>
+              <a:rPr lang="en-US" sz="2000" i="1" dirty="0" smtClean="0"/>
+              <a:t>/</a:t>
+            </a:r>
+            <a:r>
+              <a:rPr lang="en-US" sz="2000" i="1" dirty="0" err="1" smtClean="0"/>
+              <a:t>haproxy.cfg</a:t>
+            </a:r>
+            <a:endParaRPr lang="en-US" sz="2000" dirty="0" smtClean="0"/>
+          </a:p>
+          <a:p>
+            <a:r>
+              <a:rPr lang="en-US" sz="2000" b="1" dirty="0" err="1" smtClean="0">
+                <a:effectLst>
+                  <a:outerShdw blurRad="38100" dist="38100" dir="2700000" algn="tl">
+                    <a:srgbClr val="000000">
+                      <a:alpha val="43137"/>
+                    </a:srgbClr>
+                  </a:outerShdw>
+                </a:effectLst>
+              </a:rPr>
+              <a:t>Funcionalidade</a:t>
+            </a:r>
+            <a:r>
+              <a:rPr lang="en-US" sz="2000" b="1" dirty="0" smtClean="0">
+                <a:effectLst>
+                  <a:outerShdw blurRad="38100" dist="38100" dir="2700000" algn="tl">
+                    <a:srgbClr val="000000">
+                      <a:alpha val="43137"/>
+                    </a:srgbClr>
+                  </a:outerShdw>
+                </a:effectLst>
+              </a:rPr>
+              <a:t>: </a:t>
+            </a:r>
+            <a:r>
+              <a:rPr lang="en-US" sz="2000" dirty="0" err="1" smtClean="0"/>
+              <a:t>Reencaminhar</a:t>
+            </a:r>
+            <a:r>
+              <a:rPr lang="en-US" sz="2000" dirty="0" smtClean="0"/>
+              <a:t> </a:t>
+            </a:r>
+            <a:r>
+              <a:rPr lang="en-US" sz="2000" dirty="0" err="1" smtClean="0"/>
+              <a:t>tráfego</a:t>
+            </a:r>
+            <a:r>
+              <a:rPr lang="en-US" sz="2000" dirty="0" smtClean="0"/>
+              <a:t> entre </a:t>
+            </a:r>
+            <a:r>
+              <a:rPr lang="en-US" sz="2000" dirty="0" err="1" smtClean="0"/>
+              <a:t>máquinas</a:t>
+            </a:r>
+            <a:r>
+              <a:rPr lang="en-US" sz="2000" dirty="0" smtClean="0"/>
+              <a:t> (</a:t>
+            </a:r>
+            <a:r>
+              <a:rPr lang="en-US" sz="2000" dirty="0" err="1" smtClean="0"/>
+              <a:t>alta</a:t>
+            </a:r>
+            <a:r>
+              <a:rPr lang="en-US" sz="2000" dirty="0" smtClean="0"/>
+              <a:t> </a:t>
+            </a:r>
+            <a:r>
+              <a:rPr lang="en-US" sz="2000" dirty="0" err="1" smtClean="0"/>
+              <a:t>disponibilidade</a:t>
+            </a:r>
+            <a:r>
+              <a:rPr lang="en-US" sz="2000" dirty="0" smtClean="0"/>
+              <a:t>)</a:t>
+            </a:r>
+            <a:endParaRPr lang="en-US" sz="2000" dirty="0"/>
           </a:p>
         </p:txBody>
       </p:sp>
       <p:pic>
         <p:nvPicPr>
-          <p:cNvPr id="5122" name="Picture 2" descr="http://2.bp.blogspot.com/-UWn6LKhUUac/USFfBF3Z6QI/AAAAAAAABKM/aRSESX5R7ro/s1600/PostgreSQL-9.0.1.gif"/>
+          <p:cNvPr id="13314" name="Picture 2" descr="https://haproxy.com/doc/hapee/1.5/_static/logo_haproxy.com.png"/>
           <p:cNvPicPr>
             <a:picLocks noChangeAspect="1" noChangeArrowheads="1"/>
           </p:cNvPicPr>
@@ -6208,470 +7615,49 @@
         </p:blipFill>
         <p:spPr bwMode="auto">
           <a:xfrm>
-            <a:off x="2323254" y="1688558"/>
-            <a:ext cx="2526912" cy="2001315"/>
+            <a:off x="6007968" y="1232195"/>
+            <a:ext cx="5316525" cy="1258246"/>
           </a:xfrm>
           <a:prstGeom prst="rect">
             <a:avLst/>
           </a:prstGeom>
-          <a:noFill/>
-          <a:extLst>
-            <a:ext uri="{909E8E84-426E-40DD-AFC4-6F175D3DCCD1}">
-              <a14:hiddenFill xmlns:a14="http://schemas.microsoft.com/office/drawing/2010/main">
-                <a:solidFill>
-                  <a:srgbClr val="FFFFFF"/>
-                </a:solidFill>
-              </a14:hiddenFill>
-            </a:ext>
-          </a:extLst>
-        </p:spPr>
-      </p:pic>
-      <p:pic>
-        <p:nvPicPr>
-          <p:cNvPr id="5124" name="Picture 4" descr="http://includesi.fa7.edu.br/wp-content/uploads/2015/11/url1.png"/>
-          <p:cNvPicPr>
-            <a:picLocks noChangeAspect="1" noChangeArrowheads="1"/>
-          </p:cNvPicPr>
-          <p:nvPr/>
-        </p:nvPicPr>
-        <p:blipFill>
-          <a:blip r:embed="rId3">
-            <a:extLst>
-              <a:ext uri="{28A0092B-C50C-407E-A947-70E740481C1C}">
-                <a14:useLocalDpi xmlns:a14="http://schemas.microsoft.com/office/drawing/2010/main" val="0"/>
-              </a:ext>
-            </a:extLst>
-          </a:blip>
-          <a:srcRect/>
-          <a:stretch>
-            <a:fillRect/>
-          </a:stretch>
-        </p:blipFill>
-        <p:spPr bwMode="auto">
-          <a:xfrm>
-            <a:off x="4850166" y="2075022"/>
-            <a:ext cx="3790950" cy="1952625"/>
-          </a:xfrm>
-          <a:prstGeom prst="rect">
-            <a:avLst/>
-          </a:prstGeom>
-          <a:noFill/>
-          <a:extLst>
-            <a:ext uri="{909E8E84-426E-40DD-AFC4-6F175D3DCCD1}">
-              <a14:hiddenFill xmlns:a14="http://schemas.microsoft.com/office/drawing/2010/main">
-                <a:solidFill>
-                  <a:srgbClr val="FFFFFF"/>
-                </a:solidFill>
-              </a14:hiddenFill>
-            </a:ext>
-          </a:extLst>
+          <a:solidFill>
+            <a:srgbClr val="FFFFFF">
+              <a:shade val="85000"/>
+            </a:srgbClr>
+          </a:solidFill>
+          <a:ln w="38100" cap="sq">
+            <a:solidFill>
+              <a:srgbClr val="FFFFFF"/>
+            </a:solidFill>
+            <a:miter lim="800000"/>
+          </a:ln>
+          <a:effectLst>
+            <a:outerShdw blurRad="63500" sx="102000" sy="102000" algn="ctr" rotWithShape="0">
+              <a:prstClr val="black">
+                <a:alpha val="40000"/>
+              </a:prstClr>
+            </a:outerShdw>
+          </a:effectLst>
+          <a:scene3d>
+            <a:camera prst="orthographicFront"/>
+            <a:lightRig rig="twoPt" dir="t">
+              <a:rot lat="0" lon="0" rev="7200000"/>
+            </a:lightRig>
+          </a:scene3d>
+          <a:sp3d>
+            <a:bevelT w="25400" h="19050"/>
+            <a:contourClr>
+              <a:srgbClr val="FFFFFF"/>
+            </a:contourClr>
+          </a:sp3d>
+          <a:extLst/>
         </p:spPr>
       </p:pic>
     </p:spTree>
     <p:extLst>
       <p:ext uri="{BB962C8B-B14F-4D97-AF65-F5344CB8AC3E}">
-        <p14:creationId xmlns:p14="http://schemas.microsoft.com/office/powerpoint/2010/main" val="3374867758"/>
-      </p:ext>
-    </p:extLst>
-  </p:cSld>
-  <p:clrMapOvr>
-    <a:masterClrMapping/>
-  </p:clrMapOvr>
-</p:sld>
-</file>
-
-<file path=ppt/slides/slide12.xml><?xml version="1.0" encoding="utf-8"?>
-<p:sld xmlns:a="http://schemas.openxmlformats.org/drawingml/2006/main" xmlns:r="http://schemas.openxmlformats.org/officeDocument/2006/relationships" xmlns:p="http://schemas.openxmlformats.org/presentationml/2006/main">
-  <p:cSld>
-    <p:spTree>
-      <p:nvGrpSpPr>
-        <p:cNvPr id="1" name=""/>
-        <p:cNvGrpSpPr/>
-        <p:nvPr/>
-      </p:nvGrpSpPr>
-      <p:grpSpPr>
-        <a:xfrm>
-          <a:off x="0" y="0"/>
-          <a:ext cx="0" cy="0"/>
-          <a:chOff x="0" y="0"/>
-          <a:chExt cx="0" cy="0"/>
-        </a:xfrm>
-      </p:grpSpPr>
-      <p:sp>
-        <p:nvSpPr>
-          <p:cNvPr id="2" name="Título 1"/>
-          <p:cNvSpPr>
-            <a:spLocks noGrp="1"/>
-          </p:cNvSpPr>
-          <p:nvPr>
-            <p:ph type="title"/>
-          </p:nvPr>
-        </p:nvSpPr>
-        <p:spPr/>
-        <p:txBody>
-          <a:bodyPr/>
-          <a:lstStyle/>
-          <a:p>
-            <a:r>
-              <a:rPr lang="pt-PT" dirty="0" err="1" smtClean="0"/>
-              <a:t>Moodle</a:t>
-            </a:r>
-            <a:r>
-              <a:rPr lang="pt-PT" dirty="0" smtClean="0"/>
-              <a:t> e </a:t>
-            </a:r>
-            <a:r>
-              <a:rPr lang="pt-PT" dirty="0" err="1" smtClean="0"/>
-              <a:t>Git</a:t>
-            </a:r>
-            <a:endParaRPr lang="pt-PT" dirty="0"/>
-          </a:p>
-        </p:txBody>
-      </p:sp>
-      <p:sp>
-        <p:nvSpPr>
-          <p:cNvPr id="3" name="Marcador de Posição de Conteúdo 2"/>
-          <p:cNvSpPr>
-            <a:spLocks noGrp="1"/>
-          </p:cNvSpPr>
-          <p:nvPr>
-            <p:ph idx="1"/>
-          </p:nvPr>
-        </p:nvSpPr>
-        <p:spPr>
-          <a:xfrm>
-            <a:off x="677334" y="3817266"/>
-            <a:ext cx="8596668" cy="2120955"/>
-          </a:xfrm>
-        </p:spPr>
-        <p:txBody>
-          <a:bodyPr/>
-          <a:lstStyle/>
-          <a:p>
-            <a:pPr algn="just"/>
-            <a:r>
-              <a:rPr lang="pt-PT" dirty="0" err="1"/>
-              <a:t>Git</a:t>
-            </a:r>
-            <a:r>
-              <a:rPr lang="pt-PT" dirty="0"/>
-              <a:t> é um sistema de controlo de versões focado na rapidez e na integração de dados. É um software Open </a:t>
-            </a:r>
-            <a:r>
-              <a:rPr lang="pt-PT" dirty="0" err="1"/>
-              <a:t>Source</a:t>
-            </a:r>
-            <a:r>
-              <a:rPr lang="pt-PT" dirty="0"/>
-              <a:t>. O </a:t>
-            </a:r>
-            <a:r>
-              <a:rPr lang="pt-PT" dirty="0" err="1"/>
-              <a:t>Moodle</a:t>
-            </a:r>
-            <a:r>
-              <a:rPr lang="pt-PT" dirty="0"/>
-              <a:t> é um serviço Web criado a pensar nas necessidades dos estudantes e das entidades de Ensino. Pretende disponibilizar uma plataforma onde o conteúdo pode ser partilhado entre professores e alunos. O </a:t>
-            </a:r>
-            <a:r>
-              <a:rPr lang="pt-PT" dirty="0" err="1"/>
-              <a:t>Moodle</a:t>
-            </a:r>
-            <a:r>
-              <a:rPr lang="pt-PT" dirty="0"/>
-              <a:t> possibilita ainda a capacidade de ensino à distância, sendo possível a disponibilização de aulas e de testes na plataforma. </a:t>
-            </a:r>
-          </a:p>
-        </p:txBody>
-      </p:sp>
-      <p:pic>
-        <p:nvPicPr>
-          <p:cNvPr id="6146" name="Picture 2" descr="https://git-scm.com/images/logo@2x.png"/>
-          <p:cNvPicPr>
-            <a:picLocks noChangeAspect="1" noChangeArrowheads="1"/>
-          </p:cNvPicPr>
-          <p:nvPr/>
-        </p:nvPicPr>
-        <p:blipFill>
-          <a:blip r:embed="rId2">
-            <a:extLst>
-              <a:ext uri="{28A0092B-C50C-407E-A947-70E740481C1C}">
-                <a14:useLocalDpi xmlns:a14="http://schemas.microsoft.com/office/drawing/2010/main" val="0"/>
-              </a:ext>
-            </a:extLst>
-          </a:blip>
-          <a:srcRect/>
-          <a:stretch>
-            <a:fillRect/>
-          </a:stretch>
-        </p:blipFill>
-        <p:spPr bwMode="auto">
-          <a:xfrm>
-            <a:off x="1322780" y="2122393"/>
-            <a:ext cx="2095500" cy="876300"/>
-          </a:xfrm>
-          <a:prstGeom prst="rect">
-            <a:avLst/>
-          </a:prstGeom>
-          <a:noFill/>
-          <a:extLst>
-            <a:ext uri="{909E8E84-426E-40DD-AFC4-6F175D3DCCD1}">
-              <a14:hiddenFill xmlns:a14="http://schemas.microsoft.com/office/drawing/2010/main">
-                <a:solidFill>
-                  <a:srgbClr val="FFFFFF"/>
-                </a:solidFill>
-              </a14:hiddenFill>
-            </a:ext>
-          </a:extLst>
-        </p:spPr>
-      </p:pic>
-      <p:pic>
-        <p:nvPicPr>
-          <p:cNvPr id="6148" name="Picture 4" descr="http://www3.ipbrick.com/wp-content/uploads/2014/01/ipbrick_moodle_software.jpg"/>
-          <p:cNvPicPr>
-            <a:picLocks noChangeAspect="1" noChangeArrowheads="1"/>
-          </p:cNvPicPr>
-          <p:nvPr/>
-        </p:nvPicPr>
-        <p:blipFill>
-          <a:blip r:embed="rId3">
-            <a:extLst>
-              <a:ext uri="{28A0092B-C50C-407E-A947-70E740481C1C}">
-                <a14:useLocalDpi xmlns:a14="http://schemas.microsoft.com/office/drawing/2010/main" val="0"/>
-              </a:ext>
-            </a:extLst>
-          </a:blip>
-          <a:srcRect/>
-          <a:stretch>
-            <a:fillRect/>
-          </a:stretch>
-        </p:blipFill>
-        <p:spPr bwMode="auto">
-          <a:xfrm>
-            <a:off x="4023362" y="1867857"/>
-            <a:ext cx="4313815" cy="1066456"/>
-          </a:xfrm>
-          <a:prstGeom prst="rect">
-            <a:avLst/>
-          </a:prstGeom>
-          <a:noFill/>
-          <a:extLst>
-            <a:ext uri="{909E8E84-426E-40DD-AFC4-6F175D3DCCD1}">
-              <a14:hiddenFill xmlns:a14="http://schemas.microsoft.com/office/drawing/2010/main">
-                <a:solidFill>
-                  <a:srgbClr val="FFFFFF"/>
-                </a:solidFill>
-              </a14:hiddenFill>
-            </a:ext>
-          </a:extLst>
-        </p:spPr>
-      </p:pic>
-    </p:spTree>
-    <p:extLst>
-      <p:ext uri="{BB962C8B-B14F-4D97-AF65-F5344CB8AC3E}">
-        <p14:creationId xmlns:p14="http://schemas.microsoft.com/office/powerpoint/2010/main" val="995155745"/>
-      </p:ext>
-    </p:extLst>
-  </p:cSld>
-  <p:clrMapOvr>
-    <a:masterClrMapping/>
-  </p:clrMapOvr>
-</p:sld>
-</file>
-
-<file path=ppt/slides/slide13.xml><?xml version="1.0" encoding="utf-8"?>
-<p:sld xmlns:a="http://schemas.openxmlformats.org/drawingml/2006/main" xmlns:r="http://schemas.openxmlformats.org/officeDocument/2006/relationships" xmlns:p="http://schemas.openxmlformats.org/presentationml/2006/main">
-  <p:cSld>
-    <p:spTree>
-      <p:nvGrpSpPr>
-        <p:cNvPr id="1" name=""/>
-        <p:cNvGrpSpPr/>
-        <p:nvPr/>
-      </p:nvGrpSpPr>
-      <p:grpSpPr>
-        <a:xfrm>
-          <a:off x="0" y="0"/>
-          <a:ext cx="0" cy="0"/>
-          <a:chOff x="0" y="0"/>
-          <a:chExt cx="0" cy="0"/>
-        </a:xfrm>
-      </p:grpSpPr>
-      <p:sp>
-        <p:nvSpPr>
-          <p:cNvPr id="2" name="Título 1"/>
-          <p:cNvSpPr>
-            <a:spLocks noGrp="1"/>
-          </p:cNvSpPr>
-          <p:nvPr>
-            <p:ph type="title"/>
-          </p:nvPr>
-        </p:nvSpPr>
-        <p:spPr/>
-        <p:txBody>
-          <a:bodyPr/>
-          <a:lstStyle/>
-          <a:p>
-            <a:r>
-              <a:rPr lang="pt-PT" dirty="0" err="1" smtClean="0"/>
-              <a:t>Webmin</a:t>
-            </a:r>
-            <a:endParaRPr lang="pt-PT" dirty="0"/>
-          </a:p>
-        </p:txBody>
-      </p:sp>
-      <p:sp>
-        <p:nvSpPr>
-          <p:cNvPr id="3" name="Marcador de Posição de Conteúdo 2"/>
-          <p:cNvSpPr>
-            <a:spLocks noGrp="1"/>
-          </p:cNvSpPr>
-          <p:nvPr>
-            <p:ph idx="1"/>
-          </p:nvPr>
-        </p:nvSpPr>
-        <p:spPr>
-          <a:xfrm>
-            <a:off x="677334" y="3935600"/>
-            <a:ext cx="8596668" cy="1023675"/>
-          </a:xfrm>
-        </p:spPr>
-        <p:txBody>
-          <a:bodyPr/>
-          <a:lstStyle/>
-          <a:p>
-            <a:pPr algn="just"/>
-            <a:r>
-              <a:rPr lang="pt-PT" dirty="0" err="1"/>
-              <a:t>Webmin</a:t>
-            </a:r>
-            <a:r>
-              <a:rPr lang="pt-PT" dirty="0"/>
-              <a:t> é uma ferramenta de administração gráfica web-</a:t>
-            </a:r>
-            <a:r>
-              <a:rPr lang="pt-PT" dirty="0" err="1"/>
-              <a:t>based</a:t>
-            </a:r>
-            <a:r>
-              <a:rPr lang="pt-PT" dirty="0"/>
-              <a:t> que facilita a administração de um sistema operativo Linux/Unix através de um simples browser. </a:t>
-            </a:r>
-          </a:p>
-        </p:txBody>
-      </p:sp>
-      <p:pic>
-        <p:nvPicPr>
-          <p:cNvPr id="7170" name="Picture 2" descr="http://www.agenciavirtua.com.br/clientes/blog/wp-content/uploads/2014/08/Webmin-Logo-600.png"/>
-          <p:cNvPicPr>
-            <a:picLocks noChangeAspect="1" noChangeArrowheads="1"/>
-          </p:cNvPicPr>
-          <p:nvPr/>
-        </p:nvPicPr>
-        <p:blipFill>
-          <a:blip r:embed="rId2">
-            <a:extLst>
-              <a:ext uri="{28A0092B-C50C-407E-A947-70E740481C1C}">
-                <a14:useLocalDpi xmlns:a14="http://schemas.microsoft.com/office/drawing/2010/main" val="0"/>
-              </a:ext>
-            </a:extLst>
-          </a:blip>
-          <a:srcRect/>
-          <a:stretch>
-            <a:fillRect/>
-          </a:stretch>
-        </p:blipFill>
-        <p:spPr bwMode="auto">
-          <a:xfrm>
-            <a:off x="2118168" y="2113280"/>
-            <a:ext cx="5715000" cy="1409700"/>
-          </a:xfrm>
-          <a:prstGeom prst="rect">
-            <a:avLst/>
-          </a:prstGeom>
-          <a:noFill/>
-          <a:extLst>
-            <a:ext uri="{909E8E84-426E-40DD-AFC4-6F175D3DCCD1}">
-              <a14:hiddenFill xmlns:a14="http://schemas.microsoft.com/office/drawing/2010/main">
-                <a:solidFill>
-                  <a:srgbClr val="FFFFFF"/>
-                </a:solidFill>
-              </a14:hiddenFill>
-            </a:ext>
-          </a:extLst>
-        </p:spPr>
-      </p:pic>
-    </p:spTree>
-    <p:extLst>
-      <p:ext uri="{BB962C8B-B14F-4D97-AF65-F5344CB8AC3E}">
-        <p14:creationId xmlns:p14="http://schemas.microsoft.com/office/powerpoint/2010/main" val="3396747680"/>
-      </p:ext>
-    </p:extLst>
-  </p:cSld>
-  <p:clrMapOvr>
-    <a:masterClrMapping/>
-  </p:clrMapOvr>
-</p:sld>
-</file>
-
-<file path=ppt/slides/slide14.xml><?xml version="1.0" encoding="utf-8"?>
-<p:sld xmlns:a="http://schemas.openxmlformats.org/drawingml/2006/main" xmlns:r="http://schemas.openxmlformats.org/officeDocument/2006/relationships" xmlns:p="http://schemas.openxmlformats.org/presentationml/2006/main">
-  <p:cSld>
-    <p:spTree>
-      <p:nvGrpSpPr>
-        <p:cNvPr id="1" name=""/>
-        <p:cNvGrpSpPr/>
-        <p:nvPr/>
-      </p:nvGrpSpPr>
-      <p:grpSpPr>
-        <a:xfrm>
-          <a:off x="0" y="0"/>
-          <a:ext cx="0" cy="0"/>
-          <a:chOff x="0" y="0"/>
-          <a:chExt cx="0" cy="0"/>
-        </a:xfrm>
-      </p:grpSpPr>
-      <p:sp>
-        <p:nvSpPr>
-          <p:cNvPr id="2" name="Título 1"/>
-          <p:cNvSpPr>
-            <a:spLocks noGrp="1"/>
-          </p:cNvSpPr>
-          <p:nvPr>
-            <p:ph type="title"/>
-          </p:nvPr>
-        </p:nvSpPr>
-        <p:spPr/>
-        <p:txBody>
-          <a:bodyPr/>
-          <a:lstStyle/>
-          <a:p>
-            <a:endParaRPr lang="pt-PT" dirty="0"/>
-          </a:p>
-        </p:txBody>
-      </p:sp>
-      <p:sp>
-        <p:nvSpPr>
-          <p:cNvPr id="3" name="Marcador de Posição de Conteúdo 2"/>
-          <p:cNvSpPr>
-            <a:spLocks noGrp="1"/>
-          </p:cNvSpPr>
-          <p:nvPr>
-            <p:ph idx="1"/>
-          </p:nvPr>
-        </p:nvSpPr>
-        <p:spPr/>
-        <p:txBody>
-          <a:bodyPr/>
-          <a:lstStyle/>
-          <a:p>
-            <a:endParaRPr lang="pt-PT"/>
-          </a:p>
-        </p:txBody>
-      </p:sp>
-    </p:spTree>
-    <p:extLst>
-      <p:ext uri="{BB962C8B-B14F-4D97-AF65-F5344CB8AC3E}">
-        <p14:creationId xmlns:p14="http://schemas.microsoft.com/office/powerpoint/2010/main" val="4019054902"/>
+        <p14:creationId xmlns:p14="http://schemas.microsoft.com/office/powerpoint/2010/main" val="1183852404"/>
       </p:ext>
     </p:extLst>
   </p:cSld>
@@ -6698,9 +7684,466 @@
           <a:chExt cx="0" cy="0"/>
         </a:xfrm>
       </p:grpSpPr>
+      <p:sp>
+        <p:nvSpPr>
+          <p:cNvPr id="2" name="Title 1"/>
+          <p:cNvSpPr>
+            <a:spLocks noGrp="1"/>
+          </p:cNvSpPr>
+          <p:nvPr>
+            <p:ph type="title"/>
+          </p:nvPr>
+        </p:nvSpPr>
+        <p:spPr>
+          <a:xfrm>
+            <a:off x="944464" y="683242"/>
+            <a:ext cx="10689517" cy="1478570"/>
+          </a:xfrm>
+        </p:spPr>
+        <p:txBody>
+          <a:bodyPr/>
+          <a:lstStyle/>
+          <a:p>
+            <a:r>
+              <a:rPr lang="en-US" dirty="0" smtClean="0"/>
+              <a:t>Cenário</a:t>
+            </a:r>
+            <a:r>
+              <a:rPr lang="en-US" dirty="0"/>
+              <a:t> </a:t>
+            </a:r>
+            <a:r>
+              <a:rPr lang="en-US" dirty="0" smtClean="0"/>
+              <a:t>de</a:t>
+            </a:r>
+            <a:br>
+              <a:rPr lang="en-US" dirty="0" smtClean="0"/>
+            </a:br>
+            <a:r>
+              <a:rPr lang="en-US" dirty="0" smtClean="0"/>
+              <a:t>IMPLEMENTAÇÃO</a:t>
+            </a:r>
+            <a:endParaRPr lang="en-US" dirty="0"/>
+          </a:p>
+        </p:txBody>
+      </p:sp>
+      <p:sp>
+        <p:nvSpPr>
+          <p:cNvPr id="5" name="Content Placeholder 2"/>
+          <p:cNvSpPr>
+            <a:spLocks noGrp="1"/>
+          </p:cNvSpPr>
+          <p:nvPr>
+            <p:ph idx="1"/>
+          </p:nvPr>
+        </p:nvSpPr>
+        <p:spPr>
+          <a:xfrm>
+            <a:off x="831923" y="2696362"/>
+            <a:ext cx="4035496" cy="3541714"/>
+          </a:xfrm>
+        </p:spPr>
+        <p:txBody>
+          <a:bodyPr>
+            <a:normAutofit/>
+          </a:bodyPr>
+          <a:lstStyle/>
+          <a:p>
+            <a:pPr>
+              <a:buFont typeface="Wingdings" panose="05000000000000000000" pitchFamily="2" charset="2"/>
+              <a:buChar char="ü"/>
+            </a:pPr>
+            <a:r>
+              <a:rPr lang="en-US" dirty="0" smtClean="0">
+                <a:effectLst>
+                  <a:outerShdw blurRad="38100" dist="38100" dir="2700000" algn="tl">
+                    <a:srgbClr val="000000">
+                      <a:alpha val="43137"/>
+                    </a:srgbClr>
+                  </a:outerShdw>
+                </a:effectLst>
+              </a:rPr>
+              <a:t>4 </a:t>
+            </a:r>
+            <a:r>
+              <a:rPr lang="en-US" dirty="0" err="1" smtClean="0">
+                <a:effectLst>
+                  <a:outerShdw blurRad="38100" dist="38100" dir="2700000" algn="tl">
+                    <a:srgbClr val="000000">
+                      <a:alpha val="43137"/>
+                    </a:srgbClr>
+                  </a:outerShdw>
+                </a:effectLst>
+              </a:rPr>
+              <a:t>Máquinas</a:t>
+            </a:r>
+            <a:r>
+              <a:rPr lang="en-US" dirty="0" smtClean="0">
+                <a:effectLst>
+                  <a:outerShdw blurRad="38100" dist="38100" dir="2700000" algn="tl">
+                    <a:srgbClr val="000000">
+                      <a:alpha val="43137"/>
+                    </a:srgbClr>
+                  </a:outerShdw>
+                </a:effectLst>
+              </a:rPr>
+              <a:t> </a:t>
+            </a:r>
+            <a:r>
+              <a:rPr lang="en-US" dirty="0" err="1" smtClean="0">
+                <a:effectLst>
+                  <a:outerShdw blurRad="38100" dist="38100" dir="2700000" algn="tl">
+                    <a:srgbClr val="000000">
+                      <a:alpha val="43137"/>
+                    </a:srgbClr>
+                  </a:outerShdw>
+                </a:effectLst>
+              </a:rPr>
+              <a:t>virtuais</a:t>
+            </a:r>
+            <a:endParaRPr lang="en-US" dirty="0" smtClean="0">
+              <a:effectLst>
+                <a:outerShdw blurRad="38100" dist="38100" dir="2700000" algn="tl">
+                  <a:srgbClr val="000000">
+                    <a:alpha val="43137"/>
+                  </a:srgbClr>
+                </a:outerShdw>
+              </a:effectLst>
+            </a:endParaRPr>
+          </a:p>
+          <a:p>
+            <a:pPr>
+              <a:buFont typeface="Wingdings" panose="05000000000000000000" pitchFamily="2" charset="2"/>
+              <a:buChar char="ü"/>
+            </a:pPr>
+            <a:r>
+              <a:rPr lang="en-US" dirty="0" smtClean="0">
+                <a:effectLst>
+                  <a:outerShdw blurRad="38100" dist="38100" dir="2700000" algn="tl">
+                    <a:srgbClr val="000000">
+                      <a:alpha val="43137"/>
+                    </a:srgbClr>
+                  </a:outerShdw>
+                </a:effectLst>
+              </a:rPr>
+              <a:t>2 </a:t>
+            </a:r>
+            <a:r>
+              <a:rPr lang="en-US" dirty="0" err="1" smtClean="0">
+                <a:effectLst>
+                  <a:outerShdw blurRad="38100" dist="38100" dir="2700000" algn="tl">
+                    <a:srgbClr val="000000">
+                      <a:alpha val="43137"/>
+                    </a:srgbClr>
+                  </a:outerShdw>
+                </a:effectLst>
+              </a:rPr>
+              <a:t>Servidores</a:t>
+            </a:r>
+            <a:r>
+              <a:rPr lang="en-US" dirty="0" smtClean="0">
+                <a:effectLst>
+                  <a:outerShdw blurRad="38100" dist="38100" dir="2700000" algn="tl">
+                    <a:srgbClr val="000000">
+                      <a:alpha val="43137"/>
+                    </a:srgbClr>
+                  </a:outerShdw>
+                </a:effectLst>
+              </a:rPr>
+              <a:t> </a:t>
+            </a:r>
+            <a:r>
+              <a:rPr lang="en-US" i="1" dirty="0" smtClean="0">
+                <a:effectLst>
+                  <a:outerShdw blurRad="38100" dist="38100" dir="2700000" algn="tl">
+                    <a:srgbClr val="000000">
+                      <a:alpha val="43137"/>
+                    </a:srgbClr>
+                  </a:outerShdw>
+                </a:effectLst>
+              </a:rPr>
+              <a:t>Web</a:t>
+            </a:r>
+            <a:r>
+              <a:rPr lang="en-US" dirty="0" smtClean="0">
+                <a:effectLst>
+                  <a:outerShdw blurRad="38100" dist="38100" dir="2700000" algn="tl">
+                    <a:srgbClr val="000000">
+                      <a:alpha val="43137"/>
+                    </a:srgbClr>
+                  </a:outerShdw>
+                </a:effectLst>
+              </a:rPr>
+              <a:t> e </a:t>
+            </a:r>
+            <a:r>
+              <a:rPr lang="en-US" i="1" dirty="0" smtClean="0">
+                <a:effectLst>
+                  <a:outerShdw blurRad="38100" dist="38100" dir="2700000" algn="tl">
+                    <a:srgbClr val="000000">
+                      <a:alpha val="43137"/>
+                    </a:srgbClr>
+                  </a:outerShdw>
+                </a:effectLst>
+              </a:rPr>
+              <a:t>Moodle</a:t>
+            </a:r>
+            <a:r>
+              <a:rPr lang="en-US" dirty="0" smtClean="0">
+                <a:effectLst>
+                  <a:outerShdw blurRad="38100" dist="38100" dir="2700000" algn="tl">
+                    <a:srgbClr val="000000">
+                      <a:alpha val="43137"/>
+                    </a:srgbClr>
+                  </a:outerShdw>
+                </a:effectLst>
+              </a:rPr>
+              <a:t> </a:t>
+            </a:r>
+            <a:r>
+              <a:rPr lang="en-US" dirty="0" err="1" smtClean="0">
+                <a:effectLst>
+                  <a:outerShdw blurRad="38100" dist="38100" dir="2700000" algn="tl">
+                    <a:srgbClr val="000000">
+                      <a:alpha val="43137"/>
+                    </a:srgbClr>
+                  </a:outerShdw>
+                </a:effectLst>
+              </a:rPr>
+              <a:t>em</a:t>
+            </a:r>
+            <a:r>
+              <a:rPr lang="en-US" dirty="0" smtClean="0">
+                <a:effectLst>
+                  <a:outerShdw blurRad="38100" dist="38100" dir="2700000" algn="tl">
+                    <a:srgbClr val="000000">
+                      <a:alpha val="43137"/>
+                    </a:srgbClr>
+                  </a:outerShdw>
+                </a:effectLst>
+              </a:rPr>
+              <a:t> </a:t>
+            </a:r>
+            <a:r>
+              <a:rPr lang="en-US" i="1" dirty="0" smtClean="0">
+                <a:effectLst>
+                  <a:outerShdw blurRad="38100" dist="38100" dir="2700000" algn="tl">
+                    <a:srgbClr val="000000">
+                      <a:alpha val="43137"/>
+                    </a:srgbClr>
+                  </a:outerShdw>
+                </a:effectLst>
+              </a:rPr>
+              <a:t>Cluster</a:t>
+            </a:r>
+          </a:p>
+          <a:p>
+            <a:pPr>
+              <a:buFont typeface="Wingdings" panose="05000000000000000000" pitchFamily="2" charset="2"/>
+              <a:buChar char="ü"/>
+            </a:pPr>
+            <a:r>
+              <a:rPr lang="en-US" dirty="0" smtClean="0">
+                <a:effectLst>
+                  <a:outerShdw blurRad="38100" dist="38100" dir="2700000" algn="tl">
+                    <a:srgbClr val="000000">
+                      <a:alpha val="43137"/>
+                    </a:srgbClr>
+                  </a:outerShdw>
+                </a:effectLst>
+              </a:rPr>
+              <a:t>1 </a:t>
+            </a:r>
+            <a:r>
+              <a:rPr lang="en-US" dirty="0" err="1" smtClean="0">
+                <a:effectLst>
+                  <a:outerShdw blurRad="38100" dist="38100" dir="2700000" algn="tl">
+                    <a:srgbClr val="000000">
+                      <a:alpha val="43137"/>
+                    </a:srgbClr>
+                  </a:outerShdw>
+                </a:effectLst>
+              </a:rPr>
+              <a:t>Servidor</a:t>
+            </a:r>
+            <a:r>
+              <a:rPr lang="en-US" dirty="0" smtClean="0">
+                <a:effectLst>
+                  <a:outerShdw blurRad="38100" dist="38100" dir="2700000" algn="tl">
+                    <a:srgbClr val="000000">
+                      <a:alpha val="43137"/>
+                    </a:srgbClr>
+                  </a:outerShdw>
+                </a:effectLst>
+              </a:rPr>
+              <a:t> NAS (</a:t>
+            </a:r>
+            <a:r>
+              <a:rPr lang="en-US" i="1" dirty="0" smtClean="0">
+                <a:effectLst>
+                  <a:outerShdw blurRad="38100" dist="38100" dir="2700000" algn="tl">
+                    <a:srgbClr val="000000">
+                      <a:alpha val="43137"/>
+                    </a:srgbClr>
+                  </a:outerShdw>
+                </a:effectLst>
+              </a:rPr>
+              <a:t>Network-Attached</a:t>
+            </a:r>
+            <a:r>
+              <a:rPr lang="en-US" dirty="0" smtClean="0">
+                <a:effectLst>
+                  <a:outerShdw blurRad="38100" dist="38100" dir="2700000" algn="tl">
+                    <a:srgbClr val="000000">
+                      <a:alpha val="43137"/>
+                    </a:srgbClr>
+                  </a:outerShdw>
+                </a:effectLst>
+              </a:rPr>
+              <a:t> </a:t>
+            </a:r>
+            <a:r>
+              <a:rPr lang="en-US" i="1" dirty="0" smtClean="0">
+                <a:effectLst>
+                  <a:outerShdw blurRad="38100" dist="38100" dir="2700000" algn="tl">
+                    <a:srgbClr val="000000">
+                      <a:alpha val="43137"/>
+                    </a:srgbClr>
+                  </a:outerShdw>
+                </a:effectLst>
+              </a:rPr>
+              <a:t>Storage</a:t>
+            </a:r>
+            <a:r>
+              <a:rPr lang="en-US" dirty="0" smtClean="0">
+                <a:effectLst>
+                  <a:outerShdw blurRad="38100" dist="38100" dir="2700000" algn="tl">
+                    <a:srgbClr val="000000">
+                      <a:alpha val="43137"/>
+                    </a:srgbClr>
+                  </a:outerShdw>
+                </a:effectLst>
+              </a:rPr>
+              <a:t>)</a:t>
+            </a:r>
+          </a:p>
+          <a:p>
+            <a:pPr>
+              <a:buFont typeface="Wingdings" panose="05000000000000000000" pitchFamily="2" charset="2"/>
+              <a:buChar char="ü"/>
+            </a:pPr>
+            <a:r>
+              <a:rPr lang="en-US" dirty="0" smtClean="0">
+                <a:effectLst>
+                  <a:outerShdw blurRad="38100" dist="38100" dir="2700000" algn="tl">
+                    <a:srgbClr val="000000">
+                      <a:alpha val="43137"/>
+                    </a:srgbClr>
+                  </a:outerShdw>
+                </a:effectLst>
+              </a:rPr>
+              <a:t>1 </a:t>
+            </a:r>
+            <a:r>
+              <a:rPr lang="en-US" dirty="0" err="1" smtClean="0">
+                <a:effectLst>
+                  <a:outerShdw blurRad="38100" dist="38100" dir="2700000" algn="tl">
+                    <a:srgbClr val="000000">
+                      <a:alpha val="43137"/>
+                    </a:srgbClr>
+                  </a:outerShdw>
+                </a:effectLst>
+              </a:rPr>
+              <a:t>Servidor</a:t>
+            </a:r>
+            <a:r>
+              <a:rPr lang="en-US" dirty="0" smtClean="0">
+                <a:effectLst>
+                  <a:outerShdw blurRad="38100" dist="38100" dir="2700000" algn="tl">
+                    <a:srgbClr val="000000">
+                      <a:alpha val="43137"/>
+                    </a:srgbClr>
+                  </a:outerShdw>
+                </a:effectLst>
+              </a:rPr>
+              <a:t> central </a:t>
+            </a:r>
+            <a:r>
+              <a:rPr lang="en-US" dirty="0" err="1" smtClean="0">
+                <a:effectLst>
+                  <a:outerShdw blurRad="38100" dist="38100" dir="2700000" algn="tl">
+                    <a:srgbClr val="000000">
+                      <a:alpha val="43137"/>
+                    </a:srgbClr>
+                  </a:outerShdw>
+                </a:effectLst>
+              </a:rPr>
+              <a:t>reencaminhador</a:t>
+            </a:r>
+            <a:r>
+              <a:rPr lang="en-US" dirty="0" smtClean="0">
+                <a:effectLst>
+                  <a:outerShdw blurRad="38100" dist="38100" dir="2700000" algn="tl">
+                    <a:srgbClr val="000000">
+                      <a:alpha val="43137"/>
+                    </a:srgbClr>
+                  </a:outerShdw>
+                </a:effectLst>
+              </a:rPr>
+              <a:t> de </a:t>
+            </a:r>
+            <a:r>
+              <a:rPr lang="en-US" dirty="0" err="1" smtClean="0">
+                <a:effectLst>
+                  <a:outerShdw blurRad="38100" dist="38100" dir="2700000" algn="tl">
+                    <a:srgbClr val="000000">
+                      <a:alpha val="43137"/>
+                    </a:srgbClr>
+                  </a:outerShdw>
+                </a:effectLst>
+              </a:rPr>
+              <a:t>tráfego</a:t>
+            </a:r>
+            <a:endParaRPr lang="en-US" dirty="0" smtClean="0">
+              <a:effectLst>
+                <a:outerShdw blurRad="38100" dist="38100" dir="2700000" algn="tl">
+                  <a:srgbClr val="000000">
+                    <a:alpha val="43137"/>
+                  </a:srgbClr>
+                </a:outerShdw>
+              </a:effectLst>
+            </a:endParaRPr>
+          </a:p>
+          <a:p>
+            <a:endParaRPr lang="en-US" dirty="0" smtClean="0">
+              <a:effectLst>
+                <a:outerShdw blurRad="38100" dist="38100" dir="2700000" algn="tl">
+                  <a:srgbClr val="000000">
+                    <a:alpha val="43137"/>
+                  </a:srgbClr>
+                </a:outerShdw>
+              </a:effectLst>
+            </a:endParaRPr>
+          </a:p>
+          <a:p>
+            <a:pPr marL="0" indent="0">
+              <a:buNone/>
+            </a:pPr>
+            <a:endParaRPr lang="en-US" dirty="0">
+              <a:effectLst>
+                <a:outerShdw blurRad="38100" dist="38100" dir="2700000" algn="tl">
+                  <a:srgbClr val="000000">
+                    <a:alpha val="43137"/>
+                  </a:srgbClr>
+                </a:outerShdw>
+              </a:effectLst>
+            </a:endParaRPr>
+          </a:p>
+        </p:txBody>
+      </p:sp>
       <p:pic>
         <p:nvPicPr>
-          <p:cNvPr id="2050" name="Picture 2" descr="MoodleServer.png"/>
+          <p:cNvPr id="4" name="Picture 3" descr="MoodleServer.png"/>
           <p:cNvPicPr>
             <a:picLocks noChangeAspect="1" noChangeArrowheads="1"/>
           </p:cNvPicPr>
@@ -6721,13 +8164,24 @@
         </p:blipFill>
         <p:spPr bwMode="auto">
           <a:xfrm>
-            <a:off x="1914861" y="609600"/>
-            <a:ext cx="6798833" cy="5971043"/>
+            <a:off x="5148773" y="598401"/>
+            <a:ext cx="6794697" cy="5967410"/>
           </a:xfrm>
           <a:prstGeom prst="rect">
             <a:avLst/>
           </a:prstGeom>
-          <a:noFill/>
+          <a:ln w="28575">
+            <a:solidFill>
+              <a:schemeClr val="bg1"/>
+            </a:solidFill>
+          </a:ln>
+          <a:effectLst>
+            <a:outerShdw blurRad="190500" algn="tl" rotWithShape="0">
+              <a:srgbClr val="000000">
+                <a:alpha val="70000"/>
+              </a:srgbClr>
+            </a:outerShdw>
+          </a:effectLst>
           <a:extLst>
             <a:ext uri="{909E8E84-426E-40DD-AFC4-6F175D3DCCD1}">
               <a14:hiddenFill xmlns:a14="http://schemas.microsoft.com/office/drawing/2010/main">
@@ -6739,78 +8193,10 @@
           </a:extLst>
         </p:spPr>
       </p:pic>
-      <p:sp>
-        <p:nvSpPr>
-          <p:cNvPr id="2" name="Título 1"/>
-          <p:cNvSpPr>
-            <a:spLocks noGrp="1"/>
-          </p:cNvSpPr>
-          <p:nvPr>
-            <p:ph type="title"/>
-          </p:nvPr>
-        </p:nvSpPr>
-        <p:spPr>
-          <a:xfrm>
-            <a:off x="117026" y="168536"/>
-            <a:ext cx="8596668" cy="1320800"/>
-          </a:xfrm>
-        </p:spPr>
-        <p:txBody>
-          <a:bodyPr/>
-          <a:lstStyle/>
-          <a:p>
-            <a:r>
-              <a:rPr lang="pt-PT" dirty="0" smtClean="0"/>
-              <a:t>Cenário</a:t>
-            </a:r>
-            <a:endParaRPr lang="pt-PT" dirty="0"/>
-          </a:p>
-        </p:txBody>
-      </p:sp>
-      <p:sp>
-        <p:nvSpPr>
-          <p:cNvPr id="4" name="CaixaDeTexto 3"/>
-          <p:cNvSpPr txBox="1"/>
-          <p:nvPr/>
-        </p:nvSpPr>
-        <p:spPr>
-          <a:xfrm>
-            <a:off x="7282927" y="2926080"/>
-            <a:ext cx="4469493" cy="646331"/>
-          </a:xfrm>
-          <a:prstGeom prst="rect">
-            <a:avLst/>
-          </a:prstGeom>
-          <a:noFill/>
-        </p:spPr>
-        <p:txBody>
-          <a:bodyPr wrap="none" rtlCol="0">
-            <a:spAutoFit/>
-          </a:bodyPr>
-          <a:lstStyle/>
-          <a:p>
-            <a:r>
-              <a:rPr lang="pt-PT" dirty="0" smtClean="0"/>
-              <a:t>Falar da NAS e da </a:t>
-            </a:r>
-            <a:r>
-              <a:rPr lang="pt-PT" dirty="0" err="1" smtClean="0"/>
-              <a:t>concepção</a:t>
-            </a:r>
-            <a:r>
-              <a:rPr lang="pt-PT" dirty="0" smtClean="0"/>
-              <a:t> de tudo isto</a:t>
-            </a:r>
-          </a:p>
-          <a:p>
-            <a:endParaRPr lang="pt-PT" dirty="0"/>
-          </a:p>
-        </p:txBody>
-      </p:sp>
     </p:spTree>
     <p:extLst>
       <p:ext uri="{BB962C8B-B14F-4D97-AF65-F5344CB8AC3E}">
-        <p14:creationId xmlns:p14="http://schemas.microsoft.com/office/powerpoint/2010/main" val="1753332722"/>
+        <p14:creationId xmlns:p14="http://schemas.microsoft.com/office/powerpoint/2010/main" val="3959667318"/>
       </p:ext>
     </p:extLst>
   </p:cSld>
@@ -6839,7 +8225,7 @@
       </p:grpSpPr>
       <p:sp>
         <p:nvSpPr>
-          <p:cNvPr id="2" name="Título 1"/>
+          <p:cNvPr id="2" name="Title 1"/>
           <p:cNvSpPr>
             <a:spLocks noGrp="1"/>
           </p:cNvSpPr>
@@ -6854,7 +8240,15 @@
           <a:p>
             <a:r>
               <a:rPr lang="pt-PT" dirty="0" smtClean="0"/>
-              <a:t>Serviços Críticos</a:t>
+              <a:t>Serviços</a:t>
+            </a:r>
+            <a:r>
+              <a:rPr lang="en-US" dirty="0" smtClean="0"/>
+              <a:t> </a:t>
+            </a:r>
+            <a:r>
+              <a:rPr lang="pt-PT" dirty="0" smtClean="0"/>
+              <a:t>Utilizados</a:t>
             </a:r>
             <a:endParaRPr lang="pt-PT" dirty="0"/>
           </a:p>
@@ -6862,7 +8256,7 @@
       </p:sp>
       <p:sp>
         <p:nvSpPr>
-          <p:cNvPr id="3" name="Marcador de Posição de Conteúdo 2"/>
+          <p:cNvPr id="3" name="Content Placeholder 2"/>
           <p:cNvSpPr>
             <a:spLocks noGrp="1"/>
           </p:cNvSpPr>
@@ -6870,23 +8264,127 @@
             <p:ph idx="1"/>
           </p:nvPr>
         </p:nvSpPr>
-        <p:spPr/>
-        <p:txBody>
-          <a:bodyPr/>
+        <p:spPr>
+          <a:xfrm>
+            <a:off x="1141413" y="2097088"/>
+            <a:ext cx="9905999" cy="4430322"/>
+          </a:xfrm>
+        </p:spPr>
+        <p:txBody>
+          <a:bodyPr>
+            <a:normAutofit/>
+          </a:bodyPr>
           <a:lstStyle/>
           <a:p>
-            <a:r>
-              <a:rPr lang="pt-PT" dirty="0" smtClean="0"/>
-              <a:t>Pequeno texto introdutório</a:t>
-            </a:r>
-            <a:endParaRPr lang="pt-PT" dirty="0"/>
+            <a:pPr algn="just">
+              <a:lnSpc>
+                <a:spcPct val="110000"/>
+              </a:lnSpc>
+            </a:pPr>
+            <a:r>
+              <a:rPr lang="en-US" dirty="0" smtClean="0"/>
+              <a:t>BIND (DNS)</a:t>
+            </a:r>
+          </a:p>
+          <a:p>
+            <a:pPr algn="just">
+              <a:lnSpc>
+                <a:spcPct val="110000"/>
+              </a:lnSpc>
+            </a:pPr>
+            <a:r>
+              <a:rPr lang="en-US" dirty="0" smtClean="0"/>
+              <a:t>NFS</a:t>
+            </a:r>
+          </a:p>
+          <a:p>
+            <a:pPr algn="just">
+              <a:lnSpc>
+                <a:spcPct val="110000"/>
+              </a:lnSpc>
+            </a:pPr>
+            <a:r>
+              <a:rPr lang="en-US" dirty="0" smtClean="0"/>
+              <a:t>NTP</a:t>
+            </a:r>
+          </a:p>
+          <a:p>
+            <a:pPr algn="just">
+              <a:lnSpc>
+                <a:spcPct val="110000"/>
+              </a:lnSpc>
+            </a:pPr>
+            <a:r>
+              <a:rPr lang="en-US" dirty="0" smtClean="0"/>
+              <a:t>SSH</a:t>
+            </a:r>
+          </a:p>
+          <a:p>
+            <a:pPr algn="just">
+              <a:lnSpc>
+                <a:spcPct val="110000"/>
+              </a:lnSpc>
+            </a:pPr>
+            <a:r>
+              <a:rPr lang="en-US" dirty="0" smtClean="0"/>
+              <a:t>Apache</a:t>
+            </a:r>
+          </a:p>
+          <a:p>
+            <a:pPr algn="just">
+              <a:lnSpc>
+                <a:spcPct val="110000"/>
+              </a:lnSpc>
+            </a:pPr>
+            <a:r>
+              <a:rPr lang="en-US" dirty="0" smtClean="0"/>
+              <a:t>Moodle</a:t>
+            </a:r>
+          </a:p>
+          <a:p>
+            <a:pPr algn="just">
+              <a:lnSpc>
+                <a:spcPct val="110000"/>
+              </a:lnSpc>
+            </a:pPr>
+            <a:r>
+              <a:rPr lang="en-US" dirty="0" smtClean="0"/>
+              <a:t>PostgreSQL</a:t>
+            </a:r>
+          </a:p>
+          <a:p>
+            <a:pPr algn="just">
+              <a:lnSpc>
+                <a:spcPct val="110000"/>
+              </a:lnSpc>
+            </a:pPr>
+            <a:r>
+              <a:rPr lang="en-US" dirty="0" err="1" smtClean="0"/>
+              <a:t>HAProxy</a:t>
+            </a:r>
+            <a:endParaRPr lang="en-US" dirty="0" smtClean="0"/>
+          </a:p>
+          <a:p>
+            <a:endParaRPr lang="en-US" dirty="0" smtClean="0"/>
+          </a:p>
+          <a:p>
+            <a:endParaRPr lang="en-US" dirty="0" smtClean="0"/>
+          </a:p>
+          <a:p>
+            <a:endParaRPr lang="en-US" dirty="0" smtClean="0"/>
+          </a:p>
+          <a:p>
+            <a:pPr marL="0" indent="0">
+              <a:buNone/>
+            </a:pPr>
+            <a:endParaRPr lang="en-US" dirty="0"/>
           </a:p>
         </p:txBody>
       </p:sp>
     </p:spTree>
     <p:extLst>
       <p:ext uri="{BB962C8B-B14F-4D97-AF65-F5344CB8AC3E}">
-        <p14:creationId xmlns:p14="http://schemas.microsoft.com/office/powerpoint/2010/main" val="3289873973"/>
+        <p14:creationId xmlns:p14="http://schemas.microsoft.com/office/powerpoint/2010/main" val="2275940071"/>
       </p:ext>
     </p:extLst>
   </p:cSld>
@@ -6915,7 +8413,7 @@
       </p:grpSpPr>
       <p:sp>
         <p:nvSpPr>
-          <p:cNvPr id="2" name="Título 1"/>
+          <p:cNvPr id="2" name="Title 1"/>
           <p:cNvSpPr>
             <a:spLocks noGrp="1"/>
           </p:cNvSpPr>
@@ -6923,22 +8421,27 @@
             <p:ph type="title"/>
           </p:nvPr>
         </p:nvSpPr>
-        <p:spPr/>
+        <p:spPr>
+          <a:xfrm>
+            <a:off x="1141412" y="618517"/>
+            <a:ext cx="5554809" cy="1984005"/>
+          </a:xfrm>
+        </p:spPr>
         <p:txBody>
           <a:bodyPr/>
           <a:lstStyle/>
           <a:p>
             <a:r>
-              <a:rPr lang="pt-PT" dirty="0" smtClean="0"/>
-              <a:t>Serviço DNS</a:t>
-            </a:r>
-            <a:endParaRPr lang="pt-PT" dirty="0"/>
-          </a:p>
-        </p:txBody>
-      </p:sp>
-      <p:sp>
-        <p:nvSpPr>
-          <p:cNvPr id="3" name="Marcador de Posição de Conteúdo 2"/>
+              <a:rPr lang="en-US" dirty="0" smtClean="0"/>
+              <a:t>Bind (Berkeley internet name domain)</a:t>
+            </a:r>
+            <a:endParaRPr lang="en-US" dirty="0"/>
+          </a:p>
+        </p:txBody>
+      </p:sp>
+      <p:sp>
+        <p:nvSpPr>
+          <p:cNvPr id="4" name="Content Placeholder 2"/>
           <p:cNvSpPr>
             <a:spLocks noGrp="1"/>
           </p:cNvSpPr>
@@ -6946,19 +8449,317 @@
             <p:ph idx="1"/>
           </p:nvPr>
         </p:nvSpPr>
-        <p:spPr/>
-        <p:txBody>
-          <a:bodyPr/>
+        <p:spPr>
+          <a:xfrm>
+            <a:off x="1141413" y="2729130"/>
+            <a:ext cx="5442268" cy="3742007"/>
+          </a:xfrm>
+        </p:spPr>
+        <p:txBody>
+          <a:bodyPr>
+            <a:normAutofit/>
+          </a:bodyPr>
           <a:lstStyle/>
           <a:p>
-            <a:endParaRPr lang="pt-PT" dirty="0"/>
-          </a:p>
-        </p:txBody>
-      </p:sp>
+            <a:r>
+              <a:rPr lang="pt-PT" sz="2000" b="1" dirty="0" smtClean="0">
+                <a:effectLst>
+                  <a:outerShdw blurRad="38100" dist="38100" dir="2700000" algn="tl">
+                    <a:srgbClr val="000000">
+                      <a:alpha val="43137"/>
+                    </a:srgbClr>
+                  </a:outerShdw>
+                </a:effectLst>
+              </a:rPr>
+              <a:t>Versão</a:t>
+            </a:r>
+            <a:r>
+              <a:rPr lang="en-US" sz="2000" b="1" dirty="0" smtClean="0">
+                <a:effectLst>
+                  <a:outerShdw blurRad="38100" dist="38100" dir="2700000" algn="tl">
+                    <a:srgbClr val="000000">
+                      <a:alpha val="43137"/>
+                    </a:srgbClr>
+                  </a:outerShdw>
+                </a:effectLst>
+              </a:rPr>
+              <a:t> </a:t>
+            </a:r>
+            <a:r>
+              <a:rPr lang="en-US" sz="2000" b="1" dirty="0" err="1" smtClean="0">
+                <a:effectLst>
+                  <a:outerShdw blurRad="38100" dist="38100" dir="2700000" algn="tl">
+                    <a:srgbClr val="000000">
+                      <a:alpha val="43137"/>
+                    </a:srgbClr>
+                  </a:outerShdw>
+                </a:effectLst>
+              </a:rPr>
+              <a:t>atual</a:t>
+            </a:r>
+            <a:r>
+              <a:rPr lang="en-US" sz="2000" b="1" dirty="0" smtClean="0">
+                <a:effectLst>
+                  <a:outerShdw blurRad="38100" dist="38100" dir="2700000" algn="tl">
+                    <a:srgbClr val="000000">
+                      <a:alpha val="43137"/>
+                    </a:srgbClr>
+                  </a:outerShdw>
+                </a:effectLst>
+              </a:rPr>
+              <a:t>: </a:t>
+            </a:r>
+            <a:r>
+              <a:rPr lang="en-US" sz="2000" dirty="0" smtClean="0"/>
+              <a:t>9.10.3 (16 de </a:t>
+            </a:r>
+            <a:r>
+              <a:rPr lang="en-US" sz="2000" dirty="0" err="1" smtClean="0"/>
+              <a:t>setembro</a:t>
+            </a:r>
+            <a:r>
+              <a:rPr lang="en-US" sz="2000" dirty="0" smtClean="0"/>
+              <a:t> de 2015)</a:t>
+            </a:r>
+          </a:p>
+          <a:p>
+            <a:r>
+              <a:rPr lang="pt-PT" sz="2000" b="1" dirty="0" smtClean="0">
+                <a:effectLst>
+                  <a:outerShdw blurRad="38100" dist="38100" dir="2700000" algn="tl">
+                    <a:srgbClr val="000000">
+                      <a:alpha val="43137"/>
+                    </a:srgbClr>
+                  </a:outerShdw>
+                </a:effectLst>
+              </a:rPr>
+              <a:t>Pacote</a:t>
+            </a:r>
+            <a:r>
+              <a:rPr lang="en-US" sz="2000" b="1" dirty="0" smtClean="0">
+                <a:effectLst>
+                  <a:outerShdw blurRad="38100" dist="38100" dir="2700000" algn="tl">
+                    <a:srgbClr val="000000">
+                      <a:alpha val="43137"/>
+                    </a:srgbClr>
+                  </a:outerShdw>
+                </a:effectLst>
+              </a:rPr>
+              <a:t> de </a:t>
+            </a:r>
+            <a:r>
+              <a:rPr lang="en-US" sz="2000" b="1" dirty="0" err="1" smtClean="0">
+                <a:effectLst>
+                  <a:outerShdw blurRad="38100" dist="38100" dir="2700000" algn="tl">
+                    <a:srgbClr val="000000">
+                      <a:alpha val="43137"/>
+                    </a:srgbClr>
+                  </a:outerShdw>
+                </a:effectLst>
+              </a:rPr>
+              <a:t>instalação</a:t>
+            </a:r>
+            <a:r>
+              <a:rPr lang="en-US" sz="2000" b="1" dirty="0" smtClean="0">
+                <a:effectLst>
+                  <a:outerShdw blurRad="38100" dist="38100" dir="2700000" algn="tl">
+                    <a:srgbClr val="000000">
+                      <a:alpha val="43137"/>
+                    </a:srgbClr>
+                  </a:outerShdw>
+                </a:effectLst>
+              </a:rPr>
+              <a:t>: </a:t>
+            </a:r>
+            <a:r>
+              <a:rPr lang="en-US" sz="2000" i="1" dirty="0" smtClean="0"/>
+              <a:t>bind9</a:t>
+            </a:r>
+            <a:endParaRPr lang="en-US" sz="2000" dirty="0" smtClean="0"/>
+          </a:p>
+          <a:p>
+            <a:r>
+              <a:rPr lang="en-US" sz="2000" b="1" dirty="0" err="1" smtClean="0">
+                <a:effectLst>
+                  <a:outerShdw blurRad="38100" dist="38100" dir="2700000" algn="tl">
+                    <a:srgbClr val="000000">
+                      <a:alpha val="43137"/>
+                    </a:srgbClr>
+                  </a:outerShdw>
+                </a:effectLst>
+              </a:rPr>
+              <a:t>Ficheiros</a:t>
+            </a:r>
+            <a:r>
+              <a:rPr lang="en-US" sz="2000" b="1" dirty="0" smtClean="0">
+                <a:effectLst>
+                  <a:outerShdw blurRad="38100" dist="38100" dir="2700000" algn="tl">
+                    <a:srgbClr val="000000">
+                      <a:alpha val="43137"/>
+                    </a:srgbClr>
+                  </a:outerShdw>
+                </a:effectLst>
+              </a:rPr>
+              <a:t> de </a:t>
+            </a:r>
+            <a:r>
+              <a:rPr lang="en-US" sz="2000" b="1" dirty="0" err="1" smtClean="0">
+                <a:effectLst>
+                  <a:outerShdw blurRad="38100" dist="38100" dir="2700000" algn="tl">
+                    <a:srgbClr val="000000">
+                      <a:alpha val="43137"/>
+                    </a:srgbClr>
+                  </a:outerShdw>
+                </a:effectLst>
+              </a:rPr>
+              <a:t>configuração</a:t>
+            </a:r>
+            <a:r>
+              <a:rPr lang="en-US" sz="2000" b="1" dirty="0" smtClean="0">
+                <a:effectLst>
+                  <a:outerShdw blurRad="38100" dist="38100" dir="2700000" algn="tl">
+                    <a:srgbClr val="000000">
+                      <a:alpha val="43137"/>
+                    </a:srgbClr>
+                  </a:outerShdw>
+                </a:effectLst>
+              </a:rPr>
+              <a:t>: </a:t>
+            </a:r>
+            <a:r>
+              <a:rPr lang="en-US" sz="2000" dirty="0" smtClean="0"/>
+              <a:t>	</a:t>
+            </a:r>
+            <a:r>
+              <a:rPr lang="en-US" sz="2000" i="1" dirty="0" smtClean="0"/>
+              <a:t>/</a:t>
+            </a:r>
+            <a:r>
+              <a:rPr lang="en-US" sz="2000" i="1" dirty="0" err="1" smtClean="0"/>
+              <a:t>etc</a:t>
+            </a:r>
+            <a:r>
+              <a:rPr lang="en-US" sz="2000" i="1" dirty="0" smtClean="0"/>
+              <a:t>/bind/</a:t>
+            </a:r>
+          </a:p>
+          <a:p>
+            <a:r>
+              <a:rPr lang="pt-PT" sz="2000" b="1" dirty="0" smtClean="0">
+                <a:effectLst>
+                  <a:outerShdw blurRad="38100" dist="38100" dir="2700000" algn="tl">
+                    <a:srgbClr val="000000">
+                      <a:alpha val="43137"/>
+                    </a:srgbClr>
+                  </a:outerShdw>
+                </a:effectLst>
+              </a:rPr>
+              <a:t>Funcionalidade</a:t>
+            </a:r>
+            <a:r>
+              <a:rPr lang="en-US" sz="2000" b="1" dirty="0" smtClean="0">
+                <a:effectLst>
+                  <a:outerShdw blurRad="38100" dist="38100" dir="2700000" algn="tl">
+                    <a:srgbClr val="000000">
+                      <a:alpha val="43137"/>
+                    </a:srgbClr>
+                  </a:outerShdw>
+                </a:effectLst>
+              </a:rPr>
+              <a:t>:</a:t>
+            </a:r>
+            <a:r>
+              <a:rPr lang="en-US" sz="2000" dirty="0" smtClean="0"/>
+              <a:t> </a:t>
+            </a:r>
+            <a:r>
+              <a:rPr lang="en-US" sz="2000" dirty="0" err="1" smtClean="0"/>
+              <a:t>Fornecer</a:t>
+            </a:r>
+            <a:r>
+              <a:rPr lang="en-US" sz="2000" dirty="0" smtClean="0"/>
+              <a:t> </a:t>
+            </a:r>
+            <a:r>
+              <a:rPr lang="en-US" sz="2000" dirty="0" err="1" smtClean="0"/>
+              <a:t>nomes</a:t>
+            </a:r>
+            <a:r>
+              <a:rPr lang="en-US" sz="2000" dirty="0" smtClean="0"/>
+              <a:t> para </a:t>
+            </a:r>
+            <a:r>
+              <a:rPr lang="en-US" sz="2000" dirty="0" err="1" smtClean="0"/>
+              <a:t>endereços</a:t>
+            </a:r>
+            <a:r>
+              <a:rPr lang="en-US" sz="2000" dirty="0" smtClean="0"/>
+              <a:t> IP (e vice-versa); </a:t>
+            </a:r>
+            <a:r>
+              <a:rPr lang="en-US" sz="2000" dirty="0" err="1" smtClean="0"/>
+              <a:t>criação</a:t>
+            </a:r>
+            <a:r>
+              <a:rPr lang="en-US" sz="2000" dirty="0" smtClean="0"/>
+              <a:t> de </a:t>
+            </a:r>
+            <a:r>
+              <a:rPr lang="en-US" sz="2000" dirty="0" err="1" smtClean="0"/>
+              <a:t>domínios</a:t>
+            </a:r>
+            <a:r>
+              <a:rPr lang="en-US" sz="2000" dirty="0" smtClean="0"/>
+              <a:t> </a:t>
+            </a:r>
+            <a:r>
+              <a:rPr lang="en-US" sz="2000" dirty="0" err="1" smtClean="0"/>
+              <a:t>locais</a:t>
+            </a:r>
+            <a:endParaRPr lang="en-US" sz="2000" dirty="0"/>
+          </a:p>
+        </p:txBody>
+      </p:sp>
+      <p:pic>
+        <p:nvPicPr>
+          <p:cNvPr id="5" name="Picture 4"/>
+          <p:cNvPicPr>
+            <a:picLocks noChangeAspect="1"/>
+          </p:cNvPicPr>
+          <p:nvPr/>
+        </p:nvPicPr>
+        <p:blipFill>
+          <a:blip r:embed="rId2"/>
+          <a:stretch>
+            <a:fillRect/>
+          </a:stretch>
+        </p:blipFill>
+        <p:spPr>
+          <a:xfrm>
+            <a:off x="6836900" y="932157"/>
+            <a:ext cx="4923809" cy="2961905"/>
+          </a:xfrm>
+          <a:prstGeom prst="rect">
+            <a:avLst/>
+          </a:prstGeom>
+          <a:ln w="28575">
+            <a:solidFill>
+              <a:schemeClr val="tx1"/>
+            </a:solidFill>
+          </a:ln>
+          <a:effectLst>
+            <a:outerShdw blurRad="63500" sx="102000" sy="102000" algn="ctr" rotWithShape="0">
+              <a:prstClr val="black">
+                <a:alpha val="40000"/>
+              </a:prstClr>
+            </a:outerShdw>
+          </a:effectLst>
+        </p:spPr>
+      </p:pic>
     </p:spTree>
     <p:extLst>
       <p:ext uri="{BB962C8B-B14F-4D97-AF65-F5344CB8AC3E}">
-        <p14:creationId xmlns:p14="http://schemas.microsoft.com/office/powerpoint/2010/main" val="1538221666"/>
+        <p14:creationId xmlns:p14="http://schemas.microsoft.com/office/powerpoint/2010/main" val="2168591010"/>
       </p:ext>
     </p:extLst>
   </p:cSld>
@@ -6987,7 +8788,7 @@
       </p:grpSpPr>
       <p:sp>
         <p:nvSpPr>
-          <p:cNvPr id="2" name="Título 1"/>
+          <p:cNvPr id="2" name="Title 1"/>
           <p:cNvSpPr>
             <a:spLocks noGrp="1"/>
           </p:cNvSpPr>
@@ -7001,16 +8802,78 @@
           <a:lstStyle/>
           <a:p>
             <a:r>
-              <a:rPr lang="pt-PT" dirty="0" smtClean="0"/>
-              <a:t>Serviço NFS</a:t>
-            </a:r>
-            <a:endParaRPr lang="pt-PT" dirty="0"/>
-          </a:p>
-        </p:txBody>
-      </p:sp>
-      <p:sp>
-        <p:nvSpPr>
-          <p:cNvPr id="3" name="Marcador de Posição de Conteúdo 2"/>
+              <a:rPr lang="en-US" dirty="0" smtClean="0"/>
+              <a:t>NFS (Network file system)</a:t>
+            </a:r>
+            <a:endParaRPr lang="en-US" dirty="0"/>
+          </a:p>
+        </p:txBody>
+      </p:sp>
+      <p:pic>
+        <p:nvPicPr>
+          <p:cNvPr id="11268" name="Picture 4" descr="http://wiki.dave.eu/images/thumb/4/41/Nfs_diagram.png/300px-Nfs_diagram.png"/>
+          <p:cNvPicPr>
+            <a:picLocks noChangeAspect="1" noChangeArrowheads="1"/>
+          </p:cNvPicPr>
+          <p:nvPr/>
+        </p:nvPicPr>
+        <p:blipFill>
+          <a:blip r:embed="rId2">
+            <a:extLst>
+              <a:ext uri="{28A0092B-C50C-407E-A947-70E740481C1C}">
+                <a14:useLocalDpi xmlns:a14="http://schemas.microsoft.com/office/drawing/2010/main" val="0"/>
+              </a:ext>
+            </a:extLst>
+          </a:blip>
+          <a:srcRect/>
+          <a:stretch>
+            <a:fillRect/>
+          </a:stretch>
+        </p:blipFill>
+        <p:spPr bwMode="auto">
+          <a:xfrm>
+            <a:off x="8037183" y="1274187"/>
+            <a:ext cx="3010228" cy="2909888"/>
+          </a:xfrm>
+          <a:prstGeom prst="rect">
+            <a:avLst/>
+          </a:prstGeom>
+          <a:solidFill>
+            <a:srgbClr val="FFFFFF">
+              <a:shade val="85000"/>
+            </a:srgbClr>
+          </a:solidFill>
+          <a:ln w="12700" cap="sq">
+            <a:solidFill>
+              <a:schemeClr val="bg1"/>
+            </a:solidFill>
+            <a:miter lim="800000"/>
+          </a:ln>
+          <a:effectLst>
+            <a:outerShdw blurRad="63500" sx="102000" sy="102000" algn="ctr" rotWithShape="0">
+              <a:prstClr val="black">
+                <a:alpha val="40000"/>
+              </a:prstClr>
+            </a:outerShdw>
+          </a:effectLst>
+          <a:scene3d>
+            <a:camera prst="orthographicFront"/>
+            <a:lightRig rig="twoPt" dir="t">
+              <a:rot lat="0" lon="0" rev="7200000"/>
+            </a:lightRig>
+          </a:scene3d>
+          <a:sp3d>
+            <a:bevelT w="25400" h="19050"/>
+            <a:contourClr>
+              <a:srgbClr val="FFFFFF"/>
+            </a:contourClr>
+          </a:sp3d>
+          <a:extLst/>
+        </p:spPr>
+      </p:pic>
+      <p:sp>
+        <p:nvSpPr>
+          <p:cNvPr id="5" name="Content Placeholder 2"/>
           <p:cNvSpPr>
             <a:spLocks noGrp="1"/>
           </p:cNvSpPr>
@@ -7018,19 +8881,312 @@
             <p:ph idx="1"/>
           </p:nvPr>
         </p:nvSpPr>
-        <p:spPr/>
-        <p:txBody>
-          <a:bodyPr/>
+        <p:spPr>
+          <a:xfrm>
+            <a:off x="1074025" y="2512314"/>
+            <a:ext cx="5442268" cy="3742007"/>
+          </a:xfrm>
+        </p:spPr>
+        <p:txBody>
+          <a:bodyPr>
+            <a:normAutofit/>
+          </a:bodyPr>
           <a:lstStyle/>
           <a:p>
-            <a:endParaRPr lang="pt-PT"/>
+            <a:r>
+              <a:rPr lang="en-US" sz="2000" b="1" dirty="0" err="1">
+                <a:effectLst>
+                  <a:outerShdw blurRad="38100" dist="38100" dir="2700000" algn="tl">
+                    <a:srgbClr val="000000">
+                      <a:alpha val="43137"/>
+                    </a:srgbClr>
+                  </a:outerShdw>
+                </a:effectLst>
+              </a:rPr>
+              <a:t>Versão</a:t>
+            </a:r>
+            <a:r>
+              <a:rPr lang="en-US" sz="2000" b="1" dirty="0">
+                <a:effectLst>
+                  <a:outerShdw blurRad="38100" dist="38100" dir="2700000" algn="tl">
+                    <a:srgbClr val="000000">
+                      <a:alpha val="43137"/>
+                    </a:srgbClr>
+                  </a:outerShdw>
+                </a:effectLst>
+              </a:rPr>
+              <a:t> </a:t>
+            </a:r>
+            <a:r>
+              <a:rPr lang="en-US" sz="2000" b="1" dirty="0" err="1">
+                <a:effectLst>
+                  <a:outerShdw blurRad="38100" dist="38100" dir="2700000" algn="tl">
+                    <a:srgbClr val="000000">
+                      <a:alpha val="43137"/>
+                    </a:srgbClr>
+                  </a:outerShdw>
+                </a:effectLst>
+              </a:rPr>
+              <a:t>atual</a:t>
+            </a:r>
+            <a:r>
+              <a:rPr lang="en-US" sz="2000" b="1" dirty="0">
+                <a:effectLst>
+                  <a:outerShdw blurRad="38100" dist="38100" dir="2700000" algn="tl">
+                    <a:srgbClr val="000000">
+                      <a:alpha val="43137"/>
+                    </a:srgbClr>
+                  </a:outerShdw>
+                </a:effectLst>
+              </a:rPr>
+              <a:t>: </a:t>
+            </a:r>
+            <a:r>
+              <a:rPr lang="en-US" sz="2000" dirty="0"/>
+              <a:t>4.1 (</a:t>
+            </a:r>
+            <a:r>
+              <a:rPr lang="en-US" sz="2000" dirty="0" err="1"/>
+              <a:t>janeiro</a:t>
+            </a:r>
+            <a:r>
+              <a:rPr lang="en-US" sz="2000" dirty="0"/>
+              <a:t> de 2010)</a:t>
+            </a:r>
+          </a:p>
+          <a:p>
+            <a:r>
+              <a:rPr lang="en-US" sz="2000" b="1" dirty="0" err="1">
+                <a:effectLst>
+                  <a:outerShdw blurRad="38100" dist="38100" dir="2700000" algn="tl">
+                    <a:srgbClr val="000000">
+                      <a:alpha val="43137"/>
+                    </a:srgbClr>
+                  </a:outerShdw>
+                </a:effectLst>
+              </a:rPr>
+              <a:t>Pacote</a:t>
+            </a:r>
+            <a:r>
+              <a:rPr lang="en-US" sz="2000" b="1" dirty="0">
+                <a:effectLst>
+                  <a:outerShdw blurRad="38100" dist="38100" dir="2700000" algn="tl">
+                    <a:srgbClr val="000000">
+                      <a:alpha val="43137"/>
+                    </a:srgbClr>
+                  </a:outerShdw>
+                </a:effectLst>
+              </a:rPr>
+              <a:t> de </a:t>
+            </a:r>
+            <a:r>
+              <a:rPr lang="en-US" sz="2000" b="1" dirty="0" err="1">
+                <a:effectLst>
+                  <a:outerShdw blurRad="38100" dist="38100" dir="2700000" algn="tl">
+                    <a:srgbClr val="000000">
+                      <a:alpha val="43137"/>
+                    </a:srgbClr>
+                  </a:outerShdw>
+                </a:effectLst>
+              </a:rPr>
+              <a:t>instalação</a:t>
+            </a:r>
+            <a:r>
+              <a:rPr lang="en-US" sz="2000" b="1" dirty="0">
+                <a:effectLst>
+                  <a:outerShdw blurRad="38100" dist="38100" dir="2700000" algn="tl">
+                    <a:srgbClr val="000000">
+                      <a:alpha val="43137"/>
+                    </a:srgbClr>
+                  </a:outerShdw>
+                </a:effectLst>
+              </a:rPr>
+              <a:t>:</a:t>
+            </a:r>
+            <a:r>
+              <a:rPr lang="en-US" sz="2000" dirty="0"/>
+              <a:t> </a:t>
+            </a:r>
+            <a:r>
+              <a:rPr lang="en-US" sz="2000" i="1" dirty="0" err="1"/>
+              <a:t>nfs</a:t>
+            </a:r>
+            <a:r>
+              <a:rPr lang="en-US" sz="2000" i="1" dirty="0"/>
+              <a:t>-kernel-server</a:t>
+            </a:r>
+            <a:endParaRPr lang="en-US" sz="2000" dirty="0"/>
+          </a:p>
+          <a:p>
+            <a:r>
+              <a:rPr lang="en-US" sz="2000" b="1" dirty="0" err="1">
+                <a:effectLst>
+                  <a:outerShdw blurRad="38100" dist="38100" dir="2700000" algn="tl">
+                    <a:srgbClr val="000000">
+                      <a:alpha val="43137"/>
+                    </a:srgbClr>
+                  </a:outerShdw>
+                </a:effectLst>
+              </a:rPr>
+              <a:t>Ficheiros</a:t>
+            </a:r>
+            <a:r>
+              <a:rPr lang="en-US" sz="2000" b="1" dirty="0">
+                <a:effectLst>
+                  <a:outerShdw blurRad="38100" dist="38100" dir="2700000" algn="tl">
+                    <a:srgbClr val="000000">
+                      <a:alpha val="43137"/>
+                    </a:srgbClr>
+                  </a:outerShdw>
+                </a:effectLst>
+              </a:rPr>
+              <a:t> </a:t>
+            </a:r>
+            <a:r>
+              <a:rPr lang="en-US" sz="2000" b="1" dirty="0" err="1">
+                <a:effectLst>
+                  <a:outerShdw blurRad="38100" dist="38100" dir="2700000" algn="tl">
+                    <a:srgbClr val="000000">
+                      <a:alpha val="43137"/>
+                    </a:srgbClr>
+                  </a:outerShdw>
+                </a:effectLst>
+              </a:rPr>
+              <a:t>principais</a:t>
+            </a:r>
+            <a:r>
+              <a:rPr lang="en-US" sz="2000" b="1" dirty="0">
+                <a:effectLst>
+                  <a:outerShdw blurRad="38100" dist="38100" dir="2700000" algn="tl">
+                    <a:srgbClr val="000000">
+                      <a:alpha val="43137"/>
+                    </a:srgbClr>
+                  </a:outerShdw>
+                </a:effectLst>
+              </a:rPr>
+              <a:t> de </a:t>
+            </a:r>
+            <a:r>
+              <a:rPr lang="en-US" sz="2000" b="1" dirty="0" err="1">
+                <a:effectLst>
+                  <a:outerShdw blurRad="38100" dist="38100" dir="2700000" algn="tl">
+                    <a:srgbClr val="000000">
+                      <a:alpha val="43137"/>
+                    </a:srgbClr>
+                  </a:outerShdw>
+                </a:effectLst>
+              </a:rPr>
+              <a:t>configuração</a:t>
+            </a:r>
+            <a:r>
+              <a:rPr lang="en-US" sz="2000" b="1" dirty="0">
+                <a:effectLst>
+                  <a:outerShdw blurRad="38100" dist="38100" dir="2700000" algn="tl">
+                    <a:srgbClr val="000000">
+                      <a:alpha val="43137"/>
+                    </a:srgbClr>
+                  </a:outerShdw>
+                </a:effectLst>
+              </a:rPr>
+              <a:t>: </a:t>
+            </a:r>
+            <a:r>
+              <a:rPr lang="en-US" sz="2000" dirty="0"/>
+              <a:t/>
+            </a:r>
+            <a:br>
+              <a:rPr lang="en-US" sz="2000" dirty="0"/>
+            </a:br>
+            <a:r>
+              <a:rPr lang="en-US" sz="2000" dirty="0"/>
+              <a:t>	</a:t>
+            </a:r>
+            <a:r>
+              <a:rPr lang="en-US" sz="2000" i="1" dirty="0"/>
+              <a:t>/</a:t>
+            </a:r>
+            <a:r>
+              <a:rPr lang="en-US" sz="2000" i="1" dirty="0" err="1"/>
+              <a:t>etc</a:t>
+            </a:r>
+            <a:r>
+              <a:rPr lang="en-US" sz="2000" i="1" dirty="0"/>
+              <a:t>/exports</a:t>
+            </a:r>
+            <a:br>
+              <a:rPr lang="en-US" sz="2000" i="1" dirty="0"/>
+            </a:br>
+            <a:r>
+              <a:rPr lang="en-US" sz="2000" i="1" dirty="0"/>
+              <a:t>	/</a:t>
+            </a:r>
+            <a:r>
+              <a:rPr lang="en-US" sz="2000" i="1" dirty="0" err="1"/>
+              <a:t>etc</a:t>
+            </a:r>
+            <a:r>
+              <a:rPr lang="en-US" sz="2000" i="1" dirty="0"/>
+              <a:t>/</a:t>
+            </a:r>
+            <a:r>
+              <a:rPr lang="en-US" sz="2000" i="1" dirty="0" err="1"/>
+              <a:t>fstab</a:t>
+            </a:r>
+            <a:endParaRPr lang="en-US" sz="2000" i="1" dirty="0"/>
+          </a:p>
+          <a:p>
+            <a:r>
+              <a:rPr lang="en-US" sz="2000" b="1" dirty="0" err="1">
+                <a:effectLst>
+                  <a:outerShdw blurRad="38100" dist="38100" dir="2700000" algn="tl">
+                    <a:srgbClr val="000000">
+                      <a:alpha val="43137"/>
+                    </a:srgbClr>
+                  </a:outerShdw>
+                </a:effectLst>
+              </a:rPr>
+              <a:t>Funcionalidade</a:t>
+            </a:r>
+            <a:r>
+              <a:rPr lang="en-US" sz="2000" b="1" dirty="0">
+                <a:effectLst>
+                  <a:outerShdw blurRad="38100" dist="38100" dir="2700000" algn="tl">
+                    <a:srgbClr val="000000">
+                      <a:alpha val="43137"/>
+                    </a:srgbClr>
+                  </a:outerShdw>
+                </a:effectLst>
+              </a:rPr>
+              <a:t>: </a:t>
+            </a:r>
+            <a:r>
+              <a:rPr lang="en-US" sz="2000" dirty="0" err="1"/>
+              <a:t>partilha</a:t>
+            </a:r>
+            <a:r>
+              <a:rPr lang="en-US" sz="2000" dirty="0"/>
+              <a:t> </a:t>
+            </a:r>
+            <a:r>
+              <a:rPr lang="en-US" sz="2000" dirty="0" err="1"/>
+              <a:t>remota</a:t>
+            </a:r>
+            <a:r>
+              <a:rPr lang="en-US" sz="2000" dirty="0"/>
+              <a:t> de </a:t>
+            </a:r>
+            <a:r>
+              <a:rPr lang="en-US" sz="2000" i="1" dirty="0"/>
+              <a:t>filesystems</a:t>
+            </a:r>
+            <a:endParaRPr lang="en-US" sz="2000" dirty="0"/>
           </a:p>
         </p:txBody>
       </p:sp>
     </p:spTree>
     <p:extLst>
       <p:ext uri="{BB962C8B-B14F-4D97-AF65-F5344CB8AC3E}">
-        <p14:creationId xmlns:p14="http://schemas.microsoft.com/office/powerpoint/2010/main" val="1506000164"/>
+        <p14:creationId xmlns:p14="http://schemas.microsoft.com/office/powerpoint/2010/main" val="2596452249"/>
       </p:ext>
     </p:extLst>
   </p:cSld>
@@ -7059,7 +9215,7 @@
       </p:grpSpPr>
       <p:sp>
         <p:nvSpPr>
-          <p:cNvPr id="2" name="Título 1"/>
+          <p:cNvPr id="2" name="Title 1"/>
           <p:cNvSpPr>
             <a:spLocks noGrp="1"/>
           </p:cNvSpPr>
@@ -7067,22 +9223,226 @@
             <p:ph type="title"/>
           </p:nvPr>
         </p:nvSpPr>
-        <p:spPr/>
+        <p:spPr>
+          <a:xfrm>
+            <a:off x="1141412" y="618518"/>
+            <a:ext cx="6722427" cy="1478570"/>
+          </a:xfrm>
+        </p:spPr>
         <p:txBody>
           <a:bodyPr/>
           <a:lstStyle/>
           <a:p>
             <a:r>
-              <a:rPr lang="pt-PT" dirty="0" smtClean="0"/>
-              <a:t>Serviço NTP</a:t>
-            </a:r>
-            <a:endParaRPr lang="pt-PT" dirty="0"/>
-          </a:p>
-        </p:txBody>
-      </p:sp>
-      <p:sp>
-        <p:nvSpPr>
-          <p:cNvPr id="3" name="Marcador de Posição de Conteúdo 2"/>
+              <a:rPr lang="en-US" dirty="0" smtClean="0"/>
+              <a:t>NTP (network time protocol</a:t>
+            </a:r>
+            <a:endParaRPr lang="en-US" dirty="0"/>
+          </a:p>
+        </p:txBody>
+      </p:sp>
+      <p:sp>
+        <p:nvSpPr>
+          <p:cNvPr id="5" name="Content Placeholder 2"/>
+          <p:cNvSpPr txBox="1">
+            <a:spLocks/>
+          </p:cNvSpPr>
+          <p:nvPr/>
+        </p:nvSpPr>
+        <p:spPr>
+          <a:xfrm>
+            <a:off x="1141413" y="2729131"/>
+            <a:ext cx="4802187" cy="3756075"/>
+          </a:xfrm>
+          <a:prstGeom prst="rect">
+            <a:avLst/>
+          </a:prstGeom>
+        </p:spPr>
+        <p:txBody>
+          <a:bodyPr vert="horz" lIns="91440" tIns="45720" rIns="91440" bIns="45720" rtlCol="0">
+            <a:normAutofit/>
+          </a:bodyPr>
+          <a:lstStyle>
+            <a:lvl1pPr marL="228600" indent="-228600" algn="l" defTabSz="914400" rtl="0" eaLnBrk="1" latinLnBrk="0" hangingPunct="1">
+              <a:lnSpc>
+                <a:spcPct val="120000"/>
+              </a:lnSpc>
+              <a:spcBef>
+                <a:spcPts val="1000"/>
+              </a:spcBef>
+              <a:buSzPct val="125000"/>
+              <a:buFont typeface="Arial" panose="020B0604020202020204" pitchFamily="34" charset="0"/>
+              <a:buChar char="•"/>
+              <a:defRPr sz="2400" kern="1200">
+                <a:solidFill>
+                  <a:schemeClr val="tx1"/>
+                </a:solidFill>
+                <a:latin typeface="+mn-lt"/>
+                <a:ea typeface="+mn-ea"/>
+                <a:cs typeface="+mn-cs"/>
+              </a:defRPr>
+            </a:lvl1pPr>
+            <a:lvl2pPr marL="685800" indent="-228600" algn="l" defTabSz="914400" rtl="0" eaLnBrk="1" latinLnBrk="0" hangingPunct="1">
+              <a:lnSpc>
+                <a:spcPct val="120000"/>
+              </a:lnSpc>
+              <a:spcBef>
+                <a:spcPts val="500"/>
+              </a:spcBef>
+              <a:buSzPct val="125000"/>
+              <a:buFont typeface="Arial" panose="020B0604020202020204" pitchFamily="34" charset="0"/>
+              <a:buChar char="•"/>
+              <a:defRPr sz="2000" kern="1200">
+                <a:solidFill>
+                  <a:schemeClr val="tx1"/>
+                </a:solidFill>
+                <a:latin typeface="+mn-lt"/>
+                <a:ea typeface="+mn-ea"/>
+                <a:cs typeface="+mn-cs"/>
+              </a:defRPr>
+            </a:lvl2pPr>
+            <a:lvl3pPr marL="1143000" indent="-228600" algn="l" defTabSz="914400" rtl="0" eaLnBrk="1" latinLnBrk="0" hangingPunct="1">
+              <a:lnSpc>
+                <a:spcPct val="120000"/>
+              </a:lnSpc>
+              <a:spcBef>
+                <a:spcPts val="500"/>
+              </a:spcBef>
+              <a:buSzPct val="125000"/>
+              <a:buFont typeface="Arial" panose="020B0604020202020204" pitchFamily="34" charset="0"/>
+              <a:buChar char="•"/>
+              <a:defRPr sz="1800" kern="1200">
+                <a:solidFill>
+                  <a:schemeClr val="tx1"/>
+                </a:solidFill>
+                <a:latin typeface="+mn-lt"/>
+                <a:ea typeface="+mn-ea"/>
+                <a:cs typeface="+mn-cs"/>
+              </a:defRPr>
+            </a:lvl3pPr>
+            <a:lvl4pPr marL="1600200" indent="-228600" algn="l" defTabSz="914400" rtl="0" eaLnBrk="1" latinLnBrk="0" hangingPunct="1">
+              <a:lnSpc>
+                <a:spcPct val="120000"/>
+              </a:lnSpc>
+              <a:spcBef>
+                <a:spcPts val="500"/>
+              </a:spcBef>
+              <a:buSzPct val="125000"/>
+              <a:buFont typeface="Arial" panose="020B0604020202020204" pitchFamily="34" charset="0"/>
+              <a:buChar char="•"/>
+              <a:defRPr sz="1600" kern="1200">
+                <a:solidFill>
+                  <a:schemeClr val="tx1"/>
+                </a:solidFill>
+                <a:latin typeface="+mn-lt"/>
+                <a:ea typeface="+mn-ea"/>
+                <a:cs typeface="+mn-cs"/>
+              </a:defRPr>
+            </a:lvl4pPr>
+            <a:lvl5pPr marL="2057400" indent="-228600" algn="l" defTabSz="914400" rtl="0" eaLnBrk="1" latinLnBrk="0" hangingPunct="1">
+              <a:lnSpc>
+                <a:spcPct val="120000"/>
+              </a:lnSpc>
+              <a:spcBef>
+                <a:spcPts val="500"/>
+              </a:spcBef>
+              <a:buSzPct val="125000"/>
+              <a:buFont typeface="Arial" panose="020B0604020202020204" pitchFamily="34" charset="0"/>
+              <a:buChar char="•"/>
+              <a:defRPr sz="1600" kern="1200">
+                <a:solidFill>
+                  <a:schemeClr val="tx1"/>
+                </a:solidFill>
+                <a:latin typeface="+mn-lt"/>
+                <a:ea typeface="+mn-ea"/>
+                <a:cs typeface="+mn-cs"/>
+              </a:defRPr>
+            </a:lvl5pPr>
+            <a:lvl6pPr marL="2514600" indent="-228600" algn="l" defTabSz="914400" rtl="0" eaLnBrk="1" latinLnBrk="0" hangingPunct="1">
+              <a:lnSpc>
+                <a:spcPct val="120000"/>
+              </a:lnSpc>
+              <a:spcBef>
+                <a:spcPts val="500"/>
+              </a:spcBef>
+              <a:buSzPct val="125000"/>
+              <a:buFont typeface="Arial" panose="020B0604020202020204" pitchFamily="34" charset="0"/>
+              <a:buChar char="•"/>
+              <a:defRPr sz="1400" kern="1200">
+                <a:solidFill>
+                  <a:schemeClr val="tx1"/>
+                </a:solidFill>
+                <a:latin typeface="+mn-lt"/>
+                <a:ea typeface="+mn-ea"/>
+                <a:cs typeface="+mn-cs"/>
+              </a:defRPr>
+            </a:lvl6pPr>
+            <a:lvl7pPr marL="2971800" indent="-228600" algn="l" defTabSz="914400" rtl="0" eaLnBrk="1" latinLnBrk="0" hangingPunct="1">
+              <a:lnSpc>
+                <a:spcPct val="120000"/>
+              </a:lnSpc>
+              <a:spcBef>
+                <a:spcPts val="500"/>
+              </a:spcBef>
+              <a:buSzPct val="125000"/>
+              <a:buFont typeface="Arial" panose="020B0604020202020204" pitchFamily="34" charset="0"/>
+              <a:buChar char="•"/>
+              <a:defRPr sz="1400" kern="1200">
+                <a:solidFill>
+                  <a:schemeClr val="tx1"/>
+                </a:solidFill>
+                <a:latin typeface="+mn-lt"/>
+                <a:ea typeface="+mn-ea"/>
+                <a:cs typeface="+mn-cs"/>
+              </a:defRPr>
+            </a:lvl7pPr>
+            <a:lvl8pPr marL="3429000" indent="-228600" algn="l" defTabSz="914400" rtl="0" eaLnBrk="1" latinLnBrk="0" hangingPunct="1">
+              <a:lnSpc>
+                <a:spcPct val="120000"/>
+              </a:lnSpc>
+              <a:spcBef>
+                <a:spcPts val="500"/>
+              </a:spcBef>
+              <a:buSzPct val="125000"/>
+              <a:buFont typeface="Arial" panose="020B0604020202020204" pitchFamily="34" charset="0"/>
+              <a:buChar char="•"/>
+              <a:defRPr sz="1400" kern="1200">
+                <a:solidFill>
+                  <a:schemeClr val="tx1"/>
+                </a:solidFill>
+                <a:latin typeface="+mn-lt"/>
+                <a:ea typeface="+mn-ea"/>
+                <a:cs typeface="+mn-cs"/>
+              </a:defRPr>
+            </a:lvl8pPr>
+            <a:lvl9pPr marL="3886200" indent="-228600" algn="l" defTabSz="914400" rtl="0" eaLnBrk="1" latinLnBrk="0" hangingPunct="1">
+              <a:lnSpc>
+                <a:spcPct val="120000"/>
+              </a:lnSpc>
+              <a:spcBef>
+                <a:spcPts val="500"/>
+              </a:spcBef>
+              <a:buSzPct val="125000"/>
+              <a:buFont typeface="Arial" panose="020B0604020202020204" pitchFamily="34" charset="0"/>
+              <a:buChar char="•"/>
+              <a:defRPr sz="1400" kern="1200">
+                <a:solidFill>
+                  <a:schemeClr val="tx1"/>
+                </a:solidFill>
+                <a:latin typeface="+mn-lt"/>
+                <a:ea typeface="+mn-ea"/>
+                <a:cs typeface="+mn-cs"/>
+              </a:defRPr>
+            </a:lvl9pPr>
+          </a:lstStyle>
+          <a:p>
+            <a:endParaRPr lang="en-US" dirty="0"/>
+          </a:p>
+        </p:txBody>
+      </p:sp>
+      <p:sp>
+        <p:nvSpPr>
+          <p:cNvPr id="8" name="Content Placeholder 2"/>
           <p:cNvSpPr>
             <a:spLocks noGrp="1"/>
           </p:cNvSpPr>
@@ -7090,19 +9450,285 @@
             <p:ph idx="1"/>
           </p:nvPr>
         </p:nvSpPr>
-        <p:spPr/>
-        <p:txBody>
-          <a:bodyPr/>
+        <p:spPr>
+          <a:xfrm>
+            <a:off x="1028761" y="2568875"/>
+            <a:ext cx="5442268" cy="3742007"/>
+          </a:xfrm>
+        </p:spPr>
+        <p:txBody>
+          <a:bodyPr>
+            <a:normAutofit/>
+          </a:bodyPr>
           <a:lstStyle/>
           <a:p>
-            <a:endParaRPr lang="pt-PT"/>
-          </a:p>
-        </p:txBody>
-      </p:sp>
+            <a:r>
+              <a:rPr lang="en-US" sz="2000" b="1" dirty="0" err="1">
+                <a:effectLst>
+                  <a:outerShdw blurRad="38100" dist="38100" dir="2700000" algn="tl">
+                    <a:srgbClr val="000000">
+                      <a:alpha val="43137"/>
+                    </a:srgbClr>
+                  </a:outerShdw>
+                </a:effectLst>
+              </a:rPr>
+              <a:t>Versão</a:t>
+            </a:r>
+            <a:r>
+              <a:rPr lang="en-US" sz="2000" b="1" dirty="0">
+                <a:effectLst>
+                  <a:outerShdw blurRad="38100" dist="38100" dir="2700000" algn="tl">
+                    <a:srgbClr val="000000">
+                      <a:alpha val="43137"/>
+                    </a:srgbClr>
+                  </a:outerShdw>
+                </a:effectLst>
+              </a:rPr>
+              <a:t> </a:t>
+            </a:r>
+            <a:r>
+              <a:rPr lang="en-US" sz="2000" b="1" dirty="0" err="1">
+                <a:effectLst>
+                  <a:outerShdw blurRad="38100" dist="38100" dir="2700000" algn="tl">
+                    <a:srgbClr val="000000">
+                      <a:alpha val="43137"/>
+                    </a:srgbClr>
+                  </a:outerShdw>
+                </a:effectLst>
+              </a:rPr>
+              <a:t>atual</a:t>
+            </a:r>
+            <a:r>
+              <a:rPr lang="en-US" sz="2000" b="1" dirty="0">
+                <a:effectLst>
+                  <a:outerShdw blurRad="38100" dist="38100" dir="2700000" algn="tl">
+                    <a:srgbClr val="000000">
+                      <a:alpha val="43137"/>
+                    </a:srgbClr>
+                  </a:outerShdw>
+                </a:effectLst>
+              </a:rPr>
+              <a:t>: </a:t>
+            </a:r>
+            <a:r>
+              <a:rPr lang="en-US" sz="2000" dirty="0"/>
+              <a:t>4</a:t>
+            </a:r>
+          </a:p>
+          <a:p>
+            <a:r>
+              <a:rPr lang="en-US" sz="2000" b="1" dirty="0" err="1">
+                <a:effectLst>
+                  <a:outerShdw blurRad="38100" dist="38100" dir="2700000" algn="tl">
+                    <a:srgbClr val="000000">
+                      <a:alpha val="43137"/>
+                    </a:srgbClr>
+                  </a:outerShdw>
+                </a:effectLst>
+              </a:rPr>
+              <a:t>Pacote</a:t>
+            </a:r>
+            <a:r>
+              <a:rPr lang="en-US" sz="2000" b="1" dirty="0">
+                <a:effectLst>
+                  <a:outerShdw blurRad="38100" dist="38100" dir="2700000" algn="tl">
+                    <a:srgbClr val="000000">
+                      <a:alpha val="43137"/>
+                    </a:srgbClr>
+                  </a:outerShdw>
+                </a:effectLst>
+              </a:rPr>
+              <a:t> de </a:t>
+            </a:r>
+            <a:r>
+              <a:rPr lang="en-US" sz="2000" b="1" dirty="0" err="1">
+                <a:effectLst>
+                  <a:outerShdw blurRad="38100" dist="38100" dir="2700000" algn="tl">
+                    <a:srgbClr val="000000">
+                      <a:alpha val="43137"/>
+                    </a:srgbClr>
+                  </a:outerShdw>
+                </a:effectLst>
+              </a:rPr>
+              <a:t>instalação</a:t>
+            </a:r>
+            <a:r>
+              <a:rPr lang="en-US" sz="2000" b="1" dirty="0">
+                <a:effectLst>
+                  <a:outerShdw blurRad="38100" dist="38100" dir="2700000" algn="tl">
+                    <a:srgbClr val="000000">
+                      <a:alpha val="43137"/>
+                    </a:srgbClr>
+                  </a:outerShdw>
+                </a:effectLst>
+              </a:rPr>
+              <a:t>: </a:t>
+            </a:r>
+            <a:r>
+              <a:rPr lang="en-US" sz="2000" i="1" dirty="0" err="1"/>
+              <a:t>ntpd</a:t>
+            </a:r>
+            <a:endParaRPr lang="en-US" sz="2000" dirty="0"/>
+          </a:p>
+          <a:p>
+            <a:r>
+              <a:rPr lang="en-US" sz="2000" b="1" dirty="0" err="1">
+                <a:effectLst>
+                  <a:outerShdw blurRad="38100" dist="38100" dir="2700000" algn="tl">
+                    <a:srgbClr val="000000">
+                      <a:alpha val="43137"/>
+                    </a:srgbClr>
+                  </a:outerShdw>
+                </a:effectLst>
+              </a:rPr>
+              <a:t>Ficheiro</a:t>
+            </a:r>
+            <a:r>
+              <a:rPr lang="en-US" sz="2000" b="1" dirty="0">
+                <a:effectLst>
+                  <a:outerShdw blurRad="38100" dist="38100" dir="2700000" algn="tl">
+                    <a:srgbClr val="000000">
+                      <a:alpha val="43137"/>
+                    </a:srgbClr>
+                  </a:outerShdw>
+                </a:effectLst>
+              </a:rPr>
+              <a:t> principal de </a:t>
+            </a:r>
+            <a:r>
+              <a:rPr lang="en-US" sz="2000" b="1" dirty="0" err="1">
+                <a:effectLst>
+                  <a:outerShdw blurRad="38100" dist="38100" dir="2700000" algn="tl">
+                    <a:srgbClr val="000000">
+                      <a:alpha val="43137"/>
+                    </a:srgbClr>
+                  </a:outerShdw>
+                </a:effectLst>
+              </a:rPr>
+              <a:t>configuração</a:t>
+            </a:r>
+            <a:r>
+              <a:rPr lang="en-US" sz="2000" b="1" dirty="0">
+                <a:effectLst>
+                  <a:outerShdw blurRad="38100" dist="38100" dir="2700000" algn="tl">
+                    <a:srgbClr val="000000">
+                      <a:alpha val="43137"/>
+                    </a:srgbClr>
+                  </a:outerShdw>
+                </a:effectLst>
+              </a:rPr>
+              <a:t>: </a:t>
+            </a:r>
+            <a:r>
+              <a:rPr lang="en-US" sz="2000" dirty="0"/>
+              <a:t>	</a:t>
+            </a:r>
+            <a:r>
+              <a:rPr lang="en-US" sz="2000" i="1" dirty="0"/>
+              <a:t>/</a:t>
+            </a:r>
+            <a:r>
+              <a:rPr lang="en-US" sz="2000" i="1" dirty="0" err="1"/>
+              <a:t>etc</a:t>
+            </a:r>
+            <a:r>
+              <a:rPr lang="en-US" sz="2000" i="1" dirty="0"/>
+              <a:t>/</a:t>
+            </a:r>
+            <a:r>
+              <a:rPr lang="en-US" sz="2000" i="1" dirty="0" err="1"/>
+              <a:t>ntp.conf</a:t>
+            </a:r>
+            <a:endParaRPr lang="en-US" sz="2000" dirty="0"/>
+          </a:p>
+          <a:p>
+            <a:r>
+              <a:rPr lang="en-US" sz="2000" b="1" dirty="0" err="1">
+                <a:effectLst>
+                  <a:outerShdw blurRad="38100" dist="38100" dir="2700000" algn="tl">
+                    <a:srgbClr val="000000">
+                      <a:alpha val="43137"/>
+                    </a:srgbClr>
+                  </a:outerShdw>
+                </a:effectLst>
+              </a:rPr>
+              <a:t>Funcionalidade</a:t>
+            </a:r>
+            <a:r>
+              <a:rPr lang="en-US" sz="2000" b="1" dirty="0">
+                <a:effectLst>
+                  <a:outerShdw blurRad="38100" dist="38100" dir="2700000" algn="tl">
+                    <a:srgbClr val="000000">
+                      <a:alpha val="43137"/>
+                    </a:srgbClr>
+                  </a:outerShdw>
+                </a:effectLst>
+              </a:rPr>
+              <a:t>:</a:t>
+            </a:r>
+            <a:r>
+              <a:rPr lang="en-US" sz="2000" dirty="0"/>
+              <a:t> </a:t>
+            </a:r>
+            <a:r>
+              <a:rPr lang="en-US" sz="2000" dirty="0" err="1"/>
+              <a:t>sincronização</a:t>
+            </a:r>
+            <a:r>
+              <a:rPr lang="en-US" sz="2000" dirty="0"/>
+              <a:t> da data e hora do </a:t>
+            </a:r>
+            <a:r>
+              <a:rPr lang="en-US" sz="2000" dirty="0" err="1"/>
+              <a:t>sistema</a:t>
+            </a:r>
+            <a:r>
+              <a:rPr lang="en-US" sz="2000" dirty="0"/>
+              <a:t> </a:t>
+            </a:r>
+            <a:r>
+              <a:rPr lang="en-US" sz="2000" dirty="0" err="1"/>
+              <a:t>por</a:t>
+            </a:r>
+            <a:r>
+              <a:rPr lang="en-US" sz="2000" dirty="0"/>
+              <a:t> </a:t>
+            </a:r>
+            <a:r>
+              <a:rPr lang="en-US" sz="2000" dirty="0" err="1"/>
+              <a:t>rede</a:t>
+            </a:r>
+            <a:endParaRPr lang="en-US" sz="2000" dirty="0"/>
+          </a:p>
+        </p:txBody>
+      </p:sp>
+      <p:pic>
+        <p:nvPicPr>
+          <p:cNvPr id="3" name="Picture 2"/>
+          <p:cNvPicPr>
+            <a:picLocks noChangeAspect="1"/>
+          </p:cNvPicPr>
+          <p:nvPr/>
+        </p:nvPicPr>
+        <p:blipFill rotWithShape="1">
+          <a:blip r:embed="rId2"/>
+          <a:srcRect r="28412"/>
+          <a:stretch/>
+        </p:blipFill>
+        <p:spPr>
+          <a:xfrm>
+            <a:off x="6583681" y="1524781"/>
+            <a:ext cx="5099148" cy="2821219"/>
+          </a:xfrm>
+          <a:prstGeom prst="rect">
+            <a:avLst/>
+          </a:prstGeom>
+        </p:spPr>
+      </p:pic>
     </p:spTree>
     <p:extLst>
       <p:ext uri="{BB962C8B-B14F-4D97-AF65-F5344CB8AC3E}">
-        <p14:creationId xmlns:p14="http://schemas.microsoft.com/office/powerpoint/2010/main" val="4098309947"/>
+        <p14:creationId xmlns:p14="http://schemas.microsoft.com/office/powerpoint/2010/main" val="2484463897"/>
       </p:ext>
     </p:extLst>
   </p:cSld>
@@ -7131,7 +9757,7 @@
       </p:grpSpPr>
       <p:sp>
         <p:nvSpPr>
-          <p:cNvPr id="2" name="Título 1"/>
+          <p:cNvPr id="2" name="Title 1"/>
           <p:cNvSpPr>
             <a:spLocks noGrp="1"/>
           </p:cNvSpPr>
@@ -7145,16 +9771,267 @@
           <a:lstStyle/>
           <a:p>
             <a:r>
-              <a:rPr lang="pt-PT" dirty="0" smtClean="0"/>
-              <a:t>Serviço SSH</a:t>
-            </a:r>
-            <a:endParaRPr lang="pt-PT" dirty="0"/>
-          </a:p>
-        </p:txBody>
-      </p:sp>
-      <p:sp>
-        <p:nvSpPr>
-          <p:cNvPr id="3" name="Marcador de Posição de Conteúdo 2"/>
+              <a:rPr lang="en-US" dirty="0" smtClean="0"/>
+              <a:t>SSH</a:t>
+            </a:r>
+            <a:endParaRPr lang="en-US" dirty="0"/>
+          </a:p>
+        </p:txBody>
+      </p:sp>
+      <p:sp>
+        <p:nvSpPr>
+          <p:cNvPr id="4" name="Content Placeholder 2"/>
+          <p:cNvSpPr txBox="1">
+            <a:spLocks/>
+          </p:cNvSpPr>
+          <p:nvPr/>
+        </p:nvSpPr>
+        <p:spPr>
+          <a:xfrm>
+            <a:off x="1141413" y="2729131"/>
+            <a:ext cx="5442268" cy="3230881"/>
+          </a:xfrm>
+          <a:prstGeom prst="rect">
+            <a:avLst/>
+          </a:prstGeom>
+        </p:spPr>
+        <p:txBody>
+          <a:bodyPr vert="horz" lIns="91440" tIns="45720" rIns="91440" bIns="45720" rtlCol="0">
+            <a:normAutofit/>
+          </a:bodyPr>
+          <a:lstStyle>
+            <a:lvl1pPr marL="228600" indent="-228600" algn="l" defTabSz="914400" rtl="0" eaLnBrk="1" latinLnBrk="0" hangingPunct="1">
+              <a:lnSpc>
+                <a:spcPct val="120000"/>
+              </a:lnSpc>
+              <a:spcBef>
+                <a:spcPts val="1000"/>
+              </a:spcBef>
+              <a:buSzPct val="125000"/>
+              <a:buFont typeface="Arial" panose="020B0604020202020204" pitchFamily="34" charset="0"/>
+              <a:buChar char="•"/>
+              <a:defRPr sz="2400" kern="1200">
+                <a:solidFill>
+                  <a:schemeClr val="tx1"/>
+                </a:solidFill>
+                <a:latin typeface="+mn-lt"/>
+                <a:ea typeface="+mn-ea"/>
+                <a:cs typeface="+mn-cs"/>
+              </a:defRPr>
+            </a:lvl1pPr>
+            <a:lvl2pPr marL="685800" indent="-228600" algn="l" defTabSz="914400" rtl="0" eaLnBrk="1" latinLnBrk="0" hangingPunct="1">
+              <a:lnSpc>
+                <a:spcPct val="120000"/>
+              </a:lnSpc>
+              <a:spcBef>
+                <a:spcPts val="500"/>
+              </a:spcBef>
+              <a:buSzPct val="125000"/>
+              <a:buFont typeface="Arial" panose="020B0604020202020204" pitchFamily="34" charset="0"/>
+              <a:buChar char="•"/>
+              <a:defRPr sz="2000" kern="1200">
+                <a:solidFill>
+                  <a:schemeClr val="tx1"/>
+                </a:solidFill>
+                <a:latin typeface="+mn-lt"/>
+                <a:ea typeface="+mn-ea"/>
+                <a:cs typeface="+mn-cs"/>
+              </a:defRPr>
+            </a:lvl2pPr>
+            <a:lvl3pPr marL="1143000" indent="-228600" algn="l" defTabSz="914400" rtl="0" eaLnBrk="1" latinLnBrk="0" hangingPunct="1">
+              <a:lnSpc>
+                <a:spcPct val="120000"/>
+              </a:lnSpc>
+              <a:spcBef>
+                <a:spcPts val="500"/>
+              </a:spcBef>
+              <a:buSzPct val="125000"/>
+              <a:buFont typeface="Arial" panose="020B0604020202020204" pitchFamily="34" charset="0"/>
+              <a:buChar char="•"/>
+              <a:defRPr sz="1800" kern="1200">
+                <a:solidFill>
+                  <a:schemeClr val="tx1"/>
+                </a:solidFill>
+                <a:latin typeface="+mn-lt"/>
+                <a:ea typeface="+mn-ea"/>
+                <a:cs typeface="+mn-cs"/>
+              </a:defRPr>
+            </a:lvl3pPr>
+            <a:lvl4pPr marL="1600200" indent="-228600" algn="l" defTabSz="914400" rtl="0" eaLnBrk="1" latinLnBrk="0" hangingPunct="1">
+              <a:lnSpc>
+                <a:spcPct val="120000"/>
+              </a:lnSpc>
+              <a:spcBef>
+                <a:spcPts val="500"/>
+              </a:spcBef>
+              <a:buSzPct val="125000"/>
+              <a:buFont typeface="Arial" panose="020B0604020202020204" pitchFamily="34" charset="0"/>
+              <a:buChar char="•"/>
+              <a:defRPr sz="1600" kern="1200">
+                <a:solidFill>
+                  <a:schemeClr val="tx1"/>
+                </a:solidFill>
+                <a:latin typeface="+mn-lt"/>
+                <a:ea typeface="+mn-ea"/>
+                <a:cs typeface="+mn-cs"/>
+              </a:defRPr>
+            </a:lvl4pPr>
+            <a:lvl5pPr marL="2057400" indent="-228600" algn="l" defTabSz="914400" rtl="0" eaLnBrk="1" latinLnBrk="0" hangingPunct="1">
+              <a:lnSpc>
+                <a:spcPct val="120000"/>
+              </a:lnSpc>
+              <a:spcBef>
+                <a:spcPts val="500"/>
+              </a:spcBef>
+              <a:buSzPct val="125000"/>
+              <a:buFont typeface="Arial" panose="020B0604020202020204" pitchFamily="34" charset="0"/>
+              <a:buChar char="•"/>
+              <a:defRPr sz="1600" kern="1200">
+                <a:solidFill>
+                  <a:schemeClr val="tx1"/>
+                </a:solidFill>
+                <a:latin typeface="+mn-lt"/>
+                <a:ea typeface="+mn-ea"/>
+                <a:cs typeface="+mn-cs"/>
+              </a:defRPr>
+            </a:lvl5pPr>
+            <a:lvl6pPr marL="2514600" indent="-228600" algn="l" defTabSz="914400" rtl="0" eaLnBrk="1" latinLnBrk="0" hangingPunct="1">
+              <a:lnSpc>
+                <a:spcPct val="120000"/>
+              </a:lnSpc>
+              <a:spcBef>
+                <a:spcPts val="500"/>
+              </a:spcBef>
+              <a:buSzPct val="125000"/>
+              <a:buFont typeface="Arial" panose="020B0604020202020204" pitchFamily="34" charset="0"/>
+              <a:buChar char="•"/>
+              <a:defRPr sz="1400" kern="1200">
+                <a:solidFill>
+                  <a:schemeClr val="tx1"/>
+                </a:solidFill>
+                <a:latin typeface="+mn-lt"/>
+                <a:ea typeface="+mn-ea"/>
+                <a:cs typeface="+mn-cs"/>
+              </a:defRPr>
+            </a:lvl6pPr>
+            <a:lvl7pPr marL="2971800" indent="-228600" algn="l" defTabSz="914400" rtl="0" eaLnBrk="1" latinLnBrk="0" hangingPunct="1">
+              <a:lnSpc>
+                <a:spcPct val="120000"/>
+              </a:lnSpc>
+              <a:spcBef>
+                <a:spcPts val="500"/>
+              </a:spcBef>
+              <a:buSzPct val="125000"/>
+              <a:buFont typeface="Arial" panose="020B0604020202020204" pitchFamily="34" charset="0"/>
+              <a:buChar char="•"/>
+              <a:defRPr sz="1400" kern="1200">
+                <a:solidFill>
+                  <a:schemeClr val="tx1"/>
+                </a:solidFill>
+                <a:latin typeface="+mn-lt"/>
+                <a:ea typeface="+mn-ea"/>
+                <a:cs typeface="+mn-cs"/>
+              </a:defRPr>
+            </a:lvl7pPr>
+            <a:lvl8pPr marL="3429000" indent="-228600" algn="l" defTabSz="914400" rtl="0" eaLnBrk="1" latinLnBrk="0" hangingPunct="1">
+              <a:lnSpc>
+                <a:spcPct val="120000"/>
+              </a:lnSpc>
+              <a:spcBef>
+                <a:spcPts val="500"/>
+              </a:spcBef>
+              <a:buSzPct val="125000"/>
+              <a:buFont typeface="Arial" panose="020B0604020202020204" pitchFamily="34" charset="0"/>
+              <a:buChar char="•"/>
+              <a:defRPr sz="1400" kern="1200">
+                <a:solidFill>
+                  <a:schemeClr val="tx1"/>
+                </a:solidFill>
+                <a:latin typeface="+mn-lt"/>
+                <a:ea typeface="+mn-ea"/>
+                <a:cs typeface="+mn-cs"/>
+              </a:defRPr>
+            </a:lvl8pPr>
+            <a:lvl9pPr marL="3886200" indent="-228600" algn="l" defTabSz="914400" rtl="0" eaLnBrk="1" latinLnBrk="0" hangingPunct="1">
+              <a:lnSpc>
+                <a:spcPct val="120000"/>
+              </a:lnSpc>
+              <a:spcBef>
+                <a:spcPts val="500"/>
+              </a:spcBef>
+              <a:buSzPct val="125000"/>
+              <a:buFont typeface="Arial" panose="020B0604020202020204" pitchFamily="34" charset="0"/>
+              <a:buChar char="•"/>
+              <a:defRPr sz="1400" kern="1200">
+                <a:solidFill>
+                  <a:schemeClr val="tx1"/>
+                </a:solidFill>
+                <a:latin typeface="+mn-lt"/>
+                <a:ea typeface="+mn-ea"/>
+                <a:cs typeface="+mn-cs"/>
+              </a:defRPr>
+            </a:lvl9pPr>
+          </a:lstStyle>
+          <a:p>
+            <a:endParaRPr lang="en-US" dirty="0"/>
+          </a:p>
+        </p:txBody>
+      </p:sp>
+      <p:pic>
+        <p:nvPicPr>
+          <p:cNvPr id="9218" name="Picture 2" descr="http://www.ytechie.com/2008/05/set-up-a-windows-ssh-tunnel-in-10-minutes-or-less/ssh-diagram.gif"/>
+          <p:cNvPicPr>
+            <a:picLocks noChangeAspect="1" noChangeArrowheads="1"/>
+          </p:cNvPicPr>
+          <p:nvPr/>
+        </p:nvPicPr>
+        <p:blipFill>
+          <a:blip r:embed="rId2">
+            <a:extLst>
+              <a:ext uri="{28A0092B-C50C-407E-A947-70E740481C1C}">
+                <a14:useLocalDpi xmlns:a14="http://schemas.microsoft.com/office/drawing/2010/main" val="0"/>
+              </a:ext>
+            </a:extLst>
+          </a:blip>
+          <a:srcRect/>
+          <a:stretch>
+            <a:fillRect/>
+          </a:stretch>
+        </p:blipFill>
+        <p:spPr bwMode="auto">
+          <a:xfrm>
+            <a:off x="6583681" y="1357803"/>
+            <a:ext cx="4793098" cy="1903925"/>
+          </a:xfrm>
+          <a:prstGeom prst="rect">
+            <a:avLst/>
+          </a:prstGeom>
+          <a:ln w="38100">
+            <a:solidFill>
+              <a:schemeClr val="tx1"/>
+            </a:solidFill>
+          </a:ln>
+          <a:effectLst>
+            <a:outerShdw blurRad="63500" sx="102000" sy="102000" algn="ctr" rotWithShape="0">
+              <a:prstClr val="black">
+                <a:alpha val="40000"/>
+              </a:prstClr>
+            </a:outerShdw>
+          </a:effectLst>
+          <a:extLst>
+            <a:ext uri="{909E8E84-426E-40DD-AFC4-6F175D3DCCD1}">
+              <a14:hiddenFill xmlns:a14="http://schemas.microsoft.com/office/drawing/2010/main">
+                <a:solidFill>
+                  <a:srgbClr val="FFFFFF"/>
+                </a:solidFill>
+              </a14:hiddenFill>
+            </a:ext>
+          </a:extLst>
+        </p:spPr>
+      </p:pic>
+      <p:sp>
+        <p:nvSpPr>
+          <p:cNvPr id="5" name="Content Placeholder 2"/>
           <p:cNvSpPr>
             <a:spLocks noGrp="1"/>
           </p:cNvSpPr>
@@ -7162,19 +10039,273 @@
             <p:ph idx="1"/>
           </p:nvPr>
         </p:nvSpPr>
-        <p:spPr/>
-        <p:txBody>
-          <a:bodyPr/>
+        <p:spPr>
+          <a:xfrm>
+            <a:off x="1028761" y="2568875"/>
+            <a:ext cx="5442268" cy="3742007"/>
+          </a:xfrm>
+        </p:spPr>
+        <p:txBody>
+          <a:bodyPr>
+            <a:normAutofit/>
+          </a:bodyPr>
           <a:lstStyle/>
           <a:p>
-            <a:endParaRPr lang="pt-PT"/>
+            <a:r>
+              <a:rPr lang="en-US" sz="2000" b="1" dirty="0" err="1">
+                <a:effectLst>
+                  <a:outerShdw blurRad="38100" dist="38100" dir="2700000" algn="tl">
+                    <a:srgbClr val="000000">
+                      <a:alpha val="43137"/>
+                    </a:srgbClr>
+                  </a:outerShdw>
+                </a:effectLst>
+              </a:rPr>
+              <a:t>Versão</a:t>
+            </a:r>
+            <a:r>
+              <a:rPr lang="en-US" sz="2000" b="1" dirty="0">
+                <a:effectLst>
+                  <a:outerShdw blurRad="38100" dist="38100" dir="2700000" algn="tl">
+                    <a:srgbClr val="000000">
+                      <a:alpha val="43137"/>
+                    </a:srgbClr>
+                  </a:outerShdw>
+                </a:effectLst>
+              </a:rPr>
+              <a:t> </a:t>
+            </a:r>
+            <a:r>
+              <a:rPr lang="en-US" sz="2000" b="1" dirty="0" err="1">
+                <a:effectLst>
+                  <a:outerShdw blurRad="38100" dist="38100" dir="2700000" algn="tl">
+                    <a:srgbClr val="000000">
+                      <a:alpha val="43137"/>
+                    </a:srgbClr>
+                  </a:outerShdw>
+                </a:effectLst>
+              </a:rPr>
+              <a:t>atual</a:t>
+            </a:r>
+            <a:r>
+              <a:rPr lang="en-US" sz="2000" b="1" dirty="0">
+                <a:effectLst>
+                  <a:outerShdw blurRad="38100" dist="38100" dir="2700000" algn="tl">
+                    <a:srgbClr val="000000">
+                      <a:alpha val="43137"/>
+                    </a:srgbClr>
+                  </a:outerShdw>
+                </a:effectLst>
+              </a:rPr>
+              <a:t>: </a:t>
+            </a:r>
+            <a:r>
+              <a:rPr lang="en-US" sz="2000" dirty="0"/>
+              <a:t>6.0p1</a:t>
+            </a:r>
+          </a:p>
+          <a:p>
+            <a:r>
+              <a:rPr lang="en-US" sz="2000" b="1" dirty="0" err="1">
+                <a:effectLst>
+                  <a:outerShdw blurRad="38100" dist="38100" dir="2700000" algn="tl">
+                    <a:srgbClr val="000000">
+                      <a:alpha val="43137"/>
+                    </a:srgbClr>
+                  </a:outerShdw>
+                </a:effectLst>
+              </a:rPr>
+              <a:t>Pacote</a:t>
+            </a:r>
+            <a:r>
+              <a:rPr lang="en-US" sz="2000" b="1" dirty="0">
+                <a:effectLst>
+                  <a:outerShdw blurRad="38100" dist="38100" dir="2700000" algn="tl">
+                    <a:srgbClr val="000000">
+                      <a:alpha val="43137"/>
+                    </a:srgbClr>
+                  </a:outerShdw>
+                </a:effectLst>
+              </a:rPr>
+              <a:t> de </a:t>
+            </a:r>
+            <a:r>
+              <a:rPr lang="en-US" sz="2000" b="1" dirty="0" err="1">
+                <a:effectLst>
+                  <a:outerShdw blurRad="38100" dist="38100" dir="2700000" algn="tl">
+                    <a:srgbClr val="000000">
+                      <a:alpha val="43137"/>
+                    </a:srgbClr>
+                  </a:outerShdw>
+                </a:effectLst>
+              </a:rPr>
+              <a:t>instalação</a:t>
+            </a:r>
+            <a:r>
+              <a:rPr lang="en-US" sz="2000" b="1" dirty="0">
+                <a:effectLst>
+                  <a:outerShdw blurRad="38100" dist="38100" dir="2700000" algn="tl">
+                    <a:srgbClr val="000000">
+                      <a:alpha val="43137"/>
+                    </a:srgbClr>
+                  </a:outerShdw>
+                </a:effectLst>
+              </a:rPr>
+              <a:t>: </a:t>
+            </a:r>
+            <a:r>
+              <a:rPr lang="en-US" sz="2000" i="1" dirty="0" err="1"/>
+              <a:t>openssh</a:t>
+            </a:r>
+            <a:r>
+              <a:rPr lang="en-US" sz="2000" i="1" dirty="0"/>
+              <a:t>-server</a:t>
+            </a:r>
+          </a:p>
+          <a:p>
+            <a:r>
+              <a:rPr lang="en-US" sz="2000" b="1" dirty="0" err="1">
+                <a:effectLst>
+                  <a:outerShdw blurRad="38100" dist="38100" dir="2700000" algn="tl">
+                    <a:srgbClr val="000000">
+                      <a:alpha val="43137"/>
+                    </a:srgbClr>
+                  </a:outerShdw>
+                </a:effectLst>
+              </a:rPr>
+              <a:t>Ficheiro</a:t>
+            </a:r>
+            <a:r>
+              <a:rPr lang="en-US" sz="2000" b="1" dirty="0">
+                <a:effectLst>
+                  <a:outerShdw blurRad="38100" dist="38100" dir="2700000" algn="tl">
+                    <a:srgbClr val="000000">
+                      <a:alpha val="43137"/>
+                    </a:srgbClr>
+                  </a:outerShdw>
+                </a:effectLst>
+              </a:rPr>
+              <a:t> principal de </a:t>
+            </a:r>
+            <a:r>
+              <a:rPr lang="en-US" sz="2000" b="1" dirty="0" err="1">
+                <a:effectLst>
+                  <a:outerShdw blurRad="38100" dist="38100" dir="2700000" algn="tl">
+                    <a:srgbClr val="000000">
+                      <a:alpha val="43137"/>
+                    </a:srgbClr>
+                  </a:outerShdw>
+                </a:effectLst>
+              </a:rPr>
+              <a:t>configuração</a:t>
+            </a:r>
+            <a:r>
+              <a:rPr lang="en-US" sz="2000" b="1" dirty="0">
+                <a:effectLst>
+                  <a:outerShdw blurRad="38100" dist="38100" dir="2700000" algn="tl">
+                    <a:srgbClr val="000000">
+                      <a:alpha val="43137"/>
+                    </a:srgbClr>
+                  </a:outerShdw>
+                </a:effectLst>
+              </a:rPr>
+              <a:t>: </a:t>
+            </a:r>
+            <a:r>
+              <a:rPr lang="en-US" sz="2000" dirty="0"/>
+              <a:t>	</a:t>
+            </a:r>
+            <a:r>
+              <a:rPr lang="en-US" sz="2000" i="1" dirty="0"/>
+              <a:t>/</a:t>
+            </a:r>
+            <a:r>
+              <a:rPr lang="en-US" sz="2000" i="1" dirty="0" err="1"/>
+              <a:t>etc</a:t>
+            </a:r>
+            <a:r>
+              <a:rPr lang="en-US" sz="2000" i="1" dirty="0"/>
+              <a:t>/</a:t>
+            </a:r>
+            <a:r>
+              <a:rPr lang="en-US" sz="2000" i="1" dirty="0" err="1"/>
+              <a:t>ssh</a:t>
+            </a:r>
+            <a:r>
+              <a:rPr lang="en-US" sz="2000" i="1" dirty="0"/>
+              <a:t>/</a:t>
+            </a:r>
+            <a:r>
+              <a:rPr lang="en-US" sz="2000" i="1" dirty="0" err="1"/>
+              <a:t>sshd_config</a:t>
+            </a:r>
+            <a:endParaRPr lang="en-US" sz="2000" dirty="0"/>
+          </a:p>
+          <a:p>
+            <a:r>
+              <a:rPr lang="en-US" sz="2000" b="1" dirty="0" err="1">
+                <a:effectLst>
+                  <a:outerShdw blurRad="38100" dist="38100" dir="2700000" algn="tl">
+                    <a:srgbClr val="000000">
+                      <a:alpha val="43137"/>
+                    </a:srgbClr>
+                  </a:outerShdw>
+                </a:effectLst>
+              </a:rPr>
+              <a:t>Funcionalidade</a:t>
+            </a:r>
+            <a:r>
+              <a:rPr lang="en-US" sz="2000" b="1" dirty="0">
+                <a:effectLst>
+                  <a:outerShdw blurRad="38100" dist="38100" dir="2700000" algn="tl">
+                    <a:srgbClr val="000000">
+                      <a:alpha val="43137"/>
+                    </a:srgbClr>
+                  </a:outerShdw>
+                </a:effectLst>
+              </a:rPr>
+              <a:t>:</a:t>
+            </a:r>
+            <a:r>
+              <a:rPr lang="en-US" sz="2000" dirty="0"/>
+              <a:t> </a:t>
+            </a:r>
+            <a:r>
+              <a:rPr lang="en-US" sz="2000" dirty="0" err="1"/>
+              <a:t>acesso</a:t>
+            </a:r>
+            <a:r>
+              <a:rPr lang="en-US" sz="2000" dirty="0"/>
+              <a:t> </a:t>
+            </a:r>
+            <a:r>
+              <a:rPr lang="en-US" sz="2000" dirty="0" err="1"/>
+              <a:t>seguro</a:t>
+            </a:r>
+            <a:r>
+              <a:rPr lang="en-US" sz="2000" dirty="0"/>
+              <a:t> a </a:t>
+            </a:r>
+            <a:r>
+              <a:rPr lang="en-US" sz="2000" dirty="0" err="1"/>
+              <a:t>máquinas</a:t>
+            </a:r>
+            <a:r>
+              <a:rPr lang="en-US" sz="2000" dirty="0"/>
+              <a:t> </a:t>
+            </a:r>
+            <a:r>
+              <a:rPr lang="en-US" sz="2000" dirty="0" err="1"/>
+              <a:t>remotas</a:t>
+            </a:r>
+            <a:endParaRPr lang="en-US" sz="2000" dirty="0"/>
           </a:p>
         </p:txBody>
       </p:sp>
     </p:spTree>
     <p:extLst>
       <p:ext uri="{BB962C8B-B14F-4D97-AF65-F5344CB8AC3E}">
-        <p14:creationId xmlns:p14="http://schemas.microsoft.com/office/powerpoint/2010/main" val="2296156541"/>
+        <p14:creationId xmlns:p14="http://schemas.microsoft.com/office/powerpoint/2010/main" val="13529257"/>
       </p:ext>
     </p:extLst>
   </p:cSld>
@@ -7203,7 +10334,7 @@
       </p:grpSpPr>
       <p:sp>
         <p:nvSpPr>
-          <p:cNvPr id="2" name="Título 1"/>
+          <p:cNvPr id="2" name="Title 1"/>
           <p:cNvSpPr>
             <a:spLocks noGrp="1"/>
           </p:cNvSpPr>
@@ -7217,16 +10348,16 @@
           <a:lstStyle/>
           <a:p>
             <a:r>
-              <a:rPr lang="pt-PT" dirty="0" smtClean="0"/>
-              <a:t>Serviços Investigados</a:t>
-            </a:r>
-            <a:endParaRPr lang="pt-PT" dirty="0"/>
-          </a:p>
-        </p:txBody>
-      </p:sp>
-      <p:sp>
-        <p:nvSpPr>
-          <p:cNvPr id="3" name="Marcador de Posição de Conteúdo 2"/>
+              <a:rPr lang="en-US" dirty="0" smtClean="0"/>
+              <a:t>Apache</a:t>
+            </a:r>
+            <a:endParaRPr lang="en-US" dirty="0"/>
+          </a:p>
+        </p:txBody>
+      </p:sp>
+      <p:sp>
+        <p:nvSpPr>
+          <p:cNvPr id="3" name="Content Placeholder 2"/>
           <p:cNvSpPr>
             <a:spLocks noGrp="1"/>
           </p:cNvSpPr>
@@ -7234,19 +10365,306 @@
             <p:ph idx="1"/>
           </p:nvPr>
         </p:nvSpPr>
-        <p:spPr/>
-        <p:txBody>
-          <a:bodyPr/>
+        <p:spPr>
+          <a:xfrm>
+            <a:off x="1141412" y="2729131"/>
+            <a:ext cx="5716588" cy="3230881"/>
+          </a:xfrm>
+        </p:spPr>
+        <p:txBody>
+          <a:bodyPr>
+            <a:noAutofit/>
+          </a:bodyPr>
           <a:lstStyle/>
           <a:p>
-            <a:endParaRPr lang="pt-PT"/>
-          </a:p>
-        </p:txBody>
-      </p:sp>
+            <a:r>
+              <a:rPr lang="en-US" sz="2000" b="1" dirty="0" err="1" smtClean="0">
+                <a:effectLst>
+                  <a:outerShdw blurRad="38100" dist="38100" dir="2700000" algn="tl">
+                    <a:srgbClr val="000000">
+                      <a:alpha val="43137"/>
+                    </a:srgbClr>
+                  </a:outerShdw>
+                </a:effectLst>
+              </a:rPr>
+              <a:t>Versão</a:t>
+            </a:r>
+            <a:r>
+              <a:rPr lang="en-US" sz="2000" b="1" dirty="0" smtClean="0">
+                <a:effectLst>
+                  <a:outerShdw blurRad="38100" dist="38100" dir="2700000" algn="tl">
+                    <a:srgbClr val="000000">
+                      <a:alpha val="43137"/>
+                    </a:srgbClr>
+                  </a:outerShdw>
+                </a:effectLst>
+              </a:rPr>
+              <a:t> </a:t>
+            </a:r>
+            <a:r>
+              <a:rPr lang="en-US" sz="2000" b="1" dirty="0" err="1" smtClean="0">
+                <a:effectLst>
+                  <a:outerShdw blurRad="38100" dist="38100" dir="2700000" algn="tl">
+                    <a:srgbClr val="000000">
+                      <a:alpha val="43137"/>
+                    </a:srgbClr>
+                  </a:outerShdw>
+                </a:effectLst>
+              </a:rPr>
+              <a:t>atual</a:t>
+            </a:r>
+            <a:r>
+              <a:rPr lang="en-US" sz="2000" b="1" dirty="0" smtClean="0">
+                <a:effectLst>
+                  <a:outerShdw blurRad="38100" dist="38100" dir="2700000" algn="tl">
+                    <a:srgbClr val="000000">
+                      <a:alpha val="43137"/>
+                    </a:srgbClr>
+                  </a:outerShdw>
+                </a:effectLst>
+              </a:rPr>
+              <a:t>: </a:t>
+            </a:r>
+            <a:r>
+              <a:rPr lang="en-US" sz="2000" dirty="0" smtClean="0"/>
+              <a:t>2.4.7 (14 de </a:t>
+            </a:r>
+            <a:r>
+              <a:rPr lang="en-US" sz="2000" dirty="0" err="1" smtClean="0"/>
+              <a:t>outubro</a:t>
+            </a:r>
+            <a:r>
+              <a:rPr lang="en-US" sz="2000" dirty="0" smtClean="0"/>
+              <a:t> de 2015)</a:t>
+            </a:r>
+          </a:p>
+          <a:p>
+            <a:r>
+              <a:rPr lang="en-US" sz="2000" b="1" dirty="0" err="1" smtClean="0">
+                <a:effectLst>
+                  <a:outerShdw blurRad="38100" dist="38100" dir="2700000" algn="tl">
+                    <a:srgbClr val="000000">
+                      <a:alpha val="43137"/>
+                    </a:srgbClr>
+                  </a:outerShdw>
+                </a:effectLst>
+              </a:rPr>
+              <a:t>Pacote</a:t>
+            </a:r>
+            <a:r>
+              <a:rPr lang="en-US" sz="2000" b="1" dirty="0" smtClean="0">
+                <a:effectLst>
+                  <a:outerShdw blurRad="38100" dist="38100" dir="2700000" algn="tl">
+                    <a:srgbClr val="000000">
+                      <a:alpha val="43137"/>
+                    </a:srgbClr>
+                  </a:outerShdw>
+                </a:effectLst>
+              </a:rPr>
+              <a:t> de </a:t>
+            </a:r>
+            <a:r>
+              <a:rPr lang="en-US" sz="2000" b="1" dirty="0" err="1" smtClean="0">
+                <a:effectLst>
+                  <a:outerShdw blurRad="38100" dist="38100" dir="2700000" algn="tl">
+                    <a:srgbClr val="000000">
+                      <a:alpha val="43137"/>
+                    </a:srgbClr>
+                  </a:outerShdw>
+                </a:effectLst>
+              </a:rPr>
+              <a:t>instalação</a:t>
+            </a:r>
+            <a:r>
+              <a:rPr lang="en-US" sz="2000" b="1" dirty="0" smtClean="0">
+                <a:effectLst>
+                  <a:outerShdw blurRad="38100" dist="38100" dir="2700000" algn="tl">
+                    <a:srgbClr val="000000">
+                      <a:alpha val="43137"/>
+                    </a:srgbClr>
+                  </a:outerShdw>
+                </a:effectLst>
+              </a:rPr>
+              <a:t>: </a:t>
+            </a:r>
+            <a:r>
+              <a:rPr lang="en-US" sz="2000" i="1" dirty="0" smtClean="0"/>
+              <a:t>apache2</a:t>
+            </a:r>
+            <a:endParaRPr lang="en-US" sz="2000" dirty="0" smtClean="0"/>
+          </a:p>
+          <a:p>
+            <a:r>
+              <a:rPr lang="en-US" sz="2000" b="1" dirty="0" err="1" smtClean="0">
+                <a:effectLst>
+                  <a:outerShdw blurRad="38100" dist="38100" dir="2700000" algn="tl">
+                    <a:srgbClr val="000000">
+                      <a:alpha val="43137"/>
+                    </a:srgbClr>
+                  </a:outerShdw>
+                </a:effectLst>
+              </a:rPr>
+              <a:t>Ficheiro</a:t>
+            </a:r>
+            <a:r>
+              <a:rPr lang="en-US" sz="2000" b="1" dirty="0" smtClean="0">
+                <a:effectLst>
+                  <a:outerShdw blurRad="38100" dist="38100" dir="2700000" algn="tl">
+                    <a:srgbClr val="000000">
+                      <a:alpha val="43137"/>
+                    </a:srgbClr>
+                  </a:outerShdw>
+                </a:effectLst>
+              </a:rPr>
+              <a:t> principal de </a:t>
+            </a:r>
+            <a:r>
+              <a:rPr lang="en-US" sz="2000" b="1" dirty="0" err="1" smtClean="0">
+                <a:effectLst>
+                  <a:outerShdw blurRad="38100" dist="38100" dir="2700000" algn="tl">
+                    <a:srgbClr val="000000">
+                      <a:alpha val="43137"/>
+                    </a:srgbClr>
+                  </a:outerShdw>
+                </a:effectLst>
+              </a:rPr>
+              <a:t>configuração</a:t>
+            </a:r>
+            <a:r>
+              <a:rPr lang="en-US" sz="2000" b="1" dirty="0" smtClean="0">
+                <a:effectLst>
+                  <a:outerShdw blurRad="38100" dist="38100" dir="2700000" algn="tl">
+                    <a:srgbClr val="000000">
+                      <a:alpha val="43137"/>
+                    </a:srgbClr>
+                  </a:outerShdw>
+                </a:effectLst>
+              </a:rPr>
+              <a:t>: </a:t>
+            </a:r>
+            <a:r>
+              <a:rPr lang="en-US" sz="2000" dirty="0" smtClean="0"/>
+              <a:t>	</a:t>
+            </a:r>
+            <a:r>
+              <a:rPr lang="en-US" sz="2000" i="1" dirty="0" smtClean="0"/>
+              <a:t>/</a:t>
+            </a:r>
+            <a:r>
+              <a:rPr lang="en-US" sz="2000" i="1" dirty="0" err="1" smtClean="0"/>
+              <a:t>etc</a:t>
+            </a:r>
+            <a:r>
+              <a:rPr lang="en-US" sz="2000" i="1" dirty="0" smtClean="0"/>
+              <a:t>/apache2/apache2.conf</a:t>
+            </a:r>
+            <a:endParaRPr lang="en-US" sz="2000" dirty="0" smtClean="0"/>
+          </a:p>
+          <a:p>
+            <a:r>
+              <a:rPr lang="en-US" sz="2000" b="1" dirty="0" err="1" smtClean="0">
+                <a:effectLst>
+                  <a:outerShdw blurRad="38100" dist="38100" dir="2700000" algn="tl">
+                    <a:srgbClr val="000000">
+                      <a:alpha val="43137"/>
+                    </a:srgbClr>
+                  </a:outerShdw>
+                </a:effectLst>
+              </a:rPr>
+              <a:t>Funcionalidade</a:t>
+            </a:r>
+            <a:r>
+              <a:rPr lang="en-US" sz="2000" b="1" dirty="0" smtClean="0">
+                <a:effectLst>
+                  <a:outerShdw blurRad="38100" dist="38100" dir="2700000" algn="tl">
+                    <a:srgbClr val="000000">
+                      <a:alpha val="43137"/>
+                    </a:srgbClr>
+                  </a:outerShdw>
+                </a:effectLst>
+              </a:rPr>
+              <a:t>: </a:t>
+            </a:r>
+            <a:r>
+              <a:rPr lang="en-US" sz="2000" dirty="0" err="1" smtClean="0"/>
+              <a:t>servidor</a:t>
+            </a:r>
+            <a:r>
+              <a:rPr lang="en-US" sz="2000" dirty="0" smtClean="0"/>
+              <a:t> de </a:t>
+            </a:r>
+            <a:r>
+              <a:rPr lang="en-US" sz="2000" dirty="0" err="1" smtClean="0"/>
+              <a:t>páginas</a:t>
+            </a:r>
+            <a:r>
+              <a:rPr lang="en-US" sz="2000" dirty="0" smtClean="0"/>
+              <a:t> </a:t>
+            </a:r>
+            <a:r>
+              <a:rPr lang="en-US" sz="2000" i="1" dirty="0" smtClean="0"/>
+              <a:t>Web</a:t>
+            </a:r>
+            <a:endParaRPr lang="en-US" sz="2000" dirty="0"/>
+          </a:p>
+        </p:txBody>
+      </p:sp>
+      <p:pic>
+        <p:nvPicPr>
+          <p:cNvPr id="2050" name="Picture 2" descr="http://4.bp.blogspot.com/-HejeVetIoqg/VVgKdsUOteI/AAAAAAAAB88/MAalrt2rD88/s1600/Apache.png"/>
+          <p:cNvPicPr>
+            <a:picLocks noChangeAspect="1" noChangeArrowheads="1"/>
+          </p:cNvPicPr>
+          <p:nvPr/>
+        </p:nvPicPr>
+        <p:blipFill>
+          <a:blip r:embed="rId2">
+            <a:extLst>
+              <a:ext uri="{28A0092B-C50C-407E-A947-70E740481C1C}">
+                <a14:useLocalDpi xmlns:a14="http://schemas.microsoft.com/office/drawing/2010/main" val="0"/>
+              </a:ext>
+            </a:extLst>
+          </a:blip>
+          <a:srcRect/>
+          <a:stretch>
+            <a:fillRect/>
+          </a:stretch>
+        </p:blipFill>
+        <p:spPr bwMode="auto">
+          <a:xfrm>
+            <a:off x="6718299" y="1123299"/>
+            <a:ext cx="4684540" cy="2579622"/>
+          </a:xfrm>
+          <a:prstGeom prst="rect">
+            <a:avLst/>
+          </a:prstGeom>
+          <a:ln w="38100">
+            <a:solidFill>
+              <a:schemeClr val="tx1"/>
+            </a:solidFill>
+          </a:ln>
+          <a:effectLst>
+            <a:outerShdw blurRad="63500" sx="102000" sy="102000" algn="ctr" rotWithShape="0">
+              <a:prstClr val="black">
+                <a:alpha val="40000"/>
+              </a:prstClr>
+            </a:outerShdw>
+          </a:effectLst>
+          <a:extLst>
+            <a:ext uri="{909E8E84-426E-40DD-AFC4-6F175D3DCCD1}">
+              <a14:hiddenFill xmlns:a14="http://schemas.microsoft.com/office/drawing/2010/main">
+                <a:solidFill>
+                  <a:srgbClr val="FFFFFF"/>
+                </a:solidFill>
+              </a14:hiddenFill>
+            </a:ext>
+          </a:extLst>
+        </p:spPr>
+      </p:pic>
     </p:spTree>
     <p:extLst>
       <p:ext uri="{BB962C8B-B14F-4D97-AF65-F5344CB8AC3E}">
-        <p14:creationId xmlns:p14="http://schemas.microsoft.com/office/powerpoint/2010/main" val="180555243"/>
+        <p14:creationId xmlns:p14="http://schemas.microsoft.com/office/powerpoint/2010/main" val="3429860827"/>
       </p:ext>
     </p:extLst>
   </p:cSld>
@@ -7275,7 +10693,7 @@
       </p:grpSpPr>
       <p:sp>
         <p:nvSpPr>
-          <p:cNvPr id="2" name="Título 1"/>
+          <p:cNvPr id="2" name="Title 1"/>
           <p:cNvSpPr>
             <a:spLocks noGrp="1"/>
           </p:cNvSpPr>
@@ -7289,16 +10707,16 @@
           <a:lstStyle/>
           <a:p>
             <a:r>
-              <a:rPr lang="pt-PT" dirty="0" smtClean="0"/>
-              <a:t>Apache 2</a:t>
-            </a:r>
-            <a:endParaRPr lang="pt-PT" dirty="0"/>
-          </a:p>
-        </p:txBody>
-      </p:sp>
-      <p:sp>
-        <p:nvSpPr>
-          <p:cNvPr id="3" name="Marcador de Posição de Conteúdo 2"/>
+              <a:rPr lang="en-US" dirty="0" smtClean="0"/>
+              <a:t>MOODLE</a:t>
+            </a:r>
+            <a:endParaRPr lang="en-US" dirty="0"/>
+          </a:p>
+        </p:txBody>
+      </p:sp>
+      <p:sp>
+        <p:nvSpPr>
+          <p:cNvPr id="3" name="Content Placeholder 2"/>
           <p:cNvSpPr>
             <a:spLocks noGrp="1"/>
           </p:cNvSpPr>
@@ -7308,33 +10726,283 @@
         </p:nvSpPr>
         <p:spPr>
           <a:xfrm>
-            <a:off x="677334" y="3268626"/>
-            <a:ext cx="8596668" cy="1561557"/>
+            <a:off x="1141412" y="2729131"/>
+            <a:ext cx="6877173" cy="3713872"/>
           </a:xfrm>
         </p:spPr>
         <p:txBody>
-          <a:bodyPr/>
+          <a:bodyPr>
+            <a:normAutofit/>
+          </a:bodyPr>
           <a:lstStyle/>
           <a:p>
-            <a:pPr algn="just"/>
-            <a:r>
-              <a:rPr lang="pt-PT" dirty="0"/>
-              <a:t>O Apache é um Software destinado à implementação de um servidor onde seja possível criar, alojar e disponibilizar páginas Web. A sua estabilidade, fiabilidade e simplicidade, bem como a sua distribuição totalmente gratuita e de livre edição para qualquer programador (</a:t>
-            </a:r>
-            <a:r>
-              <a:rPr lang="pt-PT" dirty="0" err="1"/>
-              <a:t>Opensource</a:t>
-            </a:r>
-            <a:r>
-              <a:rPr lang="pt-PT" dirty="0"/>
-              <a:t> Software) tornou este a mais popular escolha a quem pretenda configurar um servidor Web. </a:t>
-            </a:r>
+            <a:r>
+              <a:rPr lang="en-US" sz="2000" b="1" dirty="0" err="1" smtClean="0">
+                <a:effectLst>
+                  <a:outerShdw blurRad="38100" dist="38100" dir="2700000" algn="tl">
+                    <a:srgbClr val="000000">
+                      <a:alpha val="43137"/>
+                    </a:srgbClr>
+                  </a:outerShdw>
+                </a:effectLst>
+              </a:rPr>
+              <a:t>Versão</a:t>
+            </a:r>
+            <a:r>
+              <a:rPr lang="en-US" sz="2000" b="1" dirty="0" smtClean="0">
+                <a:effectLst>
+                  <a:outerShdw blurRad="38100" dist="38100" dir="2700000" algn="tl">
+                    <a:srgbClr val="000000">
+                      <a:alpha val="43137"/>
+                    </a:srgbClr>
+                  </a:outerShdw>
+                </a:effectLst>
+              </a:rPr>
+              <a:t> </a:t>
+            </a:r>
+            <a:r>
+              <a:rPr lang="en-US" sz="2000" b="1" dirty="0" err="1" smtClean="0">
+                <a:effectLst>
+                  <a:outerShdw blurRad="38100" dist="38100" dir="2700000" algn="tl">
+                    <a:srgbClr val="000000">
+                      <a:alpha val="43137"/>
+                    </a:srgbClr>
+                  </a:outerShdw>
+                </a:effectLst>
+              </a:rPr>
+              <a:t>atual</a:t>
+            </a:r>
+            <a:r>
+              <a:rPr lang="en-US" sz="2000" b="1" dirty="0" smtClean="0">
+                <a:effectLst>
+                  <a:outerShdw blurRad="38100" dist="38100" dir="2700000" algn="tl">
+                    <a:srgbClr val="000000">
+                      <a:alpha val="43137"/>
+                    </a:srgbClr>
+                  </a:outerShdw>
+                </a:effectLst>
+              </a:rPr>
+              <a:t>:</a:t>
+            </a:r>
+            <a:r>
+              <a:rPr lang="en-US" sz="2000" dirty="0" smtClean="0"/>
+              <a:t> 3.0.1 (21 de </a:t>
+            </a:r>
+            <a:r>
+              <a:rPr lang="en-US" sz="2000" dirty="0" err="1" smtClean="0"/>
+              <a:t>dezembro</a:t>
+            </a:r>
+            <a:r>
+              <a:rPr lang="en-US" sz="2000" dirty="0" smtClean="0"/>
+              <a:t> de 2015)</a:t>
+            </a:r>
+          </a:p>
+          <a:p>
+            <a:r>
+              <a:rPr lang="en-US" sz="2000" b="1" dirty="0" err="1" smtClean="0">
+                <a:effectLst>
+                  <a:outerShdw blurRad="38100" dist="38100" dir="2700000" algn="tl">
+                    <a:srgbClr val="000000">
+                      <a:alpha val="43137"/>
+                    </a:srgbClr>
+                  </a:outerShdw>
+                </a:effectLst>
+              </a:rPr>
+              <a:t>Repositório</a:t>
+            </a:r>
+            <a:r>
+              <a:rPr lang="en-US" sz="2000" b="1" dirty="0" smtClean="0">
+                <a:effectLst>
+                  <a:outerShdw blurRad="38100" dist="38100" dir="2700000" algn="tl">
+                    <a:srgbClr val="000000">
+                      <a:alpha val="43137"/>
+                    </a:srgbClr>
+                  </a:outerShdw>
+                </a:effectLst>
+              </a:rPr>
+              <a:t> do </a:t>
+            </a:r>
+            <a:r>
+              <a:rPr lang="en-US" sz="2000" b="1" dirty="0" err="1" smtClean="0">
+                <a:effectLst>
+                  <a:outerShdw blurRad="38100" dist="38100" dir="2700000" algn="tl">
+                    <a:srgbClr val="000000">
+                      <a:alpha val="43137"/>
+                    </a:srgbClr>
+                  </a:outerShdw>
+                </a:effectLst>
+              </a:rPr>
+              <a:t>pacote</a:t>
+            </a:r>
+            <a:r>
+              <a:rPr lang="en-US" sz="2000" b="1" dirty="0" smtClean="0">
+                <a:effectLst>
+                  <a:outerShdw blurRad="38100" dist="38100" dir="2700000" algn="tl">
+                    <a:srgbClr val="000000">
+                      <a:alpha val="43137"/>
+                    </a:srgbClr>
+                  </a:outerShdw>
+                </a:effectLst>
+              </a:rPr>
+              <a:t>: </a:t>
+            </a:r>
+            <a:r>
+              <a:rPr lang="en-US" sz="2000" dirty="0" smtClean="0"/>
+              <a:t>git.moodle.org/</a:t>
+            </a:r>
+            <a:r>
+              <a:rPr lang="en-US" sz="2000" dirty="0" err="1" smtClean="0"/>
+              <a:t>moodle.git</a:t>
+            </a:r>
+            <a:endParaRPr lang="en-US" sz="2000" dirty="0" smtClean="0"/>
+          </a:p>
+          <a:p>
+            <a:r>
+              <a:rPr lang="en-US" sz="2000" b="1" dirty="0" err="1" smtClean="0">
+                <a:effectLst>
+                  <a:outerShdw blurRad="38100" dist="38100" dir="2700000" algn="tl">
+                    <a:srgbClr val="000000">
+                      <a:alpha val="43137"/>
+                    </a:srgbClr>
+                  </a:outerShdw>
+                </a:effectLst>
+              </a:rPr>
+              <a:t>Ficheiro</a:t>
+            </a:r>
+            <a:r>
+              <a:rPr lang="en-US" sz="2000" b="1" dirty="0" smtClean="0">
+                <a:effectLst>
+                  <a:outerShdw blurRad="38100" dist="38100" dir="2700000" algn="tl">
+                    <a:srgbClr val="000000">
+                      <a:alpha val="43137"/>
+                    </a:srgbClr>
+                  </a:outerShdw>
+                </a:effectLst>
+              </a:rPr>
+              <a:t> principal de </a:t>
+            </a:r>
+            <a:r>
+              <a:rPr lang="en-US" sz="2000" b="1" dirty="0" err="1" smtClean="0">
+                <a:effectLst>
+                  <a:outerShdw blurRad="38100" dist="38100" dir="2700000" algn="tl">
+                    <a:srgbClr val="000000">
+                      <a:alpha val="43137"/>
+                    </a:srgbClr>
+                  </a:outerShdw>
+                </a:effectLst>
+              </a:rPr>
+              <a:t>configuração</a:t>
+            </a:r>
+            <a:r>
+              <a:rPr lang="en-US" sz="2000" b="1" dirty="0" smtClean="0">
+                <a:effectLst>
+                  <a:outerShdw blurRad="38100" dist="38100" dir="2700000" algn="tl">
+                    <a:srgbClr val="000000">
+                      <a:alpha val="43137"/>
+                    </a:srgbClr>
+                  </a:outerShdw>
+                </a:effectLst>
+              </a:rPr>
+              <a:t>: </a:t>
+            </a:r>
+            <a:r>
+              <a:rPr lang="en-US" sz="2000" dirty="0" smtClean="0"/>
+              <a:t>	</a:t>
+            </a:r>
+            <a:r>
+              <a:rPr lang="en-US" sz="2000" i="1" dirty="0" smtClean="0"/>
+              <a:t>/</a:t>
+            </a:r>
+            <a:r>
+              <a:rPr lang="en-US" sz="2000" i="1" dirty="0" err="1" smtClean="0"/>
+              <a:t>var</a:t>
+            </a:r>
+            <a:r>
+              <a:rPr lang="en-US" sz="2000" i="1" dirty="0" smtClean="0"/>
+              <a:t>/www/html/</a:t>
+            </a:r>
+            <a:r>
+              <a:rPr lang="en-US" sz="2000" i="1" dirty="0" err="1" smtClean="0"/>
+              <a:t>moodle</a:t>
+            </a:r>
+            <a:r>
+              <a:rPr lang="en-US" sz="2000" i="1" dirty="0" smtClean="0"/>
+              <a:t>/</a:t>
+            </a:r>
+            <a:r>
+              <a:rPr lang="en-US" sz="2000" i="1" dirty="0" err="1" smtClean="0"/>
+              <a:t>config.php</a:t>
+            </a:r>
+            <a:endParaRPr lang="en-US" sz="2000" dirty="0" smtClean="0"/>
+          </a:p>
+          <a:p>
+            <a:r>
+              <a:rPr lang="en-US" sz="2000" b="1" dirty="0" err="1" smtClean="0">
+                <a:effectLst>
+                  <a:outerShdw blurRad="38100" dist="38100" dir="2700000" algn="tl">
+                    <a:srgbClr val="000000">
+                      <a:alpha val="43137"/>
+                    </a:srgbClr>
+                  </a:outerShdw>
+                </a:effectLst>
+              </a:rPr>
+              <a:t>Funcionalidade</a:t>
+            </a:r>
+            <a:r>
+              <a:rPr lang="en-US" sz="2000" b="1" dirty="0" smtClean="0">
+                <a:effectLst>
+                  <a:outerShdw blurRad="38100" dist="38100" dir="2700000" algn="tl">
+                    <a:srgbClr val="000000">
+                      <a:alpha val="43137"/>
+                    </a:srgbClr>
+                  </a:outerShdw>
+                </a:effectLst>
+              </a:rPr>
+              <a:t>: </a:t>
+            </a:r>
+            <a:r>
+              <a:rPr lang="en-US" sz="2000" dirty="0" err="1" smtClean="0"/>
+              <a:t>Plataforma</a:t>
+            </a:r>
+            <a:r>
+              <a:rPr lang="en-US" sz="2000" dirty="0" smtClean="0"/>
+              <a:t> de </a:t>
+            </a:r>
+            <a:r>
+              <a:rPr lang="en-US" sz="2000" dirty="0" err="1" smtClean="0"/>
+              <a:t>ensino</a:t>
+            </a:r>
+            <a:r>
+              <a:rPr lang="en-US" sz="2000" dirty="0" smtClean="0"/>
+              <a:t> </a:t>
+            </a:r>
+            <a:r>
+              <a:rPr lang="en-US" sz="2000" dirty="0" err="1" smtClean="0"/>
+              <a:t>por</a:t>
+            </a:r>
+            <a:r>
+              <a:rPr lang="en-US" sz="2000" dirty="0" smtClean="0"/>
+              <a:t> </a:t>
+            </a:r>
+            <a:r>
+              <a:rPr lang="en-US" sz="2000" dirty="0" err="1" smtClean="0"/>
+              <a:t>acesso</a:t>
+            </a:r>
+            <a:r>
+              <a:rPr lang="en-US" sz="2000" dirty="0"/>
+              <a:t> </a:t>
+            </a:r>
+            <a:r>
+              <a:rPr lang="en-US" sz="2000" i="1" dirty="0" smtClean="0"/>
+              <a:t>Web</a:t>
+            </a:r>
+            <a:endParaRPr lang="en-US" sz="2000" i="1" dirty="0"/>
           </a:p>
         </p:txBody>
       </p:sp>
       <p:pic>
         <p:nvPicPr>
-          <p:cNvPr id="3074" name="Picture 2" descr="http://sistemas.cekurte.com/wp-content/uploads/2011/12/Apache-Server.jpg"/>
+          <p:cNvPr id="2054" name="Picture 6" descr="http://www3.ipbrick.com/wp-content/uploads/2014/01/ipbrick_moodle_software.jpg"/>
           <p:cNvPicPr>
             <a:picLocks noChangeAspect="1" noChangeArrowheads="1"/>
           </p:cNvPicPr>
@@ -7355,13 +11023,24 @@
         </p:blipFill>
         <p:spPr bwMode="auto">
           <a:xfrm>
-            <a:off x="3765993" y="1270000"/>
-            <a:ext cx="2419350" cy="1571626"/>
+            <a:off x="6981398" y="1046540"/>
+            <a:ext cx="4249464" cy="1050548"/>
           </a:xfrm>
           <a:prstGeom prst="rect">
             <a:avLst/>
           </a:prstGeom>
-          <a:noFill/>
+          <a:ln w="38100">
+            <a:solidFill>
+              <a:schemeClr val="tx1"/>
+            </a:solidFill>
+          </a:ln>
+          <a:effectLst>
+            <a:outerShdw blurRad="63500" sx="102000" sy="102000" algn="ctr" rotWithShape="0">
+              <a:prstClr val="black">
+                <a:alpha val="40000"/>
+              </a:prstClr>
+            </a:outerShdw>
+          </a:effectLst>
           <a:extLst>
             <a:ext uri="{909E8E84-426E-40DD-AFC4-6F175D3DCCD1}">
               <a14:hiddenFill xmlns:a14="http://schemas.microsoft.com/office/drawing/2010/main">
@@ -7376,7 +11055,7 @@
     </p:spTree>
     <p:extLst>
       <p:ext uri="{BB962C8B-B14F-4D97-AF65-F5344CB8AC3E}">
-        <p14:creationId xmlns:p14="http://schemas.microsoft.com/office/powerpoint/2010/main" val="4254374923"/>
+        <p14:creationId xmlns:p14="http://schemas.microsoft.com/office/powerpoint/2010/main" val="2864249617"/>
       </p:ext>
     </p:extLst>
   </p:cSld>
@@ -7387,7 +11066,7 @@
 </file>
 
 <file path=ppt/theme/theme1.xml><?xml version="1.0" encoding="utf-8"?>
-<a:theme xmlns:a="http://schemas.openxmlformats.org/drawingml/2006/main" name="Faceta">
+<a:theme xmlns:a="http://schemas.openxmlformats.org/drawingml/2006/main" name="Facet">
   <a:themeElements>
     <a:clrScheme name="Facet">
       <a:dk1>
